--- a/발표 자료/최종 발표 자료/순서도.pptx
+++ b/발표 자료/최종 발표 자료/순서도.pptx
@@ -8,6 +8,7 @@
     <p:sldId id="431" r:id="rId2"/>
     <p:sldId id="432" r:id="rId3"/>
     <p:sldId id="433" r:id="rId4"/>
+    <p:sldId id="434" r:id="rId5"/>
   </p:sldIdLst>
   <p:sldSz cx="6858000" cy="9906000" type="A4"/>
   <p:notesSz cx="6858000" cy="9144000"/>
@@ -279,7 +280,7 @@
                 </a:solidFill>
               </a:rPr>
               <a:pPr/>
-              <a:t>2020-09-15</a:t>
+              <a:t>2020-09-16</a:t>
             </a:fld>
             <a:endParaRPr lang="ko-KR" altLang="en-US">
               <a:solidFill>
@@ -509,7 +510,7 @@
                 </a:solidFill>
               </a:rPr>
               <a:pPr/>
-              <a:t>2020-09-15</a:t>
+              <a:t>2020-09-16</a:t>
             </a:fld>
             <a:endParaRPr lang="ko-KR" altLang="en-US">
               <a:solidFill>
@@ -749,7 +750,7 @@
                 </a:solidFill>
               </a:rPr>
               <a:pPr/>
-              <a:t>2020-09-15</a:t>
+              <a:t>2020-09-16</a:t>
             </a:fld>
             <a:endParaRPr lang="ko-KR" altLang="en-US">
               <a:solidFill>
@@ -979,7 +980,7 @@
                 </a:solidFill>
               </a:rPr>
               <a:pPr/>
-              <a:t>2020-09-15</a:t>
+              <a:t>2020-09-16</a:t>
             </a:fld>
             <a:endParaRPr lang="ko-KR" altLang="en-US">
               <a:solidFill>
@@ -1286,7 +1287,7 @@
                 </a:solidFill>
               </a:rPr>
               <a:pPr/>
-              <a:t>2020-09-15</a:t>
+              <a:t>2020-09-16</a:t>
             </a:fld>
             <a:endParaRPr lang="ko-KR" altLang="en-US">
               <a:solidFill>
@@ -1583,7 +1584,7 @@
                 </a:solidFill>
               </a:rPr>
               <a:pPr/>
-              <a:t>2020-09-15</a:t>
+              <a:t>2020-09-16</a:t>
             </a:fld>
             <a:endParaRPr lang="ko-KR" altLang="en-US">
               <a:solidFill>
@@ -2027,7 +2028,7 @@
                 </a:solidFill>
               </a:rPr>
               <a:pPr/>
-              <a:t>2020-09-15</a:t>
+              <a:t>2020-09-16</a:t>
             </a:fld>
             <a:endParaRPr lang="ko-KR" altLang="en-US">
               <a:solidFill>
@@ -2200,7 +2201,7 @@
                 </a:solidFill>
               </a:rPr>
               <a:pPr/>
-              <a:t>2020-09-15</a:t>
+              <a:t>2020-09-16</a:t>
             </a:fld>
             <a:endParaRPr lang="ko-KR" altLang="en-US">
               <a:solidFill>
@@ -2345,7 +2346,7 @@
                 </a:solidFill>
               </a:rPr>
               <a:pPr/>
-              <a:t>2020-09-15</a:t>
+              <a:t>2020-09-16</a:t>
             </a:fld>
             <a:endParaRPr lang="ko-KR" altLang="en-US">
               <a:solidFill>
@@ -2688,7 +2689,7 @@
                 </a:solidFill>
               </a:rPr>
               <a:pPr/>
-              <a:t>2020-09-15</a:t>
+              <a:t>2020-09-16</a:t>
             </a:fld>
             <a:endParaRPr lang="ko-KR" altLang="en-US">
               <a:solidFill>
@@ -3008,7 +3009,7 @@
                 </a:solidFill>
               </a:rPr>
               <a:pPr/>
-              <a:t>2020-09-15</a:t>
+              <a:t>2020-09-16</a:t>
             </a:fld>
             <a:endParaRPr lang="ko-KR" altLang="en-US">
               <a:solidFill>
@@ -3281,7 +3282,7 @@
                 </a:solidFill>
               </a:rPr>
               <a:pPr/>
-              <a:t>2020-09-15</a:t>
+              <a:t>2020-09-16</a:t>
             </a:fld>
             <a:endParaRPr lang="ko-KR" altLang="en-US">
               <a:solidFill>
@@ -3736,97 +3737,13 @@
       </p:grpSpPr>
       <p:sp>
         <p:nvSpPr>
-          <p:cNvPr id="6" name="직사각형 5">
-            <a:extLst>
-              <a:ext uri="{FF2B5EF4-FFF2-40B4-BE49-F238E27FC236}">
-                <a16:creationId xmlns:a16="http://schemas.microsoft.com/office/drawing/2014/main" id="{DF6E2234-47DF-4A1C-89F3-F7877BA742ED}"/>
-              </a:ext>
-            </a:extLst>
-          </p:cNvPr>
-          <p:cNvSpPr/>
-          <p:nvPr/>
-        </p:nvSpPr>
-        <p:spPr>
-          <a:xfrm>
-            <a:off x="155966" y="105937"/>
-            <a:ext cx="2930134" cy="425629"/>
-          </a:xfrm>
-          <a:prstGeom prst="rect">
-            <a:avLst/>
-          </a:prstGeom>
-          <a:noFill/>
-        </p:spPr>
-        <p:txBody>
-          <a:bodyPr wrap="square">
-            <a:spAutoFit/>
-          </a:bodyPr>
-          <a:lstStyle/>
-          <a:p>
-            <a:pPr defTabSz="514350">
-              <a:lnSpc>
-                <a:spcPct val="150000"/>
-              </a:lnSpc>
-              <a:defRPr/>
-            </a:pPr>
-            <a:r>
-              <a:rPr lang="ko-KR" altLang="en-US" sz="1575" kern="0" dirty="0">
-                <a:solidFill>
-                  <a:srgbClr val="A9D18E"/>
-                </a:solidFill>
-                <a:latin typeface="KoPubWorld돋움체 Bold" panose="00000800000000000000" pitchFamily="2" charset="-127"/>
-                <a:ea typeface="KoPubWorld돋움체 Bold" panose="00000800000000000000" pitchFamily="2" charset="-127"/>
-                <a:cs typeface="KoPubWorld돋움체 Bold" panose="00000800000000000000" pitchFamily="2" charset="-127"/>
-              </a:rPr>
-              <a:t>프로젝트 계획</a:t>
-            </a:r>
-            <a:r>
-              <a:rPr lang="en-US" altLang="ko-KR" sz="1575" kern="0" dirty="0">
-                <a:solidFill>
-                  <a:prstClr val="white">
-                    <a:lumMod val="95000"/>
-                  </a:prstClr>
-                </a:solidFill>
-                <a:latin typeface="KoPubWorld돋움체 Bold" panose="00000800000000000000" pitchFamily="2" charset="-127"/>
-                <a:ea typeface="KoPubWorld돋움체 Bold" panose="00000800000000000000" pitchFamily="2" charset="-127"/>
-                <a:cs typeface="KoPubWorld돋움체 Bold" panose="00000800000000000000" pitchFamily="2" charset="-127"/>
-              </a:rPr>
-              <a:t>_</a:t>
-            </a:r>
-            <a:r>
-              <a:rPr lang="ko-KR" altLang="en-US" sz="1575" kern="0" dirty="0">
-                <a:solidFill>
-                  <a:prstClr val="white">
-                    <a:lumMod val="95000"/>
-                  </a:prstClr>
-                </a:solidFill>
-                <a:latin typeface="KoPubWorld돋움체 Bold" panose="00000800000000000000" pitchFamily="2" charset="-127"/>
-                <a:ea typeface="KoPubWorld돋움체 Bold" panose="00000800000000000000" pitchFamily="2" charset="-127"/>
-                <a:cs typeface="KoPubWorld돋움체 Bold" panose="00000800000000000000" pitchFamily="2" charset="-127"/>
-              </a:rPr>
-              <a:t>순서도</a:t>
-            </a:r>
-            <a:endParaRPr lang="en-US" altLang="ko-KR" kern="0" dirty="0">
-              <a:solidFill>
-                <a:prstClr val="white">
-                  <a:lumMod val="95000"/>
-                </a:prstClr>
-              </a:solidFill>
-              <a:latin typeface="KoPubWorld돋움체 Bold" panose="00000800000000000000" pitchFamily="2" charset="-127"/>
-              <a:ea typeface="KoPubWorld돋움체 Bold" panose="00000800000000000000" pitchFamily="2" charset="-127"/>
-              <a:cs typeface="KoPubWorld돋움체 Bold" panose="00000800000000000000" pitchFamily="2" charset="-127"/>
-            </a:endParaRPr>
-          </a:p>
-        </p:txBody>
-      </p:sp>
-      <p:sp>
-        <p:nvSpPr>
           <p:cNvPr id="5" name="다이아몬드 4"/>
           <p:cNvSpPr/>
           <p:nvPr/>
         </p:nvSpPr>
         <p:spPr>
           <a:xfrm>
-            <a:off x="429832" y="1173216"/>
+            <a:off x="429832" y="999591"/>
             <a:ext cx="1618831" cy="526708"/>
           </a:xfrm>
           <a:prstGeom prst="diamond">
@@ -3888,7 +3805,7 @@
         </p:nvCxnSpPr>
         <p:spPr>
           <a:xfrm rot="5400000">
-            <a:off x="676995" y="1580851"/>
+            <a:off x="676995" y="1407226"/>
             <a:ext cx="443181" cy="681326"/>
           </a:xfrm>
           <a:prstGeom prst="bentConnector3">
@@ -3930,7 +3847,7 @@
         </p:nvCxnSpPr>
         <p:spPr>
           <a:xfrm>
-            <a:off x="1229516" y="931792"/>
+            <a:off x="1229516" y="758167"/>
             <a:ext cx="9732" cy="241424"/>
           </a:xfrm>
           <a:prstGeom prst="straightConnector1">
@@ -3976,7 +3893,7 @@
         </p:nvCxnSpPr>
         <p:spPr>
           <a:xfrm rot="16200000" flipH="1">
-            <a:off x="1365097" y="1574075"/>
+            <a:off x="1365097" y="1400450"/>
             <a:ext cx="450013" cy="701710"/>
           </a:xfrm>
           <a:prstGeom prst="bentConnector3">
@@ -4024,7 +3941,7 @@
         </p:nvCxnSpPr>
         <p:spPr>
           <a:xfrm rot="16200000" flipH="1">
-            <a:off x="686937" y="2354152"/>
+            <a:off x="686937" y="2180527"/>
             <a:ext cx="410263" cy="668293"/>
           </a:xfrm>
           <a:prstGeom prst="bentConnector3">
@@ -4072,7 +3989,7 @@
         </p:nvCxnSpPr>
         <p:spPr>
           <a:xfrm rot="5400000">
-            <a:off x="1381871" y="2334343"/>
+            <a:off x="1381871" y="2160718"/>
             <a:ext cx="403432" cy="714743"/>
           </a:xfrm>
           <a:prstGeom prst="bentConnector3">
@@ -4116,7 +4033,7 @@
         </p:nvSpPr>
         <p:spPr>
           <a:xfrm>
-            <a:off x="763278" y="648367"/>
+            <a:off x="763278" y="474742"/>
             <a:ext cx="932476" cy="283425"/>
           </a:xfrm>
           <a:prstGeom prst="flowChartTerminator">
@@ -4180,7 +4097,7 @@
         </p:nvSpPr>
         <p:spPr>
           <a:xfrm>
-            <a:off x="472518" y="3504953"/>
+            <a:off x="472518" y="3331328"/>
             <a:ext cx="1520190" cy="526708"/>
           </a:xfrm>
           <a:prstGeom prst="diamond">
@@ -4244,7 +4161,7 @@
         </p:nvSpPr>
         <p:spPr>
           <a:xfrm>
-            <a:off x="157255" y="2143105"/>
+            <a:off x="157255" y="1969480"/>
             <a:ext cx="801334" cy="340062"/>
           </a:xfrm>
           <a:prstGeom prst="rect">
@@ -4330,7 +4247,7 @@
         </p:nvSpPr>
         <p:spPr>
           <a:xfrm>
-            <a:off x="1540291" y="2149937"/>
+            <a:off x="1540291" y="1976312"/>
             <a:ext cx="801334" cy="340062"/>
           </a:xfrm>
           <a:prstGeom prst="rect">
@@ -4405,7 +4322,7 @@
         </p:nvSpPr>
         <p:spPr>
           <a:xfrm>
-            <a:off x="825548" y="2893430"/>
+            <a:off x="825548" y="2719805"/>
             <a:ext cx="801334" cy="340062"/>
           </a:xfrm>
           <a:prstGeom prst="rect">
@@ -4473,7 +4390,7 @@
         </p:nvCxnSpPr>
         <p:spPr>
           <a:xfrm rot="5400000">
-            <a:off x="686663" y="3926899"/>
+            <a:off x="686663" y="3753274"/>
             <a:ext cx="441188" cy="650713"/>
           </a:xfrm>
           <a:prstGeom prst="bentConnector3">
@@ -4521,7 +4438,7 @@
         </p:nvCxnSpPr>
         <p:spPr>
           <a:xfrm rot="16200000" flipH="1">
-            <a:off x="1383919" y="3880354"/>
+            <a:off x="1383919" y="3706729"/>
             <a:ext cx="448020" cy="750633"/>
           </a:xfrm>
           <a:prstGeom prst="bentConnector3">
@@ -4565,7 +4482,7 @@
         </p:nvSpPr>
         <p:spPr>
           <a:xfrm>
-            <a:off x="181233" y="4472849"/>
+            <a:off x="181233" y="4299224"/>
             <a:ext cx="801334" cy="340062"/>
           </a:xfrm>
           <a:prstGeom prst="rect">
@@ -4629,7 +4546,7 @@
         </p:nvSpPr>
         <p:spPr>
           <a:xfrm>
-            <a:off x="1469746" y="4479681"/>
+            <a:off x="1469746" y="4306056"/>
             <a:ext cx="1026999" cy="348073"/>
           </a:xfrm>
           <a:prstGeom prst="rect">
@@ -4697,7 +4614,7 @@
         </p:nvCxnSpPr>
         <p:spPr>
           <a:xfrm flipH="1">
-            <a:off x="579892" y="4812911"/>
+            <a:off x="579892" y="4639286"/>
             <a:ext cx="2008" cy="261353"/>
           </a:xfrm>
           <a:prstGeom prst="straightConnector1">
@@ -4739,7 +4656,7 @@
         </p:nvSpPr>
         <p:spPr>
           <a:xfrm>
-            <a:off x="179225" y="5074264"/>
+            <a:off x="179225" y="4900639"/>
             <a:ext cx="801334" cy="340062"/>
           </a:xfrm>
           <a:prstGeom prst="rect">
@@ -4803,7 +4720,7 @@
         </p:nvSpPr>
         <p:spPr>
           <a:xfrm>
-            <a:off x="1523120" y="5786583"/>
+            <a:off x="1523120" y="5612958"/>
             <a:ext cx="932476" cy="283425"/>
           </a:xfrm>
           <a:prstGeom prst="flowChartTerminator">
@@ -4871,7 +4788,7 @@
         </p:nvCxnSpPr>
         <p:spPr>
           <a:xfrm>
-            <a:off x="1983246" y="4827754"/>
+            <a:off x="1983246" y="4654129"/>
             <a:ext cx="5757" cy="246510"/>
           </a:xfrm>
           <a:prstGeom prst="straightConnector1">
@@ -4913,7 +4830,7 @@
         </p:nvSpPr>
         <p:spPr>
           <a:xfrm>
-            <a:off x="1469746" y="5074264"/>
+            <a:off x="1469746" y="4900639"/>
             <a:ext cx="1038513" cy="338373"/>
           </a:xfrm>
           <a:prstGeom prst="rect">
@@ -4981,7 +4898,7 @@
         </p:nvCxnSpPr>
         <p:spPr>
           <a:xfrm>
-            <a:off x="1989003" y="5412637"/>
+            <a:off x="1989003" y="5239012"/>
             <a:ext cx="355" cy="373946"/>
           </a:xfrm>
           <a:prstGeom prst="straightConnector1">
@@ -5023,7 +4940,7 @@
         </p:nvSpPr>
         <p:spPr>
           <a:xfrm>
-            <a:off x="429832" y="1740731"/>
+            <a:off x="429832" y="1567106"/>
             <a:ext cx="365806" cy="222240"/>
           </a:xfrm>
           <a:prstGeom prst="rect">
@@ -5078,7 +4995,7 @@
         </p:nvSpPr>
         <p:spPr>
           <a:xfrm>
-            <a:off x="1709886" y="1715474"/>
+            <a:off x="1709886" y="1541849"/>
             <a:ext cx="320922" cy="222240"/>
           </a:xfrm>
           <a:prstGeom prst="rect">
@@ -5133,7 +5050,7 @@
         </p:nvSpPr>
         <p:spPr>
           <a:xfrm>
-            <a:off x="488810" y="4051732"/>
+            <a:off x="488810" y="3878107"/>
             <a:ext cx="585418" cy="222240"/>
           </a:xfrm>
           <a:prstGeom prst="rect">
@@ -5188,7 +5105,7 @@
         </p:nvSpPr>
         <p:spPr>
           <a:xfrm>
-            <a:off x="1760352" y="4054790"/>
+            <a:off x="1760352" y="3881165"/>
             <a:ext cx="367408" cy="222240"/>
           </a:xfrm>
           <a:prstGeom prst="rect">
@@ -5247,7 +5164,7 @@
         </p:nvCxnSpPr>
         <p:spPr>
           <a:xfrm>
-            <a:off x="1226215" y="3233492"/>
+            <a:off x="1226215" y="3059867"/>
             <a:ext cx="6398" cy="271461"/>
           </a:xfrm>
           <a:prstGeom prst="straightConnector1">
@@ -5289,7 +5206,7 @@
         </p:nvSpPr>
         <p:spPr>
           <a:xfrm>
-            <a:off x="82076" y="5848155"/>
+            <a:off x="82076" y="5674530"/>
             <a:ext cx="995631" cy="415499"/>
           </a:xfrm>
           <a:prstGeom prst="diamond">
@@ -5357,7 +5274,7 @@
         </p:nvCxnSpPr>
         <p:spPr>
           <a:xfrm rot="5400000">
-            <a:off x="226412" y="6617134"/>
+            <a:off x="226412" y="6443509"/>
             <a:ext cx="706961" cy="1"/>
           </a:xfrm>
           <a:prstGeom prst="bentConnector3">
@@ -5405,7 +5322,7 @@
         </p:nvCxnSpPr>
         <p:spPr>
           <a:xfrm rot="16200000" flipH="1">
-            <a:off x="1060199" y="5783346"/>
+            <a:off x="1060199" y="5609721"/>
             <a:ext cx="706962" cy="1667577"/>
           </a:xfrm>
           <a:prstGeom prst="bentConnector3">
@@ -5449,7 +5366,7 @@
         </p:nvSpPr>
         <p:spPr>
           <a:xfrm>
-            <a:off x="110389" y="6970615"/>
+            <a:off x="110389" y="6796990"/>
             <a:ext cx="939004" cy="358887"/>
           </a:xfrm>
           <a:prstGeom prst="rect">
@@ -5598,7 +5515,7 @@
         </p:nvSpPr>
         <p:spPr>
           <a:xfrm>
-            <a:off x="1112374" y="6970616"/>
+            <a:off x="1112374" y="6796991"/>
             <a:ext cx="714743" cy="340062"/>
           </a:xfrm>
           <a:prstGeom prst="rect">
@@ -5681,7 +5598,7 @@
         </p:nvSpPr>
         <p:spPr>
           <a:xfrm>
-            <a:off x="1890097" y="6970616"/>
+            <a:off x="1890097" y="6796991"/>
             <a:ext cx="714743" cy="340062"/>
           </a:xfrm>
           <a:prstGeom prst="rect">
@@ -5764,7 +5681,7 @@
         </p:nvSpPr>
         <p:spPr>
           <a:xfrm>
-            <a:off x="2667821" y="6970616"/>
+            <a:off x="2667821" y="6796991"/>
             <a:ext cx="787787" cy="340062"/>
           </a:xfrm>
           <a:prstGeom prst="rect">
@@ -5851,7 +5768,7 @@
         </p:nvCxnSpPr>
         <p:spPr>
           <a:xfrm rot="16200000" flipH="1">
-            <a:off x="671338" y="6172208"/>
+            <a:off x="671338" y="5998583"/>
             <a:ext cx="706962" cy="889854"/>
           </a:xfrm>
           <a:prstGeom prst="bentConnector3">
@@ -5899,7 +5816,7 @@
         </p:nvCxnSpPr>
         <p:spPr>
           <a:xfrm rot="16200000" flipH="1">
-            <a:off x="1467322" y="5376223"/>
+            <a:off x="1467322" y="5202598"/>
             <a:ext cx="706962" cy="2481823"/>
           </a:xfrm>
           <a:prstGeom prst="bentConnector3">
@@ -5943,7 +5860,7 @@
         </p:nvSpPr>
         <p:spPr>
           <a:xfrm>
-            <a:off x="2663399" y="7862286"/>
+            <a:off x="2663399" y="7688661"/>
             <a:ext cx="796630" cy="425251"/>
           </a:xfrm>
           <a:prstGeom prst="diamond">
@@ -6011,7 +5928,7 @@
         </p:nvCxnSpPr>
         <p:spPr>
           <a:xfrm rot="5400000">
-            <a:off x="999488" y="7364960"/>
+            <a:off x="999488" y="7191335"/>
             <a:ext cx="524541" cy="415976"/>
           </a:xfrm>
           <a:prstGeom prst="bentConnector3">
@@ -6059,7 +5976,7 @@
         </p:nvCxnSpPr>
         <p:spPr>
           <a:xfrm flipH="1">
-            <a:off x="3061714" y="7310678"/>
+            <a:off x="3061714" y="7137053"/>
             <a:ext cx="1" cy="551608"/>
           </a:xfrm>
           <a:prstGeom prst="straightConnector1">
@@ -6105,7 +6022,7 @@
         </p:nvCxnSpPr>
         <p:spPr>
           <a:xfrm rot="16200000" flipH="1">
-            <a:off x="3009416" y="8339835"/>
+            <a:off x="3009416" y="8166210"/>
             <a:ext cx="457529" cy="352932"/>
           </a:xfrm>
           <a:prstGeom prst="bentConnector3">
@@ -6149,7 +6066,7 @@
         </p:nvSpPr>
         <p:spPr>
           <a:xfrm>
-            <a:off x="3144646" y="8745066"/>
+            <a:off x="3144646" y="8571441"/>
             <a:ext cx="540000" cy="540000"/>
           </a:xfrm>
           <a:prstGeom prst="flowChartConnector">
@@ -6213,7 +6130,7 @@
         </p:nvSpPr>
         <p:spPr>
           <a:xfrm>
-            <a:off x="2435658" y="8745066"/>
+            <a:off x="2435658" y="8571441"/>
             <a:ext cx="538934" cy="538934"/>
           </a:xfrm>
           <a:prstGeom prst="flowChartConnector">
@@ -6281,7 +6198,7 @@
         </p:nvCxnSpPr>
         <p:spPr>
           <a:xfrm rot="5400000">
-            <a:off x="2654656" y="8338007"/>
+            <a:off x="2654656" y="8164382"/>
             <a:ext cx="457529" cy="356589"/>
           </a:xfrm>
           <a:prstGeom prst="bentConnector3">
@@ -6325,7 +6242,7 @@
         </p:nvSpPr>
         <p:spPr>
           <a:xfrm>
-            <a:off x="1842480" y="7570555"/>
+            <a:off x="1842480" y="7396930"/>
             <a:ext cx="796630" cy="340062"/>
           </a:xfrm>
           <a:prstGeom prst="rect">
@@ -6408,7 +6325,7 @@
         </p:nvSpPr>
         <p:spPr>
           <a:xfrm>
-            <a:off x="585064" y="7835219"/>
+            <a:off x="585064" y="7661594"/>
             <a:ext cx="937412" cy="425251"/>
           </a:xfrm>
           <a:prstGeom prst="diamond">
@@ -6476,7 +6393,7 @@
         </p:nvCxnSpPr>
         <p:spPr>
           <a:xfrm rot="16200000" flipH="1">
-            <a:off x="563972" y="7345420"/>
+            <a:off x="563972" y="7171795"/>
             <a:ext cx="505717" cy="473879"/>
           </a:xfrm>
           <a:prstGeom prst="bentConnector3">
@@ -6520,7 +6437,7 @@
         </p:nvSpPr>
         <p:spPr>
           <a:xfrm>
-            <a:off x="110389" y="8291223"/>
+            <a:off x="110389" y="8117598"/>
             <a:ext cx="796630" cy="340062"/>
           </a:xfrm>
           <a:prstGeom prst="rect">
@@ -6606,7 +6523,7 @@
         </p:nvSpPr>
         <p:spPr>
           <a:xfrm>
-            <a:off x="1202510" y="8294354"/>
+            <a:off x="1202510" y="8120729"/>
             <a:ext cx="796630" cy="340062"/>
           </a:xfrm>
           <a:prstGeom prst="rect">
@@ -6696,7 +6613,7 @@
         </p:nvCxnSpPr>
         <p:spPr>
           <a:xfrm rot="10800000" flipV="1">
-            <a:off x="508704" y="8047845"/>
+            <a:off x="508704" y="7874220"/>
             <a:ext cx="76360" cy="243378"/>
           </a:xfrm>
           <a:prstGeom prst="bentConnector2">
@@ -6742,7 +6659,7 @@
         </p:nvCxnSpPr>
         <p:spPr>
           <a:xfrm>
-            <a:off x="1522476" y="8047845"/>
+            <a:off x="1522476" y="7874220"/>
             <a:ext cx="78349" cy="246509"/>
           </a:xfrm>
           <a:prstGeom prst="bentConnector2">
@@ -6788,7 +6705,7 @@
         </p:nvCxnSpPr>
         <p:spPr>
           <a:xfrm flipH="1">
-            <a:off x="2240795" y="7310678"/>
+            <a:off x="2240795" y="7137053"/>
             <a:ext cx="6674" cy="259877"/>
           </a:xfrm>
           <a:prstGeom prst="straightConnector1">
@@ -6830,7 +6747,7 @@
         </p:nvSpPr>
         <p:spPr>
           <a:xfrm>
-            <a:off x="917768" y="9458936"/>
+            <a:off x="917768" y="9285311"/>
             <a:ext cx="263250" cy="263250"/>
           </a:xfrm>
           <a:prstGeom prst="flowChartConnector">
@@ -6895,7 +6812,7 @@
         </p:nvCxnSpPr>
         <p:spPr>
           <a:xfrm rot="16200000" flipH="1">
-            <a:off x="365223" y="8774765"/>
+            <a:off x="365223" y="8601140"/>
             <a:ext cx="827651" cy="540689"/>
           </a:xfrm>
           <a:prstGeom prst="bentConnector3">
@@ -6943,7 +6860,7 @@
         </p:nvCxnSpPr>
         <p:spPr>
           <a:xfrm rot="5400000">
-            <a:off x="912849" y="8770960"/>
+            <a:off x="912849" y="8597335"/>
             <a:ext cx="824520" cy="551432"/>
           </a:xfrm>
           <a:prstGeom prst="bentConnector3">
@@ -6991,7 +6908,7 @@
         </p:nvCxnSpPr>
         <p:spPr>
           <a:xfrm>
-            <a:off x="579892" y="5414326"/>
+            <a:off x="579892" y="5240701"/>
             <a:ext cx="0" cy="433829"/>
           </a:xfrm>
           <a:prstGeom prst="straightConnector1">
@@ -7033,7 +6950,7 @@
         </p:nvSpPr>
         <p:spPr>
           <a:xfrm>
-            <a:off x="5065265" y="645696"/>
+            <a:off x="5065265" y="472071"/>
             <a:ext cx="263250" cy="263250"/>
           </a:xfrm>
           <a:prstGeom prst="flowChartConnector">
@@ -7094,7 +7011,7 @@
         </p:nvSpPr>
         <p:spPr>
           <a:xfrm>
-            <a:off x="4773050" y="1254899"/>
+            <a:off x="4773050" y="1081274"/>
             <a:ext cx="857100" cy="415499"/>
           </a:xfrm>
           <a:prstGeom prst="diamond">
@@ -7180,7 +7097,7 @@
         </p:nvSpPr>
         <p:spPr>
           <a:xfrm>
-            <a:off x="5621048" y="1673014"/>
+            <a:off x="5621048" y="1499389"/>
             <a:ext cx="660446" cy="340062"/>
           </a:xfrm>
           <a:prstGeom prst="rect">
@@ -7266,7 +7183,7 @@
         </p:nvSpPr>
         <p:spPr>
           <a:xfrm>
-            <a:off x="4840462" y="2415454"/>
+            <a:off x="4840462" y="2241829"/>
             <a:ext cx="976105" cy="415499"/>
           </a:xfrm>
           <a:prstGeom prst="diamond">
@@ -7356,7 +7273,7 @@
         </p:nvCxnSpPr>
         <p:spPr>
           <a:xfrm>
-            <a:off x="5630150" y="1462649"/>
+            <a:off x="5630150" y="1289024"/>
             <a:ext cx="321121" cy="210365"/>
           </a:xfrm>
           <a:prstGeom prst="bentConnector2">
@@ -7402,7 +7319,7 @@
         </p:nvCxnSpPr>
         <p:spPr>
           <a:xfrm rot="5400000">
-            <a:off x="5438704" y="1902887"/>
+            <a:off x="5438704" y="1729262"/>
             <a:ext cx="402378" cy="622756"/>
           </a:xfrm>
           <a:prstGeom prst="bentConnector3">
@@ -7450,7 +7367,7 @@
         </p:nvCxnSpPr>
         <p:spPr>
           <a:xfrm rot="10800000" flipH="1" flipV="1">
-            <a:off x="4773049" y="1462648"/>
+            <a:off x="4773049" y="1289023"/>
             <a:ext cx="555465" cy="952805"/>
           </a:xfrm>
           <a:prstGeom prst="bentConnector4">
@@ -7495,7 +7412,7 @@
         </p:nvSpPr>
         <p:spPr>
           <a:xfrm>
-            <a:off x="6059240" y="3102717"/>
+            <a:off x="6059240" y="2929092"/>
             <a:ext cx="660446" cy="340062"/>
           </a:xfrm>
           <a:prstGeom prst="rect">
@@ -7585,7 +7502,7 @@
         </p:nvCxnSpPr>
         <p:spPr>
           <a:xfrm>
-            <a:off x="5816567" y="2623204"/>
+            <a:off x="5816567" y="2449579"/>
             <a:ext cx="572896" cy="479513"/>
           </a:xfrm>
           <a:prstGeom prst="bentConnector2">
@@ -7627,7 +7544,7 @@
         </p:nvSpPr>
         <p:spPr>
           <a:xfrm>
-            <a:off x="3604754" y="3102717"/>
+            <a:off x="3604754" y="2929092"/>
             <a:ext cx="1117771" cy="360758"/>
           </a:xfrm>
           <a:prstGeom prst="diamond">
@@ -7717,7 +7634,7 @@
         </p:nvCxnSpPr>
         <p:spPr>
           <a:xfrm rot="10800000" flipV="1">
-            <a:off x="4163640" y="2623203"/>
+            <a:off x="4163640" y="2449578"/>
             <a:ext cx="676822" cy="479513"/>
           </a:xfrm>
           <a:prstGeom prst="bentConnector2">
@@ -7759,7 +7676,7 @@
         </p:nvSpPr>
         <p:spPr>
           <a:xfrm>
-            <a:off x="2781189" y="3593593"/>
+            <a:off x="2781189" y="3419968"/>
             <a:ext cx="1190655" cy="360758"/>
           </a:xfrm>
           <a:prstGeom prst="diamond">
@@ -7827,7 +7744,7 @@
         </p:nvCxnSpPr>
         <p:spPr>
           <a:xfrm>
-            <a:off x="5196890" y="908946"/>
+            <a:off x="5196890" y="735321"/>
             <a:ext cx="4710" cy="345953"/>
           </a:xfrm>
           <a:prstGeom prst="straightConnector1">
@@ -7869,7 +7786,7 @@
         </p:nvSpPr>
         <p:spPr>
           <a:xfrm>
-            <a:off x="4118232" y="4393732"/>
+            <a:off x="4118232" y="4220107"/>
             <a:ext cx="856718" cy="340062"/>
           </a:xfrm>
           <a:prstGeom prst="rect">
@@ -7933,7 +7850,7 @@
         </p:nvSpPr>
         <p:spPr>
           <a:xfrm>
-            <a:off x="2684238" y="4393732"/>
+            <a:off x="2684238" y="4220107"/>
             <a:ext cx="856718" cy="340062"/>
           </a:xfrm>
           <a:prstGeom prst="rect">
@@ -7997,7 +7914,7 @@
         </p:nvSpPr>
         <p:spPr>
           <a:xfrm>
-            <a:off x="5515125" y="5531487"/>
+            <a:off x="5515125" y="5357862"/>
             <a:ext cx="540000" cy="540000"/>
           </a:xfrm>
           <a:prstGeom prst="flowChartConnector">
@@ -8065,7 +7982,7 @@
         </p:nvCxnSpPr>
         <p:spPr>
           <a:xfrm rot="10800000" flipV="1">
-            <a:off x="3376518" y="3283095"/>
+            <a:off x="3376518" y="3109470"/>
             <a:ext cx="228237" cy="310497"/>
           </a:xfrm>
           <a:prstGeom prst="bentConnector2">
@@ -8111,7 +8028,7 @@
         </p:nvCxnSpPr>
         <p:spPr>
           <a:xfrm>
-            <a:off x="3971844" y="3773972"/>
+            <a:off x="3971844" y="3600347"/>
             <a:ext cx="574747" cy="619760"/>
           </a:xfrm>
           <a:prstGeom prst="bentConnector2">
@@ -8157,7 +8074,7 @@
         </p:nvCxnSpPr>
         <p:spPr>
           <a:xfrm>
-            <a:off x="4722525" y="3283096"/>
+            <a:off x="4722525" y="3109471"/>
             <a:ext cx="1062600" cy="2248391"/>
           </a:xfrm>
           <a:prstGeom prst="bentConnector2">
@@ -8203,7 +8120,7 @@
         </p:nvCxnSpPr>
         <p:spPr>
           <a:xfrm rot="16200000" flipH="1">
-            <a:off x="4767012" y="4513373"/>
+            <a:off x="4767012" y="4339748"/>
             <a:ext cx="797693" cy="1238534"/>
           </a:xfrm>
           <a:prstGeom prst="bentConnector3">
@@ -8251,7 +8168,7 @@
         </p:nvCxnSpPr>
         <p:spPr>
           <a:xfrm rot="10800000" flipH="1" flipV="1">
-            <a:off x="2781189" y="3773972"/>
+            <a:off x="2781189" y="3600347"/>
             <a:ext cx="331408" cy="619760"/>
           </a:xfrm>
           <a:prstGeom prst="bentConnector4">
@@ -8300,7 +8217,7 @@
         </p:nvCxnSpPr>
         <p:spPr>
           <a:xfrm rot="16200000" flipH="1">
-            <a:off x="3192213" y="4654178"/>
+            <a:off x="3192213" y="4480553"/>
             <a:ext cx="1450697" cy="1609928"/>
           </a:xfrm>
           <a:prstGeom prst="bentConnector3">
@@ -8348,7 +8265,7 @@
         </p:nvCxnSpPr>
         <p:spPr>
           <a:xfrm rot="5400000">
-            <a:off x="5042940" y="4184964"/>
+            <a:off x="5042940" y="4011339"/>
             <a:ext cx="2088708" cy="604338"/>
           </a:xfrm>
           <a:prstGeom prst="bentConnector3">
@@ -8396,7 +8313,7 @@
         </p:nvCxnSpPr>
         <p:spPr>
           <a:xfrm rot="5400000">
-            <a:off x="870935" y="8089075"/>
+            <a:off x="870935" y="7915450"/>
             <a:ext cx="1548319" cy="1191402"/>
           </a:xfrm>
           <a:prstGeom prst="bentConnector3">
@@ -8440,7 +8357,7 @@
         </p:nvSpPr>
         <p:spPr>
           <a:xfrm>
-            <a:off x="4294166" y="6184491"/>
+            <a:off x="4294166" y="6010866"/>
             <a:ext cx="856717" cy="340062"/>
           </a:xfrm>
           <a:prstGeom prst="rect">
@@ -8508,7 +8425,7 @@
         </p:nvCxnSpPr>
         <p:spPr>
           <a:xfrm flipH="1">
-            <a:off x="4717273" y="6524553"/>
+            <a:off x="4717273" y="6350928"/>
             <a:ext cx="5252" cy="235980"/>
           </a:xfrm>
           <a:prstGeom prst="straightConnector1">
@@ -8550,7 +8467,7 @@
         </p:nvSpPr>
         <p:spPr>
           <a:xfrm>
-            <a:off x="4283666" y="6760533"/>
+            <a:off x="4283666" y="6586908"/>
             <a:ext cx="867214" cy="340062"/>
           </a:xfrm>
           <a:prstGeom prst="rect">
@@ -8614,7 +8531,7 @@
         </p:nvSpPr>
         <p:spPr>
           <a:xfrm>
-            <a:off x="4447273" y="7406637"/>
+            <a:off x="4447273" y="7233012"/>
             <a:ext cx="540000" cy="540000"/>
           </a:xfrm>
           <a:prstGeom prst="flowChartConnector">
@@ -8682,7 +8599,7 @@
         </p:nvCxnSpPr>
         <p:spPr>
           <a:xfrm>
-            <a:off x="4717273" y="7100595"/>
+            <a:off x="4717273" y="6926970"/>
             <a:ext cx="0" cy="306042"/>
           </a:xfrm>
           <a:prstGeom prst="straightConnector1">
@@ -8724,7 +8641,7 @@
         </p:nvSpPr>
         <p:spPr>
           <a:xfrm>
-            <a:off x="3284794" y="3053593"/>
+            <a:off x="3284794" y="2879968"/>
             <a:ext cx="365806" cy="222240"/>
           </a:xfrm>
           <a:prstGeom prst="rect">
@@ -8779,7 +8696,7 @@
         </p:nvSpPr>
         <p:spPr>
           <a:xfrm>
-            <a:off x="5519738" y="3056414"/>
+            <a:off x="5519738" y="2882789"/>
             <a:ext cx="320922" cy="222240"/>
           </a:xfrm>
           <a:prstGeom prst="rect">
@@ -8834,7 +8751,7 @@
         </p:nvSpPr>
         <p:spPr>
           <a:xfrm>
-            <a:off x="4257848" y="3555649"/>
+            <a:off x="4257848" y="3382024"/>
             <a:ext cx="365806" cy="222240"/>
           </a:xfrm>
           <a:prstGeom prst="rect">
@@ -8889,7 +8806,7 @@
         </p:nvSpPr>
         <p:spPr>
           <a:xfrm>
-            <a:off x="2455596" y="3572071"/>
+            <a:off x="2455596" y="3398446"/>
             <a:ext cx="320922" cy="222240"/>
           </a:xfrm>
           <a:prstGeom prst="rect">
@@ -8944,7 +8861,7 @@
         </p:nvSpPr>
         <p:spPr>
           <a:xfrm>
-            <a:off x="6103015" y="2400963"/>
+            <a:off x="6103015" y="2227338"/>
             <a:ext cx="365806" cy="222240"/>
           </a:xfrm>
           <a:prstGeom prst="rect">
@@ -8999,7 +8916,7 @@
         </p:nvSpPr>
         <p:spPr>
           <a:xfrm>
-            <a:off x="4118232" y="2400962"/>
+            <a:off x="4118232" y="2227337"/>
             <a:ext cx="320922" cy="222240"/>
           </a:xfrm>
           <a:prstGeom prst="rect">
@@ -9054,7 +8971,7 @@
         </p:nvSpPr>
         <p:spPr>
           <a:xfrm>
-            <a:off x="5688184" y="1214330"/>
+            <a:off x="5688184" y="1040705"/>
             <a:ext cx="365806" cy="222240"/>
           </a:xfrm>
           <a:prstGeom prst="rect">
@@ -9109,7 +9026,7 @@
         </p:nvSpPr>
         <p:spPr>
           <a:xfrm>
-            <a:off x="4455205" y="1252283"/>
+            <a:off x="4455205" y="1078658"/>
             <a:ext cx="320922" cy="222240"/>
           </a:xfrm>
           <a:prstGeom prst="rect">
@@ -9164,7 +9081,7 @@
         </p:nvSpPr>
         <p:spPr>
           <a:xfrm>
-            <a:off x="1426503" y="7825604"/>
+            <a:off x="1426503" y="7651979"/>
             <a:ext cx="327334" cy="222240"/>
           </a:xfrm>
           <a:prstGeom prst="rect">
@@ -9219,7 +9136,7 @@
         </p:nvSpPr>
         <p:spPr>
           <a:xfrm>
-            <a:off x="333423" y="7825604"/>
+            <a:off x="333423" y="7651979"/>
             <a:ext cx="340158" cy="222240"/>
           </a:xfrm>
           <a:prstGeom prst="rect">
@@ -9274,7 +9191,7 @@
         </p:nvSpPr>
         <p:spPr>
           <a:xfrm>
-            <a:off x="2576517" y="8278235"/>
+            <a:off x="2576517" y="8104610"/>
             <a:ext cx="478016" cy="222240"/>
           </a:xfrm>
           <a:prstGeom prst="rect">
@@ -9329,7 +9246,7 @@
         </p:nvSpPr>
         <p:spPr>
           <a:xfrm>
-            <a:off x="3144449" y="8278235"/>
+            <a:off x="3144449" y="8104610"/>
             <a:ext cx="385042" cy="222240"/>
           </a:xfrm>
           <a:prstGeom prst="rect">
@@ -9380,13 +9297,6 @@
   <p:clrMapOvr>
     <a:masterClrMapping/>
   </p:clrMapOvr>
-  <p:timing>
-    <p:tnLst>
-      <p:par>
-        <p:cTn id="1" dur="indefinite" restart="never" nodeType="tmRoot"/>
-      </p:par>
-    </p:tnLst>
-  </p:timing>
 </p:sld>
 </file>
 
@@ -9423,7 +9333,7 @@
         </p:nvSpPr>
         <p:spPr>
           <a:xfrm>
-            <a:off x="443084" y="1027444"/>
+            <a:off x="443084" y="969569"/>
             <a:ext cx="1618831" cy="526708"/>
           </a:xfrm>
           <a:prstGeom prst="diamond">
@@ -9491,7 +9401,7 @@
         </p:nvCxnSpPr>
         <p:spPr>
           <a:xfrm rot="5400000">
-            <a:off x="690247" y="1435079"/>
+            <a:off x="690247" y="1377204"/>
             <a:ext cx="443181" cy="681326"/>
           </a:xfrm>
           <a:prstGeom prst="bentConnector3">
@@ -9533,7 +9443,7 @@
         </p:nvCxnSpPr>
         <p:spPr>
           <a:xfrm>
-            <a:off x="1242768" y="786020"/>
+            <a:off x="1242768" y="728145"/>
             <a:ext cx="9732" cy="241424"/>
           </a:xfrm>
           <a:prstGeom prst="straightConnector1">
@@ -9579,7 +9489,7 @@
         </p:nvCxnSpPr>
         <p:spPr>
           <a:xfrm rot="16200000" flipH="1">
-            <a:off x="1378349" y="1428303"/>
+            <a:off x="1378349" y="1370428"/>
             <a:ext cx="450013" cy="701710"/>
           </a:xfrm>
           <a:prstGeom prst="bentConnector3">
@@ -9627,7 +9537,7 @@
         </p:nvCxnSpPr>
         <p:spPr>
           <a:xfrm rot="16200000" flipH="1">
-            <a:off x="700189" y="2208380"/>
+            <a:off x="700189" y="2150505"/>
             <a:ext cx="410263" cy="668293"/>
           </a:xfrm>
           <a:prstGeom prst="bentConnector3">
@@ -9675,7 +9585,7 @@
         </p:nvCxnSpPr>
         <p:spPr>
           <a:xfrm rot="5400000">
-            <a:off x="1395123" y="2188571"/>
+            <a:off x="1395123" y="2130696"/>
             <a:ext cx="403432" cy="714743"/>
           </a:xfrm>
           <a:prstGeom prst="bentConnector3">
@@ -9719,7 +9629,7 @@
         </p:nvSpPr>
         <p:spPr>
           <a:xfrm>
-            <a:off x="776530" y="502595"/>
+            <a:off x="776530" y="444720"/>
             <a:ext cx="932476" cy="283425"/>
           </a:xfrm>
           <a:prstGeom prst="flowChartTerminator">
@@ -9789,7 +9699,7 @@
         </p:nvSpPr>
         <p:spPr>
           <a:xfrm>
-            <a:off x="485770" y="3359181"/>
+            <a:off x="485770" y="3301306"/>
             <a:ext cx="1520190" cy="526708"/>
           </a:xfrm>
           <a:prstGeom prst="diamond">
@@ -9859,7 +9769,7 @@
         </p:nvSpPr>
         <p:spPr>
           <a:xfrm>
-            <a:off x="170507" y="1997333"/>
+            <a:off x="170507" y="1939458"/>
             <a:ext cx="801334" cy="340062"/>
           </a:xfrm>
           <a:prstGeom prst="rect">
@@ -9951,7 +9861,7 @@
         </p:nvSpPr>
         <p:spPr>
           <a:xfrm>
-            <a:off x="1553543" y="2004165"/>
+            <a:off x="1553543" y="1946290"/>
             <a:ext cx="801334" cy="340062"/>
           </a:xfrm>
           <a:prstGeom prst="rect">
@@ -10032,7 +9942,7 @@
         </p:nvSpPr>
         <p:spPr>
           <a:xfrm>
-            <a:off x="838800" y="2747658"/>
+            <a:off x="838800" y="2689783"/>
             <a:ext cx="801334" cy="340062"/>
           </a:xfrm>
           <a:prstGeom prst="rect">
@@ -10106,7 +10016,7 @@
         </p:nvCxnSpPr>
         <p:spPr>
           <a:xfrm rot="5400000">
-            <a:off x="699915" y="3781127"/>
+            <a:off x="699915" y="3723252"/>
             <a:ext cx="441188" cy="650713"/>
           </a:xfrm>
           <a:prstGeom prst="bentConnector3">
@@ -10154,7 +10064,7 @@
         </p:nvCxnSpPr>
         <p:spPr>
           <a:xfrm rot="16200000" flipH="1">
-            <a:off x="1397171" y="3734582"/>
+            <a:off x="1397171" y="3676707"/>
             <a:ext cx="448020" cy="750633"/>
           </a:xfrm>
           <a:prstGeom prst="bentConnector3">
@@ -10198,7 +10108,7 @@
         </p:nvSpPr>
         <p:spPr>
           <a:xfrm>
-            <a:off x="194485" y="4327077"/>
+            <a:off x="194485" y="4269202"/>
             <a:ext cx="801334" cy="340062"/>
           </a:xfrm>
           <a:prstGeom prst="rect">
@@ -10268,7 +10178,7 @@
         </p:nvSpPr>
         <p:spPr>
           <a:xfrm>
-            <a:off x="1482998" y="4333909"/>
+            <a:off x="1482998" y="4276034"/>
             <a:ext cx="1026999" cy="348073"/>
           </a:xfrm>
           <a:prstGeom prst="rect">
@@ -10342,7 +10252,7 @@
         </p:nvCxnSpPr>
         <p:spPr>
           <a:xfrm flipH="1">
-            <a:off x="593144" y="4667139"/>
+            <a:off x="593144" y="4609264"/>
             <a:ext cx="2008" cy="261353"/>
           </a:xfrm>
           <a:prstGeom prst="straightConnector1">
@@ -10384,7 +10294,7 @@
         </p:nvSpPr>
         <p:spPr>
           <a:xfrm>
-            <a:off x="192477" y="4928492"/>
+            <a:off x="192477" y="4870617"/>
             <a:ext cx="801334" cy="340062"/>
           </a:xfrm>
           <a:prstGeom prst="rect">
@@ -10454,7 +10364,7 @@
         </p:nvSpPr>
         <p:spPr>
           <a:xfrm>
-            <a:off x="1536372" y="5640811"/>
+            <a:off x="1536372" y="5582936"/>
             <a:ext cx="932476" cy="283425"/>
           </a:xfrm>
           <a:prstGeom prst="flowChartTerminator">
@@ -10528,7 +10438,7 @@
         </p:nvCxnSpPr>
         <p:spPr>
           <a:xfrm>
-            <a:off x="1996498" y="4681982"/>
+            <a:off x="1996498" y="4624107"/>
             <a:ext cx="5757" cy="246510"/>
           </a:xfrm>
           <a:prstGeom prst="straightConnector1">
@@ -10570,7 +10480,7 @@
         </p:nvSpPr>
         <p:spPr>
           <a:xfrm>
-            <a:off x="1482998" y="4928492"/>
+            <a:off x="1482998" y="4870617"/>
             <a:ext cx="1038513" cy="338373"/>
           </a:xfrm>
           <a:prstGeom prst="rect">
@@ -10644,7 +10554,7 @@
         </p:nvCxnSpPr>
         <p:spPr>
           <a:xfrm>
-            <a:off x="2002255" y="5266865"/>
+            <a:off x="2002255" y="5208990"/>
             <a:ext cx="355" cy="373946"/>
           </a:xfrm>
           <a:prstGeom prst="straightConnector1">
@@ -10686,7 +10596,7 @@
         </p:nvSpPr>
         <p:spPr>
           <a:xfrm>
-            <a:off x="443084" y="1594959"/>
+            <a:off x="443084" y="1537084"/>
             <a:ext cx="365806" cy="222240"/>
           </a:xfrm>
           <a:prstGeom prst="rect">
@@ -10734,7 +10644,7 @@
         </p:nvSpPr>
         <p:spPr>
           <a:xfrm>
-            <a:off x="1723138" y="1569702"/>
+            <a:off x="1723138" y="1511827"/>
             <a:ext cx="320922" cy="222240"/>
           </a:xfrm>
           <a:prstGeom prst="rect">
@@ -10782,7 +10692,7 @@
         </p:nvSpPr>
         <p:spPr>
           <a:xfrm>
-            <a:off x="490267" y="3841587"/>
+            <a:off x="490267" y="3783712"/>
             <a:ext cx="585418" cy="222240"/>
           </a:xfrm>
           <a:prstGeom prst="rect">
@@ -10830,7 +10740,7 @@
         </p:nvSpPr>
         <p:spPr>
           <a:xfrm>
-            <a:off x="1782672" y="3833679"/>
+            <a:off x="1782672" y="3775804"/>
             <a:ext cx="367408" cy="222240"/>
           </a:xfrm>
           <a:prstGeom prst="rect">
@@ -10882,7 +10792,7 @@
         </p:nvCxnSpPr>
         <p:spPr>
           <a:xfrm>
-            <a:off x="1239467" y="3087720"/>
+            <a:off x="1239467" y="3029845"/>
             <a:ext cx="6398" cy="271461"/>
           </a:xfrm>
           <a:prstGeom prst="straightConnector1">
@@ -10924,7 +10834,7 @@
         </p:nvSpPr>
         <p:spPr>
           <a:xfrm>
-            <a:off x="95328" y="5702383"/>
+            <a:off x="95328" y="5644508"/>
             <a:ext cx="995631" cy="415499"/>
           </a:xfrm>
           <a:prstGeom prst="diamond">
@@ -10998,7 +10908,7 @@
         </p:nvCxnSpPr>
         <p:spPr>
           <a:xfrm rot="5400000">
-            <a:off x="239664" y="6471362"/>
+            <a:off x="239664" y="6413487"/>
             <a:ext cx="706961" cy="1"/>
           </a:xfrm>
           <a:prstGeom prst="bentConnector3">
@@ -11046,7 +10956,7 @@
         </p:nvCxnSpPr>
         <p:spPr>
           <a:xfrm rot="16200000" flipH="1">
-            <a:off x="1073451" y="5637574"/>
+            <a:off x="1073451" y="5579699"/>
             <a:ext cx="706962" cy="1667577"/>
           </a:xfrm>
           <a:prstGeom prst="bentConnector3">
@@ -11090,7 +11000,7 @@
         </p:nvSpPr>
         <p:spPr>
           <a:xfrm>
-            <a:off x="123641" y="6824843"/>
+            <a:off x="123641" y="6766968"/>
             <a:ext cx="939004" cy="358887"/>
           </a:xfrm>
           <a:prstGeom prst="rect">
@@ -11245,7 +11155,7 @@
         </p:nvSpPr>
         <p:spPr>
           <a:xfrm>
-            <a:off x="1125626" y="6824844"/>
+            <a:off x="1125626" y="6766969"/>
             <a:ext cx="714743" cy="340062"/>
           </a:xfrm>
           <a:prstGeom prst="rect">
@@ -11334,7 +11244,7 @@
         </p:nvSpPr>
         <p:spPr>
           <a:xfrm>
-            <a:off x="1903349" y="6824844"/>
+            <a:off x="1903349" y="6766969"/>
             <a:ext cx="714743" cy="340062"/>
           </a:xfrm>
           <a:prstGeom prst="rect">
@@ -11423,7 +11333,7 @@
         </p:nvSpPr>
         <p:spPr>
           <a:xfrm>
-            <a:off x="2681073" y="6824844"/>
+            <a:off x="2681073" y="6766969"/>
             <a:ext cx="787787" cy="340062"/>
           </a:xfrm>
           <a:prstGeom prst="rect">
@@ -11516,7 +11426,7 @@
         </p:nvCxnSpPr>
         <p:spPr>
           <a:xfrm rot="16200000" flipH="1">
-            <a:off x="684590" y="6026436"/>
+            <a:off x="684590" y="5968561"/>
             <a:ext cx="706962" cy="889854"/>
           </a:xfrm>
           <a:prstGeom prst="bentConnector3">
@@ -11564,7 +11474,7 @@
         </p:nvCxnSpPr>
         <p:spPr>
           <a:xfrm rot="16200000" flipH="1">
-            <a:off x="1480574" y="5230451"/>
+            <a:off x="1480574" y="5172576"/>
             <a:ext cx="706962" cy="2481823"/>
           </a:xfrm>
           <a:prstGeom prst="bentConnector3">
@@ -11608,7 +11518,7 @@
         </p:nvSpPr>
         <p:spPr>
           <a:xfrm>
-            <a:off x="2676651" y="7716514"/>
+            <a:off x="2676651" y="7658639"/>
             <a:ext cx="796630" cy="425251"/>
           </a:xfrm>
           <a:prstGeom prst="diamond">
@@ -11682,7 +11592,7 @@
         </p:nvCxnSpPr>
         <p:spPr>
           <a:xfrm rot="5400000">
-            <a:off x="1012740" y="7219188"/>
+            <a:off x="1012740" y="7161313"/>
             <a:ext cx="524541" cy="415976"/>
           </a:xfrm>
           <a:prstGeom prst="bentConnector3">
@@ -11730,7 +11640,7 @@
         </p:nvCxnSpPr>
         <p:spPr>
           <a:xfrm flipH="1">
-            <a:off x="3074966" y="7164906"/>
+            <a:off x="3074966" y="7107031"/>
             <a:ext cx="1" cy="551608"/>
           </a:xfrm>
           <a:prstGeom prst="straightConnector1">
@@ -11776,7 +11686,7 @@
         </p:nvCxnSpPr>
         <p:spPr>
           <a:xfrm rot="16200000" flipH="1">
-            <a:off x="3022668" y="8194063"/>
+            <a:off x="3022668" y="8136188"/>
             <a:ext cx="457529" cy="352932"/>
           </a:xfrm>
           <a:prstGeom prst="bentConnector3">
@@ -11820,7 +11730,7 @@
         </p:nvSpPr>
         <p:spPr>
           <a:xfrm>
-            <a:off x="3157898" y="8599294"/>
+            <a:off x="3157898" y="8541419"/>
             <a:ext cx="540000" cy="540000"/>
           </a:xfrm>
           <a:prstGeom prst="flowChartConnector">
@@ -11890,7 +11800,7 @@
         </p:nvSpPr>
         <p:spPr>
           <a:xfrm>
-            <a:off x="2448910" y="8599294"/>
+            <a:off x="2448910" y="8541419"/>
             <a:ext cx="538934" cy="538934"/>
           </a:xfrm>
           <a:prstGeom prst="flowChartConnector">
@@ -11964,7 +11874,7 @@
         </p:nvCxnSpPr>
         <p:spPr>
           <a:xfrm rot="5400000">
-            <a:off x="2667908" y="8192235"/>
+            <a:off x="2667908" y="8134360"/>
             <a:ext cx="457529" cy="356589"/>
           </a:xfrm>
           <a:prstGeom prst="bentConnector3">
@@ -12008,7 +11918,7 @@
         </p:nvSpPr>
         <p:spPr>
           <a:xfrm>
-            <a:off x="1855732" y="7424783"/>
+            <a:off x="1855732" y="7366908"/>
             <a:ext cx="796630" cy="340062"/>
           </a:xfrm>
           <a:prstGeom prst="rect">
@@ -12097,7 +12007,7 @@
         </p:nvSpPr>
         <p:spPr>
           <a:xfrm>
-            <a:off x="598316" y="7689447"/>
+            <a:off x="598316" y="7631572"/>
             <a:ext cx="937412" cy="425251"/>
           </a:xfrm>
           <a:prstGeom prst="diamond">
@@ -12171,7 +12081,7 @@
         </p:nvCxnSpPr>
         <p:spPr>
           <a:xfrm rot="16200000" flipH="1">
-            <a:off x="577224" y="7199648"/>
+            <a:off x="577224" y="7141773"/>
             <a:ext cx="505717" cy="473879"/>
           </a:xfrm>
           <a:prstGeom prst="bentConnector3">
@@ -12215,7 +12125,7 @@
         </p:nvSpPr>
         <p:spPr>
           <a:xfrm>
-            <a:off x="123641" y="8145451"/>
+            <a:off x="123641" y="8087576"/>
             <a:ext cx="796630" cy="340062"/>
           </a:xfrm>
           <a:prstGeom prst="rect">
@@ -12307,7 +12217,7 @@
         </p:nvSpPr>
         <p:spPr>
           <a:xfrm>
-            <a:off x="1215762" y="8148582"/>
+            <a:off x="1215762" y="8090707"/>
             <a:ext cx="796630" cy="340062"/>
           </a:xfrm>
           <a:prstGeom prst="rect">
@@ -12403,7 +12313,7 @@
         </p:nvCxnSpPr>
         <p:spPr>
           <a:xfrm rot="10800000" flipV="1">
-            <a:off x="521956" y="7902073"/>
+            <a:off x="521956" y="7844198"/>
             <a:ext cx="76360" cy="243378"/>
           </a:xfrm>
           <a:prstGeom prst="bentConnector2">
@@ -12449,7 +12359,7 @@
         </p:nvCxnSpPr>
         <p:spPr>
           <a:xfrm>
-            <a:off x="1535728" y="7902073"/>
+            <a:off x="1535728" y="7844198"/>
             <a:ext cx="78349" cy="246509"/>
           </a:xfrm>
           <a:prstGeom prst="bentConnector2">
@@ -12495,7 +12405,7 @@
         </p:nvCxnSpPr>
         <p:spPr>
           <a:xfrm flipH="1">
-            <a:off x="2254047" y="7164906"/>
+            <a:off x="2254047" y="7107031"/>
             <a:ext cx="6674" cy="259877"/>
           </a:xfrm>
           <a:prstGeom prst="straightConnector1">
@@ -12537,7 +12447,7 @@
         </p:nvSpPr>
         <p:spPr>
           <a:xfrm>
-            <a:off x="931020" y="9313164"/>
+            <a:off x="931020" y="9255289"/>
             <a:ext cx="263250" cy="263250"/>
           </a:xfrm>
           <a:prstGeom prst="flowChartConnector">
@@ -12608,7 +12518,7 @@
         </p:nvCxnSpPr>
         <p:spPr>
           <a:xfrm rot="16200000" flipH="1">
-            <a:off x="378475" y="8628993"/>
+            <a:off x="378475" y="8571118"/>
             <a:ext cx="827651" cy="540689"/>
           </a:xfrm>
           <a:prstGeom prst="bentConnector3">
@@ -12656,7 +12566,7 @@
         </p:nvCxnSpPr>
         <p:spPr>
           <a:xfrm rot="5400000">
-            <a:off x="926101" y="8625188"/>
+            <a:off x="926101" y="8567313"/>
             <a:ext cx="824520" cy="551432"/>
           </a:xfrm>
           <a:prstGeom prst="bentConnector3">
@@ -12704,7 +12614,7 @@
         </p:nvCxnSpPr>
         <p:spPr>
           <a:xfrm>
-            <a:off x="593144" y="5268554"/>
+            <a:off x="593144" y="5210679"/>
             <a:ext cx="0" cy="433829"/>
           </a:xfrm>
           <a:prstGeom prst="straightConnector1">
@@ -12746,7 +12656,7 @@
         </p:nvSpPr>
         <p:spPr>
           <a:xfrm>
-            <a:off x="5078517" y="499924"/>
+            <a:off x="5078517" y="442049"/>
             <a:ext cx="263250" cy="263250"/>
           </a:xfrm>
           <a:prstGeom prst="flowChartConnector">
@@ -12813,7 +12723,7 @@
         </p:nvSpPr>
         <p:spPr>
           <a:xfrm>
-            <a:off x="4786302" y="1109127"/>
+            <a:off x="4786302" y="1051252"/>
             <a:ext cx="857100" cy="415499"/>
           </a:xfrm>
           <a:prstGeom prst="diamond">
@@ -12905,7 +12815,7 @@
         </p:nvSpPr>
         <p:spPr>
           <a:xfrm>
-            <a:off x="5634300" y="1527242"/>
+            <a:off x="5634300" y="1469367"/>
             <a:ext cx="660446" cy="340062"/>
           </a:xfrm>
           <a:prstGeom prst="rect">
@@ -12997,7 +12907,7 @@
         </p:nvSpPr>
         <p:spPr>
           <a:xfrm>
-            <a:off x="4853714" y="2269682"/>
+            <a:off x="4853714" y="2211807"/>
             <a:ext cx="976105" cy="415499"/>
           </a:xfrm>
           <a:prstGeom prst="diamond">
@@ -13093,7 +13003,7 @@
         </p:nvCxnSpPr>
         <p:spPr>
           <a:xfrm>
-            <a:off x="5643402" y="1316877"/>
+            <a:off x="5643402" y="1259002"/>
             <a:ext cx="321121" cy="210365"/>
           </a:xfrm>
           <a:prstGeom prst="bentConnector2">
@@ -13139,7 +13049,7 @@
         </p:nvCxnSpPr>
         <p:spPr>
           <a:xfrm rot="5400000">
-            <a:off x="5451956" y="1757115"/>
+            <a:off x="5451956" y="1699240"/>
             <a:ext cx="402378" cy="622756"/>
           </a:xfrm>
           <a:prstGeom prst="bentConnector3">
@@ -13187,7 +13097,7 @@
         </p:nvCxnSpPr>
         <p:spPr>
           <a:xfrm rot="10800000" flipH="1" flipV="1">
-            <a:off x="4786301" y="1316876"/>
+            <a:off x="4786301" y="1259001"/>
             <a:ext cx="555465" cy="952805"/>
           </a:xfrm>
           <a:prstGeom prst="bentConnector4">
@@ -13232,7 +13142,7 @@
         </p:nvSpPr>
         <p:spPr>
           <a:xfrm>
-            <a:off x="6072492" y="2956945"/>
+            <a:off x="6072492" y="2899070"/>
             <a:ext cx="660446" cy="340062"/>
           </a:xfrm>
           <a:prstGeom prst="rect">
@@ -13328,7 +13238,7 @@
         </p:nvCxnSpPr>
         <p:spPr>
           <a:xfrm>
-            <a:off x="5829819" y="2477432"/>
+            <a:off x="5829819" y="2419557"/>
             <a:ext cx="572896" cy="479513"/>
           </a:xfrm>
           <a:prstGeom prst="bentConnector2">
@@ -13370,7 +13280,7 @@
         </p:nvSpPr>
         <p:spPr>
           <a:xfrm>
-            <a:off x="3618006" y="2956945"/>
+            <a:off x="3618006" y="2899070"/>
             <a:ext cx="1117771" cy="360758"/>
           </a:xfrm>
           <a:prstGeom prst="diamond">
@@ -13466,7 +13376,7 @@
         </p:nvCxnSpPr>
         <p:spPr>
           <a:xfrm rot="10800000" flipV="1">
-            <a:off x="4176892" y="2477431"/>
+            <a:off x="4176892" y="2419556"/>
             <a:ext cx="676822" cy="479513"/>
           </a:xfrm>
           <a:prstGeom prst="bentConnector2">
@@ -13508,7 +13418,7 @@
         </p:nvSpPr>
         <p:spPr>
           <a:xfrm>
-            <a:off x="2794441" y="3447821"/>
+            <a:off x="2794441" y="3389946"/>
             <a:ext cx="1190655" cy="360758"/>
           </a:xfrm>
           <a:prstGeom prst="diamond">
@@ -13582,7 +13492,7 @@
         </p:nvCxnSpPr>
         <p:spPr>
           <a:xfrm>
-            <a:off x="5210142" y="763174"/>
+            <a:off x="5210142" y="705299"/>
             <a:ext cx="4710" cy="345953"/>
           </a:xfrm>
           <a:prstGeom prst="straightConnector1">
@@ -13624,7 +13534,7 @@
         </p:nvSpPr>
         <p:spPr>
           <a:xfrm>
-            <a:off x="4131484" y="4247960"/>
+            <a:off x="4131484" y="4190085"/>
             <a:ext cx="856718" cy="340062"/>
           </a:xfrm>
           <a:prstGeom prst="rect">
@@ -13694,7 +13604,7 @@
         </p:nvSpPr>
         <p:spPr>
           <a:xfrm>
-            <a:off x="2697490" y="4247960"/>
+            <a:off x="2697490" y="4190085"/>
             <a:ext cx="856718" cy="340062"/>
           </a:xfrm>
           <a:prstGeom prst="rect">
@@ -13764,7 +13674,7 @@
         </p:nvSpPr>
         <p:spPr>
           <a:xfrm>
-            <a:off x="5528377" y="5385715"/>
+            <a:off x="5528377" y="5327840"/>
             <a:ext cx="540000" cy="540000"/>
           </a:xfrm>
           <a:prstGeom prst="flowChartConnector">
@@ -13838,7 +13748,7 @@
         </p:nvCxnSpPr>
         <p:spPr>
           <a:xfrm rot="10800000" flipV="1">
-            <a:off x="3389770" y="3137323"/>
+            <a:off x="3389770" y="3079448"/>
             <a:ext cx="228237" cy="310497"/>
           </a:xfrm>
           <a:prstGeom prst="bentConnector2">
@@ -13884,7 +13794,7 @@
         </p:nvCxnSpPr>
         <p:spPr>
           <a:xfrm>
-            <a:off x="3985096" y="3628200"/>
+            <a:off x="3985096" y="3570325"/>
             <a:ext cx="574747" cy="619760"/>
           </a:xfrm>
           <a:prstGeom prst="bentConnector2">
@@ -13930,7 +13840,7 @@
         </p:nvCxnSpPr>
         <p:spPr>
           <a:xfrm>
-            <a:off x="4735777" y="3137324"/>
+            <a:off x="4735777" y="3079449"/>
             <a:ext cx="1062600" cy="2248391"/>
           </a:xfrm>
           <a:prstGeom prst="bentConnector2">
@@ -13976,7 +13886,7 @@
         </p:nvCxnSpPr>
         <p:spPr>
           <a:xfrm rot="16200000" flipH="1">
-            <a:off x="4780264" y="4367601"/>
+            <a:off x="4780264" y="4309726"/>
             <a:ext cx="797693" cy="1238534"/>
           </a:xfrm>
           <a:prstGeom prst="bentConnector3">
@@ -14024,7 +13934,7 @@
         </p:nvCxnSpPr>
         <p:spPr>
           <a:xfrm rot="10800000" flipH="1" flipV="1">
-            <a:off x="2794441" y="3628200"/>
+            <a:off x="2794441" y="3570325"/>
             <a:ext cx="331408" cy="619760"/>
           </a:xfrm>
           <a:prstGeom prst="bentConnector4">
@@ -14073,7 +13983,7 @@
         </p:nvCxnSpPr>
         <p:spPr>
           <a:xfrm rot="16200000" flipH="1">
-            <a:off x="3205465" y="4508406"/>
+            <a:off x="3205465" y="4450531"/>
             <a:ext cx="1450697" cy="1609928"/>
           </a:xfrm>
           <a:prstGeom prst="bentConnector3">
@@ -14121,7 +14031,7 @@
         </p:nvCxnSpPr>
         <p:spPr>
           <a:xfrm rot="5400000">
-            <a:off x="5056192" y="4039192"/>
+            <a:off x="5056192" y="3981317"/>
             <a:ext cx="2088708" cy="604338"/>
           </a:xfrm>
           <a:prstGeom prst="bentConnector3">
@@ -14169,7 +14079,7 @@
         </p:nvCxnSpPr>
         <p:spPr>
           <a:xfrm rot="5400000">
-            <a:off x="884187" y="7943303"/>
+            <a:off x="884187" y="7885428"/>
             <a:ext cx="1548319" cy="1191402"/>
           </a:xfrm>
           <a:prstGeom prst="bentConnector3">
@@ -14213,7 +14123,7 @@
         </p:nvSpPr>
         <p:spPr>
           <a:xfrm>
-            <a:off x="4307418" y="6038719"/>
+            <a:off x="4307418" y="5980844"/>
             <a:ext cx="856717" cy="340062"/>
           </a:xfrm>
           <a:prstGeom prst="rect">
@@ -14287,7 +14197,7 @@
         </p:nvCxnSpPr>
         <p:spPr>
           <a:xfrm flipH="1">
-            <a:off x="4730525" y="6378781"/>
+            <a:off x="4730525" y="6320906"/>
             <a:ext cx="5252" cy="235980"/>
           </a:xfrm>
           <a:prstGeom prst="straightConnector1">
@@ -14329,7 +14239,7 @@
         </p:nvSpPr>
         <p:spPr>
           <a:xfrm>
-            <a:off x="4296918" y="6614761"/>
+            <a:off x="4296918" y="6556886"/>
             <a:ext cx="867214" cy="340062"/>
           </a:xfrm>
           <a:prstGeom prst="rect">
@@ -14399,7 +14309,7 @@
         </p:nvSpPr>
         <p:spPr>
           <a:xfrm>
-            <a:off x="4460525" y="7260865"/>
+            <a:off x="4460525" y="7202990"/>
             <a:ext cx="540000" cy="540000"/>
           </a:xfrm>
           <a:prstGeom prst="flowChartConnector">
@@ -14473,7 +14383,7 @@
         </p:nvCxnSpPr>
         <p:spPr>
           <a:xfrm>
-            <a:off x="4730525" y="6954823"/>
+            <a:off x="4730525" y="6896948"/>
             <a:ext cx="0" cy="306042"/>
           </a:xfrm>
           <a:prstGeom prst="straightConnector1">
@@ -14515,7 +14425,7 @@
         </p:nvSpPr>
         <p:spPr>
           <a:xfrm>
-            <a:off x="3298046" y="2907821"/>
+            <a:off x="3298046" y="2849946"/>
             <a:ext cx="365806" cy="222240"/>
           </a:xfrm>
           <a:prstGeom prst="rect">
@@ -14563,7 +14473,7 @@
         </p:nvSpPr>
         <p:spPr>
           <a:xfrm>
-            <a:off x="5532990" y="2910642"/>
+            <a:off x="5532990" y="2852767"/>
             <a:ext cx="320922" cy="222240"/>
           </a:xfrm>
           <a:prstGeom prst="rect">
@@ -14611,7 +14521,7 @@
         </p:nvSpPr>
         <p:spPr>
           <a:xfrm>
-            <a:off x="4271100" y="3409877"/>
+            <a:off x="4271100" y="3352002"/>
             <a:ext cx="365806" cy="222240"/>
           </a:xfrm>
           <a:prstGeom prst="rect">
@@ -14659,7 +14569,7 @@
         </p:nvSpPr>
         <p:spPr>
           <a:xfrm>
-            <a:off x="2468848" y="3426299"/>
+            <a:off x="2468848" y="3368424"/>
             <a:ext cx="320922" cy="222240"/>
           </a:xfrm>
           <a:prstGeom prst="rect">
@@ -14707,7 +14617,7 @@
         </p:nvSpPr>
         <p:spPr>
           <a:xfrm>
-            <a:off x="6116267" y="2255191"/>
+            <a:off x="6116267" y="2197316"/>
             <a:ext cx="365806" cy="222240"/>
           </a:xfrm>
           <a:prstGeom prst="rect">
@@ -14755,7 +14665,7 @@
         </p:nvSpPr>
         <p:spPr>
           <a:xfrm>
-            <a:off x="4131484" y="2255190"/>
+            <a:off x="4131484" y="2197315"/>
             <a:ext cx="320922" cy="222240"/>
           </a:xfrm>
           <a:prstGeom prst="rect">
@@ -14803,7 +14713,7 @@
         </p:nvSpPr>
         <p:spPr>
           <a:xfrm>
-            <a:off x="5701436" y="1068558"/>
+            <a:off x="5701436" y="1010683"/>
             <a:ext cx="365806" cy="222240"/>
           </a:xfrm>
           <a:prstGeom prst="rect">
@@ -14851,7 +14761,7 @@
         </p:nvSpPr>
         <p:spPr>
           <a:xfrm>
-            <a:off x="4468457" y="1106511"/>
+            <a:off x="4468457" y="1048636"/>
             <a:ext cx="320922" cy="222240"/>
           </a:xfrm>
           <a:prstGeom prst="rect">
@@ -14899,7 +14809,7 @@
         </p:nvSpPr>
         <p:spPr>
           <a:xfrm>
-            <a:off x="1439755" y="7679832"/>
+            <a:off x="1439755" y="7621957"/>
             <a:ext cx="327334" cy="222240"/>
           </a:xfrm>
           <a:prstGeom prst="rect">
@@ -14944,7 +14854,7 @@
         </p:nvSpPr>
         <p:spPr>
           <a:xfrm>
-            <a:off x="346675" y="7679832"/>
+            <a:off x="346675" y="7621957"/>
             <a:ext cx="340158" cy="222240"/>
           </a:xfrm>
           <a:prstGeom prst="rect">
@@ -14989,7 +14899,7 @@
         </p:nvSpPr>
         <p:spPr>
           <a:xfrm>
-            <a:off x="2589769" y="8132463"/>
+            <a:off x="2589769" y="8074588"/>
             <a:ext cx="478016" cy="222240"/>
           </a:xfrm>
           <a:prstGeom prst="rect">
@@ -15034,7 +14944,7 @@
         </p:nvSpPr>
         <p:spPr>
           <a:xfrm>
-            <a:off x="3157701" y="8132463"/>
+            <a:off x="3157701" y="8074588"/>
             <a:ext cx="385042" cy="222240"/>
           </a:xfrm>
           <a:prstGeom prst="rect">
@@ -15113,24 +15023,18 @@
         </p:nvSpPr>
         <p:spPr>
           <a:xfrm>
-            <a:off x="2619584" y="2047729"/>
+            <a:off x="2550134" y="2047729"/>
             <a:ext cx="1618831" cy="526708"/>
           </a:xfrm>
           <a:prstGeom prst="diamond">
             <a:avLst/>
           </a:prstGeom>
           <a:solidFill>
-            <a:schemeClr val="accent3">
-              <a:lumMod val="40000"/>
-              <a:lumOff val="60000"/>
-            </a:schemeClr>
+            <a:srgbClr val="A9D18E"/>
           </a:solidFill>
           <a:ln>
             <a:solidFill>
-              <a:schemeClr val="accent3">
-                <a:lumMod val="40000"/>
-                <a:lumOff val="60000"/>
-              </a:schemeClr>
+              <a:srgbClr val="A9D18E"/>
             </a:solidFill>
           </a:ln>
         </p:spPr>
@@ -15156,7 +15060,7 @@
           <a:p>
             <a:pPr algn="ctr" defTabSz="514350" latinLnBrk="1"/>
             <a:r>
-              <a:rPr lang="ko-KR" altLang="en-US" sz="844" dirty="0" smtClean="0">
+              <a:rPr lang="ko-KR" altLang="en-US" sz="844" dirty="0">
                 <a:solidFill>
                   <a:srgbClr val="3B3838"/>
                 </a:solidFill>
@@ -15164,27 +15068,8 @@
                 <a:ea typeface="KoPubWorld돋움체 Medium" panose="00000600000000000000" pitchFamily="2" charset="-127"/>
                 <a:cs typeface="KoPubWorld돋움체 Medium" panose="00000600000000000000" pitchFamily="2" charset="-127"/>
               </a:rPr>
-              <a:t>클릭 </a:t>
-            </a:r>
-            <a:r>
-              <a:rPr lang="ko-KR" altLang="en-US" sz="844" dirty="0" smtClean="0">
-                <a:solidFill>
-                  <a:srgbClr val="3B3838"/>
-                </a:solidFill>
-                <a:latin typeface="KoPubWorld돋움체 Medium" panose="00000600000000000000" pitchFamily="2" charset="-127"/>
-                <a:ea typeface="KoPubWorld돋움체 Medium" panose="00000600000000000000" pitchFamily="2" charset="-127"/>
-                <a:cs typeface="KoPubWorld돋움체 Medium" panose="00000600000000000000" pitchFamily="2" charset="-127"/>
-              </a:rPr>
-              <a:t>위치 확인</a:t>
-            </a:r>
-            <a:endParaRPr lang="ko-KR" altLang="en-US" sz="844" dirty="0">
-              <a:solidFill>
-                <a:srgbClr val="3B3838"/>
-              </a:solidFill>
-              <a:latin typeface="KoPubWorld돋움체 Medium" panose="00000600000000000000" pitchFamily="2" charset="-127"/>
-              <a:ea typeface="KoPubWorld돋움체 Medium" panose="00000600000000000000" pitchFamily="2" charset="-127"/>
-              <a:cs typeface="KoPubWorld돋움체 Medium" panose="00000600000000000000" pitchFamily="2" charset="-127"/>
-            </a:endParaRPr>
+              <a:t>클릭 위치 확인</a:t>
+            </a:r>
           </a:p>
         </p:txBody>
       </p:sp>
@@ -15200,8 +15085,8 @@
         </p:nvCxnSpPr>
         <p:spPr>
           <a:xfrm rot="5400000">
-            <a:off x="1697487" y="1501476"/>
-            <a:ext cx="658552" cy="2804475"/>
+            <a:off x="1664072" y="1537511"/>
+            <a:ext cx="658553" cy="2732404"/>
           </a:xfrm>
           <a:prstGeom prst="bentConnector3">
             <a:avLst>
@@ -15210,7 +15095,9 @@
           </a:prstGeom>
           <a:ln w="57150">
             <a:solidFill>
-              <a:schemeClr val="tx1"/>
+              <a:schemeClr val="bg1">
+                <a:lumMod val="95000"/>
+              </a:schemeClr>
             </a:solidFill>
             <a:tailEnd type="triangle"/>
           </a:ln>
@@ -15242,7 +15129,7 @@
         </p:nvCxnSpPr>
         <p:spPr>
           <a:xfrm flipH="1">
-            <a:off x="3429000" y="972981"/>
+            <a:off x="3359550" y="972981"/>
             <a:ext cx="3520" cy="457958"/>
           </a:xfrm>
           <a:prstGeom prst="straightConnector1">
@@ -15250,7 +15137,9 @@
           </a:prstGeom>
           <a:ln w="57150">
             <a:solidFill>
-              <a:schemeClr val="tx1"/>
+              <a:schemeClr val="bg1">
+                <a:lumMod val="95000"/>
+              </a:schemeClr>
             </a:solidFill>
             <a:tailEnd type="triangle"/>
           </a:ln>
@@ -15284,24 +15173,18 @@
         </p:nvSpPr>
         <p:spPr>
           <a:xfrm>
-            <a:off x="2966282" y="689556"/>
+            <a:off x="2896832" y="689556"/>
             <a:ext cx="932476" cy="283425"/>
           </a:xfrm>
           <a:prstGeom prst="flowChartTerminator">
             <a:avLst/>
           </a:prstGeom>
           <a:solidFill>
-            <a:schemeClr val="accent3">
-              <a:lumMod val="40000"/>
-              <a:lumOff val="60000"/>
-            </a:schemeClr>
+            <a:srgbClr val="A9D18E"/>
           </a:solidFill>
           <a:ln>
             <a:solidFill>
-              <a:schemeClr val="accent3">
-                <a:lumMod val="40000"/>
-                <a:lumOff val="60000"/>
-              </a:schemeClr>
+              <a:srgbClr val="A9D18E"/>
             </a:solidFill>
           </a:ln>
         </p:spPr>
@@ -15354,24 +15237,18 @@
         </p:nvSpPr>
         <p:spPr>
           <a:xfrm>
-            <a:off x="223858" y="3232989"/>
+            <a:off x="226479" y="3232990"/>
             <a:ext cx="801334" cy="340062"/>
           </a:xfrm>
           <a:prstGeom prst="rect">
             <a:avLst/>
           </a:prstGeom>
           <a:solidFill>
-            <a:schemeClr val="accent3">
-              <a:lumMod val="40000"/>
-              <a:lumOff val="60000"/>
-            </a:schemeClr>
+            <a:srgbClr val="A9D18E"/>
           </a:solidFill>
           <a:ln>
             <a:solidFill>
-              <a:schemeClr val="accent3">
-                <a:lumMod val="40000"/>
-                <a:lumOff val="60000"/>
-              </a:schemeClr>
+              <a:srgbClr val="A9D18E"/>
             </a:solidFill>
           </a:ln>
         </p:spPr>
@@ -15397,7 +15274,7 @@
           <a:p>
             <a:pPr algn="ctr" defTabSz="514350" latinLnBrk="1"/>
             <a:r>
-              <a:rPr lang="ko-KR" altLang="en-US" sz="844" dirty="0" smtClean="0">
+              <a:rPr lang="ko-KR" altLang="en-US" sz="844" dirty="0">
                 <a:solidFill>
                   <a:srgbClr val="3B3838"/>
                 </a:solidFill>
@@ -15407,14 +15284,6 @@
               </a:rPr>
               <a:t>타일</a:t>
             </a:r>
-            <a:endParaRPr lang="ko-KR" altLang="en-US" sz="844" dirty="0">
-              <a:solidFill>
-                <a:srgbClr val="3B3838"/>
-              </a:solidFill>
-              <a:latin typeface="KoPubWorld돋움체 Medium" panose="00000600000000000000" pitchFamily="2" charset="-127"/>
-              <a:ea typeface="KoPubWorld돋움체 Medium" panose="00000600000000000000" pitchFamily="2" charset="-127"/>
-              <a:cs typeface="KoPubWorld돋움체 Medium" panose="00000600000000000000" pitchFamily="2" charset="-127"/>
-            </a:endParaRPr>
           </a:p>
         </p:txBody>
       </p:sp>
@@ -15432,24 +15301,18 @@
         </p:nvSpPr>
         <p:spPr>
           <a:xfrm>
-            <a:off x="2119039" y="3221526"/>
+            <a:off x="2047181" y="3232988"/>
             <a:ext cx="801334" cy="340062"/>
           </a:xfrm>
           <a:prstGeom prst="rect">
             <a:avLst/>
           </a:prstGeom>
           <a:solidFill>
-            <a:schemeClr val="accent3">
-              <a:lumMod val="40000"/>
-              <a:lumOff val="60000"/>
-            </a:schemeClr>
+            <a:srgbClr val="A9D18E"/>
           </a:solidFill>
           <a:ln>
             <a:solidFill>
-              <a:schemeClr val="accent3">
-                <a:lumMod val="40000"/>
-                <a:lumOff val="60000"/>
-              </a:schemeClr>
+              <a:srgbClr val="A9D18E"/>
             </a:solidFill>
           </a:ln>
         </p:spPr>
@@ -15475,7 +15338,7 @@
           <a:p>
             <a:pPr algn="ctr" defTabSz="514350" latinLnBrk="1"/>
             <a:r>
-              <a:rPr lang="ko-KR" altLang="en-US" sz="844" dirty="0" smtClean="0">
+              <a:rPr lang="ko-KR" altLang="en-US" sz="844" dirty="0">
                 <a:solidFill>
                   <a:srgbClr val="3B3838"/>
                 </a:solidFill>
@@ -15485,14 +15348,6 @@
               </a:rPr>
               <a:t>파일 열기</a:t>
             </a:r>
-            <a:endParaRPr lang="ko-KR" altLang="en-US" sz="844" dirty="0">
-              <a:solidFill>
-                <a:srgbClr val="3B3838"/>
-              </a:solidFill>
-              <a:latin typeface="KoPubWorld돋움체 Medium" panose="00000600000000000000" pitchFamily="2" charset="-127"/>
-              <a:ea typeface="KoPubWorld돋움체 Medium" panose="00000600000000000000" pitchFamily="2" charset="-127"/>
-              <a:cs typeface="KoPubWorld돋움체 Medium" panose="00000600000000000000" pitchFamily="2" charset="-127"/>
-            </a:endParaRPr>
           </a:p>
         </p:txBody>
       </p:sp>
@@ -15510,24 +15365,18 @@
         </p:nvSpPr>
         <p:spPr>
           <a:xfrm>
-            <a:off x="3061177" y="3221523"/>
+            <a:off x="2960569" y="3227258"/>
             <a:ext cx="801334" cy="340062"/>
           </a:xfrm>
           <a:prstGeom prst="rect">
             <a:avLst/>
           </a:prstGeom>
           <a:solidFill>
-            <a:schemeClr val="accent3">
-              <a:lumMod val="40000"/>
-              <a:lumOff val="60000"/>
-            </a:schemeClr>
+            <a:srgbClr val="A9D18E"/>
           </a:solidFill>
           <a:ln>
             <a:solidFill>
-              <a:schemeClr val="accent3">
-                <a:lumMod val="40000"/>
-                <a:lumOff val="60000"/>
-              </a:schemeClr>
+              <a:srgbClr val="A9D18E"/>
             </a:solidFill>
           </a:ln>
         </p:spPr>
@@ -15553,7 +15402,7 @@
           <a:p>
             <a:pPr algn="ctr" defTabSz="514350" latinLnBrk="1"/>
             <a:r>
-              <a:rPr lang="ko-KR" altLang="en-US" sz="844" dirty="0" smtClean="0">
+              <a:rPr lang="ko-KR" altLang="en-US" sz="844" dirty="0">
                 <a:solidFill>
                   <a:srgbClr val="3B3838"/>
                 </a:solidFill>
@@ -15563,14 +15412,6 @@
               </a:rPr>
               <a:t>파일 저장</a:t>
             </a:r>
-            <a:endParaRPr lang="ko-KR" altLang="en-US" sz="844" dirty="0">
-              <a:solidFill>
-                <a:srgbClr val="3B3838"/>
-              </a:solidFill>
-              <a:latin typeface="KoPubWorld돋움체 Medium" panose="00000600000000000000" pitchFamily="2" charset="-127"/>
-              <a:ea typeface="KoPubWorld돋움체 Medium" panose="00000600000000000000" pitchFamily="2" charset="-127"/>
-              <a:cs typeface="KoPubWorld돋움체 Medium" panose="00000600000000000000" pitchFamily="2" charset="-127"/>
-            </a:endParaRPr>
           </a:p>
         </p:txBody>
       </p:sp>
@@ -15588,24 +15429,18 @@
         </p:nvSpPr>
         <p:spPr>
           <a:xfrm>
-            <a:off x="4009791" y="3221523"/>
+            <a:off x="3871549" y="3221522"/>
             <a:ext cx="801334" cy="340062"/>
           </a:xfrm>
           <a:prstGeom prst="rect">
             <a:avLst/>
           </a:prstGeom>
           <a:solidFill>
-            <a:schemeClr val="accent3">
-              <a:lumMod val="40000"/>
-              <a:lumOff val="60000"/>
-            </a:schemeClr>
+            <a:srgbClr val="A9D18E"/>
           </a:solidFill>
           <a:ln>
             <a:solidFill>
-              <a:schemeClr val="accent3">
-                <a:lumMod val="40000"/>
-                <a:lumOff val="60000"/>
-              </a:schemeClr>
+              <a:srgbClr val="A9D18E"/>
             </a:solidFill>
           </a:ln>
         </p:spPr>
@@ -15631,7 +15466,7 @@
           <a:p>
             <a:pPr algn="ctr" defTabSz="514350" latinLnBrk="1"/>
             <a:r>
-              <a:rPr lang="ko-KR" altLang="en-US" sz="844" dirty="0" smtClean="0">
+              <a:rPr lang="ko-KR" altLang="en-US" sz="844" dirty="0">
                 <a:solidFill>
                   <a:srgbClr val="3B3838"/>
                 </a:solidFill>
@@ -15641,14 +15476,6 @@
               </a:rPr>
               <a:t>초기화</a:t>
             </a:r>
-            <a:endParaRPr lang="ko-KR" altLang="en-US" sz="844" dirty="0">
-              <a:solidFill>
-                <a:srgbClr val="3B3838"/>
-              </a:solidFill>
-              <a:latin typeface="KoPubWorld돋움체 Medium" panose="00000600000000000000" pitchFamily="2" charset="-127"/>
-              <a:ea typeface="KoPubWorld돋움체 Medium" panose="00000600000000000000" pitchFamily="2" charset="-127"/>
-              <a:cs typeface="KoPubWorld돋움체 Medium" panose="00000600000000000000" pitchFamily="2" charset="-127"/>
-            </a:endParaRPr>
           </a:p>
         </p:txBody>
       </p:sp>
@@ -15666,24 +15493,18 @@
         </p:nvSpPr>
         <p:spPr>
           <a:xfrm>
-            <a:off x="1171448" y="3232988"/>
+            <a:off x="1140832" y="3233780"/>
             <a:ext cx="801334" cy="340062"/>
           </a:xfrm>
           <a:prstGeom prst="rect">
             <a:avLst/>
           </a:prstGeom>
           <a:solidFill>
-            <a:schemeClr val="accent3">
-              <a:lumMod val="40000"/>
-              <a:lumOff val="60000"/>
-            </a:schemeClr>
+            <a:srgbClr val="A9D18E"/>
           </a:solidFill>
           <a:ln>
             <a:solidFill>
-              <a:schemeClr val="accent3">
-                <a:lumMod val="40000"/>
-                <a:lumOff val="60000"/>
-              </a:schemeClr>
+              <a:srgbClr val="A9D18E"/>
             </a:solidFill>
           </a:ln>
         </p:spPr>
@@ -15709,7 +15530,7 @@
           <a:p>
             <a:pPr algn="ctr" defTabSz="514350" latinLnBrk="1"/>
             <a:r>
-              <a:rPr lang="ko-KR" altLang="en-US" sz="844" dirty="0" smtClean="0">
+              <a:rPr lang="ko-KR" altLang="en-US" sz="844" dirty="0">
                 <a:solidFill>
                   <a:srgbClr val="3B3838"/>
                 </a:solidFill>
@@ -15719,14 +15540,6 @@
               </a:rPr>
               <a:t>플레이어 위치</a:t>
             </a:r>
-            <a:endParaRPr lang="ko-KR" altLang="en-US" sz="844" dirty="0">
-              <a:solidFill>
-                <a:srgbClr val="3B3838"/>
-              </a:solidFill>
-              <a:latin typeface="KoPubWorld돋움체 Medium" panose="00000600000000000000" pitchFamily="2" charset="-127"/>
-              <a:ea typeface="KoPubWorld돋움체 Medium" panose="00000600000000000000" pitchFamily="2" charset="-127"/>
-              <a:cs typeface="KoPubWorld돋움체 Medium" panose="00000600000000000000" pitchFamily="2" charset="-127"/>
-            </a:endParaRPr>
           </a:p>
         </p:txBody>
       </p:sp>
@@ -15742,8 +15555,8 @@
         </p:nvCxnSpPr>
         <p:spPr>
           <a:xfrm rot="16200000" flipH="1">
-            <a:off x="3596186" y="2407251"/>
-            <a:ext cx="647086" cy="981458"/>
+            <a:off x="3492341" y="2441646"/>
+            <a:ext cx="647085" cy="912666"/>
           </a:xfrm>
           <a:prstGeom prst="bentConnector3">
             <a:avLst>
@@ -15752,7 +15565,9 @@
           </a:prstGeom>
           <a:ln w="57150">
             <a:solidFill>
-              <a:schemeClr val="tx1"/>
+              <a:schemeClr val="bg1">
+                <a:lumMod val="95000"/>
+              </a:schemeClr>
             </a:solidFill>
             <a:tailEnd type="triangle"/>
           </a:ln>
@@ -15784,8 +15599,8 @@
         </p:nvCxnSpPr>
         <p:spPr>
           <a:xfrm rot="16200000" flipH="1">
-            <a:off x="3121879" y="2881558"/>
-            <a:ext cx="647086" cy="32844"/>
+            <a:off x="3033983" y="2900004"/>
+            <a:ext cx="652821" cy="1686"/>
           </a:xfrm>
           <a:prstGeom prst="bentConnector3">
             <a:avLst>
@@ -15794,7 +15609,9 @@
           </a:prstGeom>
           <a:ln w="57150">
             <a:solidFill>
-              <a:schemeClr val="tx1"/>
+              <a:schemeClr val="bg1">
+                <a:lumMod val="95000"/>
+              </a:schemeClr>
             </a:solidFill>
             <a:tailEnd type="triangle"/>
           </a:ln>
@@ -15826,8 +15643,8 @@
         </p:nvCxnSpPr>
         <p:spPr>
           <a:xfrm rot="5400000">
-            <a:off x="2171283" y="1975270"/>
-            <a:ext cx="658551" cy="1856885"/>
+            <a:off x="2120854" y="1995083"/>
+            <a:ext cx="659343" cy="1818051"/>
           </a:xfrm>
           <a:prstGeom prst="bentConnector3">
             <a:avLst>
@@ -15836,7 +15653,9 @@
           </a:prstGeom>
           <a:ln w="57150">
             <a:solidFill>
-              <a:schemeClr val="tx1"/>
+              <a:schemeClr val="bg1">
+                <a:lumMod val="95000"/>
+              </a:schemeClr>
             </a:solidFill>
             <a:tailEnd type="triangle"/>
           </a:ln>
@@ -15870,24 +15689,18 @@
         </p:nvSpPr>
         <p:spPr>
           <a:xfrm>
-            <a:off x="770781" y="4038648"/>
+            <a:off x="701331" y="4038640"/>
             <a:ext cx="801334" cy="340062"/>
           </a:xfrm>
           <a:prstGeom prst="rect">
             <a:avLst/>
           </a:prstGeom>
           <a:solidFill>
-            <a:schemeClr val="accent3">
-              <a:lumMod val="40000"/>
-              <a:lumOff val="60000"/>
-            </a:schemeClr>
+            <a:srgbClr val="A9D18E"/>
           </a:solidFill>
           <a:ln>
             <a:solidFill>
-              <a:schemeClr val="accent3">
-                <a:lumMod val="40000"/>
-                <a:lumOff val="60000"/>
-              </a:schemeClr>
+              <a:srgbClr val="A9D18E"/>
             </a:solidFill>
           </a:ln>
         </p:spPr>
@@ -15913,7 +15726,7 @@
           <a:p>
             <a:pPr algn="ctr" defTabSz="514350" latinLnBrk="1"/>
             <a:r>
-              <a:rPr lang="ko-KR" altLang="en-US" sz="844" dirty="0" smtClean="0">
+              <a:rPr lang="ko-KR" altLang="en-US" sz="844" dirty="0">
                 <a:solidFill>
                   <a:srgbClr val="3B3838"/>
                 </a:solidFill>
@@ -15923,7 +15736,7 @@
               </a:rPr>
               <a:t>해당 타입 </a:t>
             </a:r>
-            <a:endParaRPr lang="en-US" altLang="ko-KR" sz="844" dirty="0" smtClean="0">
+            <a:endParaRPr lang="en-US" altLang="ko-KR" sz="844" dirty="0">
               <a:solidFill>
                 <a:srgbClr val="3B3838"/>
               </a:solidFill>
@@ -15935,7 +15748,7 @@
           <a:p>
             <a:pPr algn="ctr" defTabSz="514350" latinLnBrk="1"/>
             <a:r>
-              <a:rPr lang="ko-KR" altLang="en-US" sz="844" dirty="0" smtClean="0">
+              <a:rPr lang="ko-KR" altLang="en-US" sz="844" dirty="0">
                 <a:solidFill>
                   <a:srgbClr val="3B3838"/>
                 </a:solidFill>
@@ -15945,14 +15758,6 @@
               </a:rPr>
               <a:t>설정</a:t>
             </a:r>
-            <a:endParaRPr lang="ko-KR" altLang="en-US" sz="844" dirty="0">
-              <a:solidFill>
-                <a:srgbClr val="3B3838"/>
-              </a:solidFill>
-              <a:latin typeface="KoPubWorld돋움체 Medium" panose="00000600000000000000" pitchFamily="2" charset="-127"/>
-              <a:ea typeface="KoPubWorld돋움체 Medium" panose="00000600000000000000" pitchFamily="2" charset="-127"/>
-              <a:cs typeface="KoPubWorld돋움체 Medium" panose="00000600000000000000" pitchFamily="2" charset="-127"/>
-            </a:endParaRPr>
           </a:p>
         </p:txBody>
       </p:sp>
@@ -15968,8 +15773,8 @@
         </p:nvCxnSpPr>
         <p:spPr>
           <a:xfrm rot="16200000" flipH="1">
-            <a:off x="665188" y="3532387"/>
-            <a:ext cx="465597" cy="546923"/>
+            <a:off x="631778" y="3568420"/>
+            <a:ext cx="465588" cy="474852"/>
           </a:xfrm>
           <a:prstGeom prst="bentConnector3">
             <a:avLst>
@@ -15978,7 +15783,9 @@
           </a:prstGeom>
           <a:ln w="57150">
             <a:solidFill>
-              <a:schemeClr val="tx1"/>
+              <a:schemeClr val="bg1">
+                <a:lumMod val="95000"/>
+              </a:schemeClr>
             </a:solidFill>
             <a:tailEnd type="triangle"/>
           </a:ln>
@@ -16010,8 +15817,8 @@
         </p:nvCxnSpPr>
         <p:spPr>
           <a:xfrm rot="5400000">
-            <a:off x="1138983" y="3605516"/>
-            <a:ext cx="465598" cy="400667"/>
+            <a:off x="1089350" y="3586491"/>
+            <a:ext cx="464798" cy="439501"/>
           </a:xfrm>
           <a:prstGeom prst="bentConnector3">
             <a:avLst>
@@ -16020,7 +15827,9 @@
           </a:prstGeom>
           <a:ln w="57150">
             <a:solidFill>
-              <a:schemeClr val="tx1"/>
+              <a:schemeClr val="bg1">
+                <a:lumMod val="95000"/>
+              </a:schemeClr>
             </a:solidFill>
             <a:tailEnd type="triangle"/>
           </a:ln>
@@ -16054,24 +15863,18 @@
         </p:nvSpPr>
         <p:spPr>
           <a:xfrm>
-            <a:off x="4959403" y="3221523"/>
+            <a:off x="4889953" y="3221523"/>
             <a:ext cx="801334" cy="340062"/>
           </a:xfrm>
           <a:prstGeom prst="rect">
             <a:avLst/>
           </a:prstGeom>
           <a:solidFill>
-            <a:schemeClr val="accent3">
-              <a:lumMod val="40000"/>
-              <a:lumOff val="60000"/>
-            </a:schemeClr>
+            <a:srgbClr val="A9D18E"/>
           </a:solidFill>
           <a:ln>
             <a:solidFill>
-              <a:schemeClr val="accent3">
-                <a:lumMod val="40000"/>
-                <a:lumOff val="60000"/>
-              </a:schemeClr>
+              <a:srgbClr val="A9D18E"/>
             </a:solidFill>
           </a:ln>
         </p:spPr>
@@ -16097,7 +15900,7 @@
           <a:p>
             <a:pPr algn="ctr" defTabSz="514350" latinLnBrk="1"/>
             <a:r>
-              <a:rPr lang="ko-KR" altLang="en-US" sz="844" dirty="0" smtClean="0">
+              <a:rPr lang="ko-KR" altLang="en-US" sz="844" dirty="0">
                 <a:solidFill>
                   <a:srgbClr val="3B3838"/>
                 </a:solidFill>
@@ -16107,14 +15910,6 @@
               </a:rPr>
               <a:t>맵 영역</a:t>
             </a:r>
-            <a:endParaRPr lang="ko-KR" altLang="en-US" sz="844" dirty="0">
-              <a:solidFill>
-                <a:srgbClr val="3B3838"/>
-              </a:solidFill>
-              <a:latin typeface="KoPubWorld돋움체 Medium" panose="00000600000000000000" pitchFamily="2" charset="-127"/>
-              <a:ea typeface="KoPubWorld돋움체 Medium" panose="00000600000000000000" pitchFamily="2" charset="-127"/>
-              <a:cs typeface="KoPubWorld돋움체 Medium" panose="00000600000000000000" pitchFamily="2" charset="-127"/>
-            </a:endParaRPr>
           </a:p>
         </p:txBody>
       </p:sp>
@@ -16130,7 +15925,7 @@
         </p:nvCxnSpPr>
         <p:spPr>
           <a:xfrm rot="16200000" flipH="1">
-            <a:off x="4070992" y="1932445"/>
+            <a:off x="4001542" y="1932445"/>
             <a:ext cx="647086" cy="1931070"/>
           </a:xfrm>
           <a:prstGeom prst="bentConnector3">
@@ -16140,7 +15935,9 @@
           </a:prstGeom>
           <a:ln w="57150">
             <a:solidFill>
-              <a:schemeClr val="tx1"/>
+              <a:schemeClr val="bg1">
+                <a:lumMod val="95000"/>
+              </a:schemeClr>
             </a:solidFill>
             <a:tailEnd type="triangle"/>
           </a:ln>
@@ -16172,8 +15969,8 @@
         </p:nvCxnSpPr>
         <p:spPr>
           <a:xfrm rot="5400000">
-            <a:off x="2650809" y="2443334"/>
-            <a:ext cx="647089" cy="909294"/>
+            <a:off x="2574424" y="2447861"/>
+            <a:ext cx="658551" cy="911702"/>
           </a:xfrm>
           <a:prstGeom prst="bentConnector3">
             <a:avLst>
@@ -16182,7 +15979,9 @@
           </a:prstGeom>
           <a:ln w="57150">
             <a:solidFill>
-              <a:schemeClr val="tx1"/>
+              <a:schemeClr val="bg1">
+                <a:lumMod val="95000"/>
+              </a:schemeClr>
             </a:solidFill>
             <a:tailEnd type="triangle"/>
           </a:ln>
@@ -16216,24 +16015,18 @@
         </p:nvSpPr>
         <p:spPr>
           <a:xfrm>
-            <a:off x="2573686" y="4038640"/>
+            <a:off x="2509121" y="4038639"/>
             <a:ext cx="801334" cy="340062"/>
           </a:xfrm>
           <a:prstGeom prst="rect">
             <a:avLst/>
           </a:prstGeom>
           <a:solidFill>
-            <a:schemeClr val="accent3">
-              <a:lumMod val="40000"/>
-              <a:lumOff val="60000"/>
-            </a:schemeClr>
+            <a:srgbClr val="A9D18E"/>
           </a:solidFill>
           <a:ln>
             <a:solidFill>
-              <a:schemeClr val="accent3">
-                <a:lumMod val="40000"/>
-                <a:lumOff val="60000"/>
-              </a:schemeClr>
+              <a:srgbClr val="A9D18E"/>
             </a:solidFill>
           </a:ln>
         </p:spPr>
@@ -16259,7 +16052,7 @@
           <a:p>
             <a:pPr algn="ctr" defTabSz="514350" latinLnBrk="1"/>
             <a:r>
-              <a:rPr lang="ko-KR" altLang="en-US" sz="844" dirty="0" smtClean="0">
+              <a:rPr lang="ko-KR" altLang="en-US" sz="844" dirty="0">
                 <a:solidFill>
                   <a:srgbClr val="3B3838"/>
                 </a:solidFill>
@@ -16269,7 +16062,7 @@
               </a:rPr>
               <a:t>다이어그램 </a:t>
             </a:r>
-            <a:endParaRPr lang="en-US" altLang="ko-KR" sz="844" dirty="0" smtClean="0">
+            <a:endParaRPr lang="en-US" altLang="ko-KR" sz="844" dirty="0">
               <a:solidFill>
                 <a:srgbClr val="3B3838"/>
               </a:solidFill>
@@ -16281,7 +16074,7 @@
           <a:p>
             <a:pPr algn="ctr" defTabSz="514350" latinLnBrk="1"/>
             <a:r>
-              <a:rPr lang="ko-KR" altLang="en-US" sz="844" dirty="0" smtClean="0">
+              <a:rPr lang="ko-KR" altLang="en-US" sz="844" dirty="0">
                 <a:solidFill>
                   <a:srgbClr val="3B3838"/>
                 </a:solidFill>
@@ -16291,14 +16084,6 @@
               </a:rPr>
               <a:t>출력</a:t>
             </a:r>
-            <a:endParaRPr lang="ko-KR" altLang="en-US" sz="844" dirty="0">
-              <a:solidFill>
-                <a:srgbClr val="3B3838"/>
-              </a:solidFill>
-              <a:latin typeface="KoPubWorld돋움체 Medium" panose="00000600000000000000" pitchFamily="2" charset="-127"/>
-              <a:ea typeface="KoPubWorld돋움체 Medium" panose="00000600000000000000" pitchFamily="2" charset="-127"/>
-              <a:cs typeface="KoPubWorld돋움체 Medium" panose="00000600000000000000" pitchFamily="2" charset="-127"/>
-            </a:endParaRPr>
           </a:p>
         </p:txBody>
       </p:sp>
@@ -16314,8 +16099,8 @@
         </p:nvCxnSpPr>
         <p:spPr>
           <a:xfrm rot="16200000" flipH="1">
-            <a:off x="2508503" y="3572790"/>
-            <a:ext cx="477052" cy="454647"/>
+            <a:off x="2446024" y="3574874"/>
+            <a:ext cx="465589" cy="461940"/>
           </a:xfrm>
           <a:prstGeom prst="bentConnector3">
             <a:avLst>
@@ -16324,7 +16109,9 @@
           </a:prstGeom>
           <a:ln w="57150">
             <a:solidFill>
-              <a:schemeClr val="tx1"/>
+              <a:schemeClr val="bg1">
+                <a:lumMod val="95000"/>
+              </a:schemeClr>
             </a:solidFill>
             <a:tailEnd type="triangle"/>
           </a:ln>
@@ -16356,8 +16143,8 @@
         </p:nvCxnSpPr>
         <p:spPr>
           <a:xfrm rot="5400000">
-            <a:off x="2979572" y="3556367"/>
-            <a:ext cx="477055" cy="487491"/>
+            <a:off x="2899853" y="3577255"/>
+            <a:ext cx="471319" cy="451448"/>
           </a:xfrm>
           <a:prstGeom prst="bentConnector3">
             <a:avLst>
@@ -16366,7 +16153,9 @@
           </a:prstGeom>
           <a:ln w="57150">
             <a:solidFill>
-              <a:schemeClr val="tx1"/>
+              <a:schemeClr val="bg1">
+                <a:lumMod val="95000"/>
+              </a:schemeClr>
             </a:solidFill>
             <a:tailEnd type="triangle"/>
           </a:ln>
@@ -16400,24 +16189,18 @@
         </p:nvSpPr>
         <p:spPr>
           <a:xfrm>
-            <a:off x="4014220" y="4038640"/>
+            <a:off x="3866624" y="4038639"/>
             <a:ext cx="801334" cy="340062"/>
           </a:xfrm>
           <a:prstGeom prst="rect">
             <a:avLst/>
           </a:prstGeom>
           <a:solidFill>
-            <a:schemeClr val="accent3">
-              <a:lumMod val="40000"/>
-              <a:lumOff val="60000"/>
-            </a:schemeClr>
+            <a:srgbClr val="A9D18E"/>
           </a:solidFill>
           <a:ln>
             <a:solidFill>
-              <a:schemeClr val="accent3">
-                <a:lumMod val="40000"/>
-                <a:lumOff val="60000"/>
-              </a:schemeClr>
+              <a:srgbClr val="A9D18E"/>
             </a:solidFill>
           </a:ln>
         </p:spPr>
@@ -16443,7 +16226,7 @@
           <a:p>
             <a:pPr algn="ctr" defTabSz="514350" latinLnBrk="1"/>
             <a:r>
-              <a:rPr lang="ko-KR" altLang="en-US" sz="844" dirty="0" smtClean="0">
+              <a:rPr lang="ko-KR" altLang="en-US" sz="844" dirty="0">
                 <a:solidFill>
                   <a:srgbClr val="3B3838"/>
                 </a:solidFill>
@@ -16453,7 +16236,7 @@
               </a:rPr>
               <a:t>맵 영역의 </a:t>
             </a:r>
-            <a:endParaRPr lang="en-US" altLang="ko-KR" sz="844" dirty="0" smtClean="0">
+            <a:endParaRPr lang="en-US" altLang="ko-KR" sz="844" dirty="0">
               <a:solidFill>
                 <a:srgbClr val="3B3838"/>
               </a:solidFill>
@@ -16465,7 +16248,7 @@
           <a:p>
             <a:pPr algn="ctr" defTabSz="514350" latinLnBrk="1"/>
             <a:r>
-              <a:rPr lang="ko-KR" altLang="en-US" sz="844" dirty="0" smtClean="0">
+              <a:rPr lang="ko-KR" altLang="en-US" sz="844" dirty="0">
                 <a:solidFill>
                   <a:srgbClr val="3B3838"/>
                 </a:solidFill>
@@ -16475,14 +16258,6 @@
               </a:rPr>
               <a:t>데이터 삭제</a:t>
             </a:r>
-            <a:endParaRPr lang="ko-KR" altLang="en-US" sz="844" dirty="0">
-              <a:solidFill>
-                <a:srgbClr val="3B3838"/>
-              </a:solidFill>
-              <a:latin typeface="KoPubWorld돋움체 Medium" panose="00000600000000000000" pitchFamily="2" charset="-127"/>
-              <a:ea typeface="KoPubWorld돋움체 Medium" panose="00000600000000000000" pitchFamily="2" charset="-127"/>
-              <a:cs typeface="KoPubWorld돋움체 Medium" panose="00000600000000000000" pitchFamily="2" charset="-127"/>
-            </a:endParaRPr>
           </a:p>
         </p:txBody>
       </p:sp>
@@ -16497,16 +16272,18 @@
           <p:nvPr/>
         </p:nvCxnSpPr>
         <p:spPr>
-          <a:xfrm>
-            <a:off x="4410458" y="3561585"/>
-            <a:ext cx="4429" cy="477055"/>
+          <a:xfrm flipH="1">
+            <a:off x="4267291" y="3561584"/>
+            <a:ext cx="4925" cy="477055"/>
           </a:xfrm>
           <a:prstGeom prst="straightConnector1">
             <a:avLst/>
           </a:prstGeom>
           <a:ln w="57150">
             <a:solidFill>
-              <a:schemeClr val="tx1"/>
+              <a:schemeClr val="bg1">
+                <a:lumMod val="95000"/>
+              </a:schemeClr>
             </a:solidFill>
             <a:tailEnd type="triangle"/>
           </a:ln>
@@ -16538,7 +16315,7 @@
         </p:nvCxnSpPr>
         <p:spPr>
           <a:xfrm>
-            <a:off x="5360070" y="3561585"/>
+            <a:off x="5290620" y="3561585"/>
             <a:ext cx="0" cy="2059072"/>
           </a:xfrm>
           <a:prstGeom prst="straightConnector1">
@@ -16546,7 +16323,9 @@
           </a:prstGeom>
           <a:ln w="57150">
             <a:solidFill>
-              <a:schemeClr val="tx1"/>
+              <a:schemeClr val="bg1">
+                <a:lumMod val="95000"/>
+              </a:schemeClr>
             </a:solidFill>
             <a:tailEnd type="triangle"/>
           </a:ln>
@@ -16580,24 +16359,18 @@
         </p:nvSpPr>
         <p:spPr>
           <a:xfrm>
-            <a:off x="5837776" y="5054106"/>
+            <a:off x="5768326" y="5054106"/>
             <a:ext cx="932476" cy="283425"/>
           </a:xfrm>
           <a:prstGeom prst="flowChartTerminator">
             <a:avLst/>
           </a:prstGeom>
           <a:solidFill>
-            <a:schemeClr val="accent3">
-              <a:lumMod val="40000"/>
-              <a:lumOff val="60000"/>
-            </a:schemeClr>
+            <a:srgbClr val="A9D18E"/>
           </a:solidFill>
           <a:ln>
             <a:solidFill>
-              <a:schemeClr val="accent3">
-                <a:lumMod val="40000"/>
-                <a:lumOff val="60000"/>
-              </a:schemeClr>
+              <a:srgbClr val="A9D18E"/>
             </a:solidFill>
           </a:ln>
         </p:spPr>
@@ -16650,24 +16423,18 @@
         </p:nvSpPr>
         <p:spPr>
           <a:xfrm>
-            <a:off x="5904586" y="3221523"/>
+            <a:off x="5835136" y="3221523"/>
             <a:ext cx="801334" cy="340062"/>
           </a:xfrm>
           <a:prstGeom prst="rect">
             <a:avLst/>
           </a:prstGeom>
           <a:solidFill>
-            <a:schemeClr val="accent3">
-              <a:lumMod val="40000"/>
-              <a:lumOff val="60000"/>
-            </a:schemeClr>
+            <a:srgbClr val="A9D18E"/>
           </a:solidFill>
           <a:ln>
             <a:solidFill>
-              <a:schemeClr val="accent3">
-                <a:lumMod val="40000"/>
-                <a:lumOff val="60000"/>
-              </a:schemeClr>
+              <a:srgbClr val="A9D18E"/>
             </a:solidFill>
           </a:ln>
         </p:spPr>
@@ -16693,7 +16460,7 @@
           <a:p>
             <a:pPr algn="ctr" defTabSz="514350" latinLnBrk="1"/>
             <a:r>
-              <a:rPr lang="ko-KR" altLang="en-US" sz="844" smtClean="0">
+              <a:rPr lang="ko-KR" altLang="en-US" sz="844">
                 <a:solidFill>
                   <a:srgbClr val="3B3838"/>
                 </a:solidFill>
@@ -16726,7 +16493,7 @@
         </p:nvCxnSpPr>
         <p:spPr>
           <a:xfrm rot="16200000" flipH="1">
-            <a:off x="4543583" y="1459853"/>
+            <a:off x="4474133" y="1459853"/>
             <a:ext cx="647086" cy="2876253"/>
           </a:xfrm>
           <a:prstGeom prst="bentConnector3">
@@ -16736,7 +16503,9 @@
           </a:prstGeom>
           <a:ln w="57150">
             <a:solidFill>
-              <a:schemeClr val="tx1"/>
+              <a:schemeClr val="bg1">
+                <a:lumMod val="95000"/>
+              </a:schemeClr>
             </a:solidFill>
             <a:tailEnd type="triangle"/>
           </a:ln>
@@ -16768,7 +16537,7 @@
         </p:nvCxnSpPr>
         <p:spPr>
           <a:xfrm flipH="1">
-            <a:off x="6304014" y="3561585"/>
+            <a:off x="6234564" y="3561585"/>
             <a:ext cx="1239" cy="1492521"/>
           </a:xfrm>
           <a:prstGeom prst="straightConnector1">
@@ -16776,7 +16545,9 @@
           </a:prstGeom>
           <a:ln w="57150">
             <a:solidFill>
-              <a:schemeClr val="tx1"/>
+              <a:schemeClr val="bg1">
+                <a:lumMod val="95000"/>
+              </a:schemeClr>
             </a:solidFill>
             <a:tailEnd type="triangle"/>
           </a:ln>
@@ -16804,24 +16575,18 @@
         </p:nvSpPr>
         <p:spPr>
           <a:xfrm>
-            <a:off x="4550654" y="5620657"/>
+            <a:off x="4481204" y="5620657"/>
             <a:ext cx="1618831" cy="526708"/>
           </a:xfrm>
           <a:prstGeom prst="diamond">
             <a:avLst/>
           </a:prstGeom>
           <a:solidFill>
-            <a:schemeClr val="accent3">
-              <a:lumMod val="40000"/>
-              <a:lumOff val="60000"/>
-            </a:schemeClr>
+            <a:srgbClr val="A9D18E"/>
           </a:solidFill>
           <a:ln>
             <a:solidFill>
-              <a:schemeClr val="accent3">
-                <a:lumMod val="40000"/>
-                <a:lumOff val="60000"/>
-              </a:schemeClr>
+              <a:srgbClr val="A9D18E"/>
             </a:solidFill>
           </a:ln>
         </p:spPr>
@@ -16847,7 +16612,7 @@
           <a:p>
             <a:pPr algn="ctr" defTabSz="514350" latinLnBrk="1"/>
             <a:r>
-              <a:rPr lang="ko-KR" altLang="en-US" sz="844" dirty="0" smtClean="0">
+              <a:rPr lang="ko-KR" altLang="en-US" sz="844" dirty="0">
                 <a:solidFill>
                   <a:srgbClr val="3B3838"/>
                 </a:solidFill>
@@ -16857,7 +16622,7 @@
               </a:rPr>
               <a:t>마우스 클릭</a:t>
             </a:r>
-            <a:endParaRPr lang="en-US" altLang="ko-KR" sz="844" dirty="0" smtClean="0">
+            <a:endParaRPr lang="en-US" altLang="ko-KR" sz="844" dirty="0">
               <a:solidFill>
                 <a:srgbClr val="3B3838"/>
               </a:solidFill>
@@ -16869,7 +16634,7 @@
           <a:p>
             <a:pPr algn="ctr" defTabSz="514350" latinLnBrk="1"/>
             <a:r>
-              <a:rPr lang="en-US" altLang="ko-KR" sz="844" dirty="0" smtClean="0">
+              <a:rPr lang="en-US" altLang="ko-KR" sz="844" dirty="0">
                 <a:solidFill>
                   <a:srgbClr val="3B3838"/>
                 </a:solidFill>
@@ -16880,7 +16645,7 @@
               <a:t>&amp;</a:t>
             </a:r>
             <a:r>
-              <a:rPr lang="ko-KR" altLang="en-US" sz="844" dirty="0" smtClean="0">
+              <a:rPr lang="ko-KR" altLang="en-US" sz="844" dirty="0">
                 <a:solidFill>
                   <a:srgbClr val="3B3838"/>
                 </a:solidFill>
@@ -16890,7 +16655,71 @@
               </a:rPr>
               <a:t>드래그 확인 </a:t>
             </a:r>
-            <a:endParaRPr lang="ko-KR" altLang="en-US" sz="844" dirty="0">
+          </a:p>
+        </p:txBody>
+      </p:sp>
+      <p:sp>
+        <p:nvSpPr>
+          <p:cNvPr id="241" name="직사각형 240">
+            <a:extLst>
+              <a:ext uri="{FF2B5EF4-FFF2-40B4-BE49-F238E27FC236}">
+                <a16:creationId xmlns:a16="http://schemas.microsoft.com/office/drawing/2014/main" id="{D2CBEEC9-597F-449B-9045-29169910E9BD}"/>
+              </a:ext>
+            </a:extLst>
+          </p:cNvPr>
+          <p:cNvSpPr/>
+          <p:nvPr/>
+        </p:nvSpPr>
+        <p:spPr>
+          <a:xfrm>
+            <a:off x="3714125" y="6323169"/>
+            <a:ext cx="1175828" cy="340062"/>
+          </a:xfrm>
+          <a:prstGeom prst="rect">
+            <a:avLst/>
+          </a:prstGeom>
+          <a:solidFill>
+            <a:srgbClr val="A9D18E"/>
+          </a:solidFill>
+          <a:ln>
+            <a:solidFill>
+              <a:srgbClr val="A9D18E"/>
+            </a:solidFill>
+          </a:ln>
+        </p:spPr>
+        <p:style>
+          <a:lnRef idx="2">
+            <a:schemeClr val="accent1">
+              <a:shade val="50000"/>
+            </a:schemeClr>
+          </a:lnRef>
+          <a:fillRef idx="1">
+            <a:schemeClr val="accent1"/>
+          </a:fillRef>
+          <a:effectRef idx="0">
+            <a:schemeClr val="accent1"/>
+          </a:effectRef>
+          <a:fontRef idx="minor">
+            <a:schemeClr val="lt1"/>
+          </a:fontRef>
+        </p:style>
+        <p:txBody>
+          <a:bodyPr rtlCol="0" anchor="ctr"/>
+          <a:lstStyle/>
+          <a:p>
+            <a:pPr algn="ctr" defTabSz="514350" latinLnBrk="1"/>
+            <a:r>
+              <a:rPr lang="ko-KR" altLang="en-US" sz="844" dirty="0">
+                <a:solidFill>
+                  <a:srgbClr val="3B3838"/>
+                </a:solidFill>
+                <a:latin typeface="KoPubWorld돋움체 Medium" panose="00000600000000000000" pitchFamily="2" charset="-127"/>
+                <a:ea typeface="KoPubWorld돋움체 Medium" panose="00000600000000000000" pitchFamily="2" charset="-127"/>
+                <a:cs typeface="KoPubWorld돋움체 Medium" panose="00000600000000000000" pitchFamily="2" charset="-127"/>
+              </a:rPr>
+              <a:t>해당 위치에 현재 타입</a:t>
+            </a:r>
+            <a:endParaRPr lang="en-US" altLang="ko-KR" sz="844" dirty="0">
               <a:solidFill>
                 <a:srgbClr val="3B3838"/>
               </a:solidFill>
@@ -16899,11 +16728,25 @@
               <a:cs typeface="KoPubWorld돋움체 Medium" panose="00000600000000000000" pitchFamily="2" charset="-127"/>
             </a:endParaRPr>
           </a:p>
-        </p:txBody>
-      </p:sp>
-      <p:sp>
-        <p:nvSpPr>
-          <p:cNvPr id="241" name="직사각형 240">
+          <a:p>
+            <a:pPr algn="ctr" defTabSz="514350" latinLnBrk="1"/>
+            <a:r>
+              <a:rPr lang="ko-KR" altLang="en-US" sz="844" dirty="0">
+                <a:solidFill>
+                  <a:srgbClr val="3B3838"/>
+                </a:solidFill>
+                <a:latin typeface="KoPubWorld돋움체 Medium" panose="00000600000000000000" pitchFamily="2" charset="-127"/>
+                <a:ea typeface="KoPubWorld돋움체 Medium" panose="00000600000000000000" pitchFamily="2" charset="-127"/>
+                <a:cs typeface="KoPubWorld돋움체 Medium" panose="00000600000000000000" pitchFamily="2" charset="-127"/>
+              </a:rPr>
+              <a:t> 타일 추가</a:t>
+            </a:r>
+          </a:p>
+        </p:txBody>
+      </p:sp>
+      <p:sp>
+        <p:nvSpPr>
+          <p:cNvPr id="243" name="직사각형 242">
             <a:extLst>
               <a:ext uri="{FF2B5EF4-FFF2-40B4-BE49-F238E27FC236}">
                 <a16:creationId xmlns:a16="http://schemas.microsoft.com/office/drawing/2014/main" id="{D2CBEEC9-597F-449B-9045-29169910E9BD}"/>
@@ -16915,24 +16758,18 @@
         </p:nvSpPr>
         <p:spPr>
           <a:xfrm>
-            <a:off x="3783575" y="6323169"/>
-            <a:ext cx="1175828" cy="340062"/>
+            <a:off x="5761107" y="6323169"/>
+            <a:ext cx="939695" cy="340062"/>
           </a:xfrm>
           <a:prstGeom prst="rect">
             <a:avLst/>
           </a:prstGeom>
           <a:solidFill>
-            <a:schemeClr val="accent3">
-              <a:lumMod val="40000"/>
-              <a:lumOff val="60000"/>
-            </a:schemeClr>
+            <a:srgbClr val="A9D18E"/>
           </a:solidFill>
           <a:ln>
             <a:solidFill>
-              <a:schemeClr val="accent3">
-                <a:lumMod val="40000"/>
-                <a:lumOff val="60000"/>
-              </a:schemeClr>
+              <a:srgbClr val="A9D18E"/>
             </a:solidFill>
           </a:ln>
         </p:spPr>
@@ -16958,7 +16795,7 @@
           <a:p>
             <a:pPr algn="ctr" defTabSz="514350" latinLnBrk="1"/>
             <a:r>
-              <a:rPr lang="ko-KR" altLang="en-US" sz="844" dirty="0" smtClean="0">
+              <a:rPr lang="ko-KR" altLang="en-US" sz="844" dirty="0">
                 <a:solidFill>
                   <a:srgbClr val="3B3838"/>
                 </a:solidFill>
@@ -16966,116 +16803,8 @@
                 <a:ea typeface="KoPubWorld돋움체 Medium" panose="00000600000000000000" pitchFamily="2" charset="-127"/>
                 <a:cs typeface="KoPubWorld돋움체 Medium" panose="00000600000000000000" pitchFamily="2" charset="-127"/>
               </a:rPr>
-              <a:t>해당 위치에 현재 타입</a:t>
-            </a:r>
-            <a:endParaRPr lang="en-US" altLang="ko-KR" sz="844" dirty="0" smtClean="0">
-              <a:solidFill>
-                <a:srgbClr val="3B3838"/>
-              </a:solidFill>
-              <a:latin typeface="KoPubWorld돋움체 Medium" panose="00000600000000000000" pitchFamily="2" charset="-127"/>
-              <a:ea typeface="KoPubWorld돋움체 Medium" panose="00000600000000000000" pitchFamily="2" charset="-127"/>
-              <a:cs typeface="KoPubWorld돋움체 Medium" panose="00000600000000000000" pitchFamily="2" charset="-127"/>
-            </a:endParaRPr>
-          </a:p>
-          <a:p>
-            <a:pPr algn="ctr" defTabSz="514350" latinLnBrk="1"/>
-            <a:r>
-              <a:rPr lang="ko-KR" altLang="en-US" sz="844" dirty="0" smtClean="0">
-                <a:solidFill>
-                  <a:srgbClr val="3B3838"/>
-                </a:solidFill>
-                <a:latin typeface="KoPubWorld돋움체 Medium" panose="00000600000000000000" pitchFamily="2" charset="-127"/>
-                <a:ea typeface="KoPubWorld돋움체 Medium" panose="00000600000000000000" pitchFamily="2" charset="-127"/>
-                <a:cs typeface="KoPubWorld돋움체 Medium" panose="00000600000000000000" pitchFamily="2" charset="-127"/>
-              </a:rPr>
-              <a:t> 타일 추가</a:t>
-            </a:r>
-            <a:endParaRPr lang="ko-KR" altLang="en-US" sz="844" dirty="0">
-              <a:solidFill>
-                <a:srgbClr val="3B3838"/>
-              </a:solidFill>
-              <a:latin typeface="KoPubWorld돋움체 Medium" panose="00000600000000000000" pitchFamily="2" charset="-127"/>
-              <a:ea typeface="KoPubWorld돋움체 Medium" panose="00000600000000000000" pitchFamily="2" charset="-127"/>
-              <a:cs typeface="KoPubWorld돋움체 Medium" panose="00000600000000000000" pitchFamily="2" charset="-127"/>
-            </a:endParaRPr>
-          </a:p>
-        </p:txBody>
-      </p:sp>
-      <p:sp>
-        <p:nvSpPr>
-          <p:cNvPr id="243" name="직사각형 242">
-            <a:extLst>
-              <a:ext uri="{FF2B5EF4-FFF2-40B4-BE49-F238E27FC236}">
-                <a16:creationId xmlns:a16="http://schemas.microsoft.com/office/drawing/2014/main" id="{D2CBEEC9-597F-449B-9045-29169910E9BD}"/>
-              </a:ext>
-            </a:extLst>
-          </p:cNvPr>
-          <p:cNvSpPr/>
-          <p:nvPr/>
-        </p:nvSpPr>
-        <p:spPr>
-          <a:xfrm>
-            <a:off x="5830557" y="6323169"/>
-            <a:ext cx="939695" cy="340062"/>
-          </a:xfrm>
-          <a:prstGeom prst="rect">
-            <a:avLst/>
-          </a:prstGeom>
-          <a:solidFill>
-            <a:schemeClr val="accent3">
-              <a:lumMod val="40000"/>
-              <a:lumOff val="60000"/>
-            </a:schemeClr>
-          </a:solidFill>
-          <a:ln>
-            <a:solidFill>
-              <a:schemeClr val="accent3">
-                <a:lumMod val="40000"/>
-                <a:lumOff val="60000"/>
-              </a:schemeClr>
-            </a:solidFill>
-          </a:ln>
-        </p:spPr>
-        <p:style>
-          <a:lnRef idx="2">
-            <a:schemeClr val="accent1">
-              <a:shade val="50000"/>
-            </a:schemeClr>
-          </a:lnRef>
-          <a:fillRef idx="1">
-            <a:schemeClr val="accent1"/>
-          </a:fillRef>
-          <a:effectRef idx="0">
-            <a:schemeClr val="accent1"/>
-          </a:effectRef>
-          <a:fontRef idx="minor">
-            <a:schemeClr val="lt1"/>
-          </a:fontRef>
-        </p:style>
-        <p:txBody>
-          <a:bodyPr rtlCol="0" anchor="ctr"/>
-          <a:lstStyle/>
-          <a:p>
-            <a:pPr algn="ctr" defTabSz="514350" latinLnBrk="1"/>
-            <a:r>
-              <a:rPr lang="ko-KR" altLang="en-US" sz="844" dirty="0" smtClean="0">
-                <a:solidFill>
-                  <a:srgbClr val="3B3838"/>
-                </a:solidFill>
-                <a:latin typeface="KoPubWorld돋움체 Medium" panose="00000600000000000000" pitchFamily="2" charset="-127"/>
-                <a:ea typeface="KoPubWorld돋움체 Medium" panose="00000600000000000000" pitchFamily="2" charset="-127"/>
-                <a:cs typeface="KoPubWorld돋움체 Medium" panose="00000600000000000000" pitchFamily="2" charset="-127"/>
-              </a:rPr>
               <a:t>해당 위치에 있는 타일 삭제</a:t>
             </a:r>
-            <a:endParaRPr lang="ko-KR" altLang="en-US" sz="844" dirty="0">
-              <a:solidFill>
-                <a:srgbClr val="3B3838"/>
-              </a:solidFill>
-              <a:latin typeface="KoPubWorld돋움체 Medium" panose="00000600000000000000" pitchFamily="2" charset="-127"/>
-              <a:ea typeface="KoPubWorld돋움체 Medium" panose="00000600000000000000" pitchFamily="2" charset="-127"/>
-              <a:cs typeface="KoPubWorld돋움체 Medium" panose="00000600000000000000" pitchFamily="2" charset="-127"/>
-            </a:endParaRPr>
           </a:p>
         </p:txBody>
       </p:sp>
@@ -17091,7 +16820,7 @@
         </p:nvCxnSpPr>
         <p:spPr>
           <a:xfrm rot="10800000" flipV="1">
-            <a:off x="4371490" y="5884011"/>
+            <a:off x="4302040" y="5884011"/>
             <a:ext cx="179165" cy="439158"/>
           </a:xfrm>
           <a:prstGeom prst="bentConnector2">
@@ -17099,7 +16828,9 @@
           </a:prstGeom>
           <a:ln w="57150">
             <a:solidFill>
-              <a:schemeClr val="tx1"/>
+              <a:schemeClr val="bg1">
+                <a:lumMod val="95000"/>
+              </a:schemeClr>
             </a:solidFill>
             <a:tailEnd type="triangle"/>
           </a:ln>
@@ -17131,7 +16862,7 @@
         </p:nvCxnSpPr>
         <p:spPr>
           <a:xfrm>
-            <a:off x="6169485" y="5884011"/>
+            <a:off x="6100035" y="5884011"/>
             <a:ext cx="130920" cy="439158"/>
           </a:xfrm>
           <a:prstGeom prst="bentConnector2">
@@ -17139,7 +16870,9 @@
           </a:prstGeom>
           <a:ln w="57150">
             <a:solidFill>
-              <a:schemeClr val="tx1"/>
+              <a:schemeClr val="bg1">
+                <a:lumMod val="95000"/>
+              </a:schemeClr>
             </a:solidFill>
             <a:tailEnd type="triangle"/>
           </a:ln>
@@ -17173,24 +16906,18 @@
         </p:nvSpPr>
         <p:spPr>
           <a:xfrm>
-            <a:off x="5228444" y="7257695"/>
+            <a:off x="5158994" y="7257695"/>
             <a:ext cx="263250" cy="263250"/>
           </a:xfrm>
           <a:prstGeom prst="flowChartConnector">
             <a:avLst/>
           </a:prstGeom>
           <a:solidFill>
-            <a:schemeClr val="accent3">
-              <a:lumMod val="40000"/>
-              <a:lumOff val="60000"/>
-            </a:schemeClr>
+            <a:srgbClr val="A9D18E"/>
           </a:solidFill>
           <a:ln>
             <a:solidFill>
-              <a:schemeClr val="accent3">
-                <a:lumMod val="40000"/>
-                <a:lumOff val="60000"/>
-              </a:schemeClr>
+              <a:srgbClr val="A9D18E"/>
             </a:solidFill>
           </a:ln>
         </p:spPr>
@@ -17238,7 +16965,7 @@
         </p:nvCxnSpPr>
         <p:spPr>
           <a:xfrm rot="16200000" flipH="1">
-            <a:off x="4568547" y="6466173"/>
+            <a:off x="4499097" y="6466173"/>
             <a:ext cx="594464" cy="988580"/>
           </a:xfrm>
           <a:prstGeom prst="bentConnector3">
@@ -17248,7 +16975,9 @@
           </a:prstGeom>
           <a:ln w="57150">
             <a:solidFill>
-              <a:schemeClr val="tx1"/>
+              <a:schemeClr val="bg1">
+                <a:lumMod val="95000"/>
+              </a:schemeClr>
             </a:solidFill>
             <a:tailEnd type="triangle"/>
           </a:ln>
@@ -17280,7 +17009,7 @@
         </p:nvCxnSpPr>
         <p:spPr>
           <a:xfrm rot="5400000">
-            <a:off x="5533005" y="6490295"/>
+            <a:off x="5463555" y="6490295"/>
             <a:ext cx="594464" cy="940336"/>
           </a:xfrm>
           <a:prstGeom prst="bentConnector3">
@@ -17290,7 +17019,9 @@
           </a:prstGeom>
           <a:ln w="57150">
             <a:solidFill>
-              <a:schemeClr val="tx1"/>
+              <a:schemeClr val="bg1">
+                <a:lumMod val="95000"/>
+              </a:schemeClr>
             </a:solidFill>
             <a:tailEnd type="triangle"/>
           </a:ln>
@@ -17324,24 +17055,18 @@
         </p:nvSpPr>
         <p:spPr>
           <a:xfrm>
-            <a:off x="1967278" y="5489032"/>
+            <a:off x="1897828" y="5489032"/>
             <a:ext cx="263250" cy="263250"/>
           </a:xfrm>
           <a:prstGeom prst="flowChartConnector">
             <a:avLst/>
           </a:prstGeom>
           <a:solidFill>
-            <a:schemeClr val="accent3">
-              <a:lumMod val="40000"/>
-              <a:lumOff val="60000"/>
-            </a:schemeClr>
+            <a:srgbClr val="A9D18E"/>
           </a:solidFill>
           <a:ln>
             <a:solidFill>
-              <a:schemeClr val="accent3">
-                <a:lumMod val="40000"/>
-                <a:lumOff val="60000"/>
-              </a:schemeClr>
+              <a:srgbClr val="A9D18E"/>
             </a:solidFill>
           </a:ln>
         </p:spPr>
@@ -17391,24 +17116,18 @@
         </p:nvSpPr>
         <p:spPr>
           <a:xfrm>
-            <a:off x="3297375" y="1430939"/>
+            <a:off x="3227925" y="1430939"/>
             <a:ext cx="263250" cy="263250"/>
           </a:xfrm>
           <a:prstGeom prst="flowChartConnector">
             <a:avLst/>
           </a:prstGeom>
           <a:solidFill>
-            <a:schemeClr val="accent3">
-              <a:lumMod val="40000"/>
-              <a:lumOff val="60000"/>
-            </a:schemeClr>
+            <a:srgbClr val="A9D18E"/>
           </a:solidFill>
           <a:ln>
             <a:solidFill>
-              <a:schemeClr val="accent3">
-                <a:lumMod val="40000"/>
-                <a:lumOff val="60000"/>
-              </a:schemeClr>
+              <a:srgbClr val="A9D18E"/>
             </a:solidFill>
           </a:ln>
         </p:spPr>
@@ -17456,8 +17175,8 @@
         </p:nvCxnSpPr>
         <p:spPr>
           <a:xfrm rot="5400000">
-            <a:off x="1981463" y="4496142"/>
-            <a:ext cx="1110330" cy="875450"/>
+            <a:off x="1914456" y="4493699"/>
+            <a:ext cx="1110331" cy="880335"/>
           </a:xfrm>
           <a:prstGeom prst="bentConnector3">
             <a:avLst>
@@ -17466,7 +17185,9 @@
           </a:prstGeom>
           <a:ln w="57150">
             <a:solidFill>
-              <a:schemeClr val="tx1"/>
+              <a:schemeClr val="bg1">
+                <a:lumMod val="95000"/>
+              </a:schemeClr>
             </a:solidFill>
             <a:tailEnd type="triangle"/>
           </a:ln>
@@ -17498,8 +17219,8 @@
         </p:nvCxnSpPr>
         <p:spPr>
           <a:xfrm rot="16200000" flipH="1">
-            <a:off x="1080014" y="4470143"/>
-            <a:ext cx="1110322" cy="927455"/>
+            <a:off x="1010560" y="4470139"/>
+            <a:ext cx="1110330" cy="927455"/>
           </a:xfrm>
           <a:prstGeom prst="bentConnector3">
             <a:avLst>
@@ -17508,7 +17229,9 @@
           </a:prstGeom>
           <a:ln w="57150">
             <a:solidFill>
-              <a:schemeClr val="tx1"/>
+              <a:schemeClr val="bg1">
+                <a:lumMod val="95000"/>
+              </a:schemeClr>
             </a:solidFill>
             <a:tailEnd type="triangle"/>
           </a:ln>
@@ -17540,7 +17263,7 @@
         </p:nvCxnSpPr>
         <p:spPr>
           <a:xfrm>
-            <a:off x="3429000" y="1694189"/>
+            <a:off x="3359550" y="1694189"/>
             <a:ext cx="0" cy="353540"/>
           </a:xfrm>
           <a:prstGeom prst="straightConnector1">
@@ -17548,7 +17271,9 @@
           </a:prstGeom>
           <a:ln w="57150">
             <a:solidFill>
-              <a:schemeClr val="tx1"/>
+              <a:schemeClr val="bg1">
+                <a:lumMod val="95000"/>
+              </a:schemeClr>
             </a:solidFill>
             <a:tailEnd type="triangle"/>
           </a:ln>
@@ -17578,13 +17303,2394 @@
   <p:clrMapOvr>
     <a:masterClrMapping/>
   </p:clrMapOvr>
-  <p:timing>
-    <p:tnLst>
-      <p:par>
-        <p:cTn id="1" dur="indefinite" restart="never" nodeType="tmRoot"/>
-      </p:par>
-    </p:tnLst>
-  </p:timing>
+</p:sld>
+</file>
+
+<file path=ppt/slides/slide4.xml><?xml version="1.0" encoding="utf-8"?>
+<p:sld xmlns:a="http://schemas.openxmlformats.org/drawingml/2006/main" xmlns:r="http://schemas.openxmlformats.org/officeDocument/2006/relationships" xmlns:p="http://schemas.openxmlformats.org/presentationml/2006/main">
+  <p:cSld>
+    <p:bg>
+      <p:bgPr>
+        <a:solidFill>
+          <a:schemeClr val="bg1">
+            <a:alpha val="0"/>
+          </a:schemeClr>
+        </a:solidFill>
+        <a:effectLst/>
+      </p:bgPr>
+    </p:bg>
+    <p:spTree>
+      <p:nvGrpSpPr>
+        <p:cNvPr id="1" name=""/>
+        <p:cNvGrpSpPr/>
+        <p:nvPr/>
+      </p:nvGrpSpPr>
+      <p:grpSpPr>
+        <a:xfrm>
+          <a:off x="0" y="0"/>
+          <a:ext cx="0" cy="0"/>
+          <a:chOff x="0" y="0"/>
+          <a:chExt cx="0" cy="0"/>
+        </a:xfrm>
+      </p:grpSpPr>
+      <p:sp>
+        <p:nvSpPr>
+          <p:cNvPr id="5" name="다이아몬드 4"/>
+          <p:cNvSpPr/>
+          <p:nvPr/>
+        </p:nvSpPr>
+        <p:spPr>
+          <a:xfrm>
+            <a:off x="2573284" y="2047729"/>
+            <a:ext cx="1618831" cy="526708"/>
+          </a:xfrm>
+          <a:prstGeom prst="diamond">
+            <a:avLst/>
+          </a:prstGeom>
+          <a:solidFill>
+            <a:schemeClr val="accent3">
+              <a:lumMod val="40000"/>
+              <a:lumOff val="60000"/>
+            </a:schemeClr>
+          </a:solidFill>
+          <a:ln>
+            <a:solidFill>
+              <a:schemeClr val="accent3">
+                <a:lumMod val="40000"/>
+                <a:lumOff val="60000"/>
+              </a:schemeClr>
+            </a:solidFill>
+          </a:ln>
+        </p:spPr>
+        <p:style>
+          <a:lnRef idx="2">
+            <a:schemeClr val="accent1">
+              <a:shade val="50000"/>
+            </a:schemeClr>
+          </a:lnRef>
+          <a:fillRef idx="1">
+            <a:schemeClr val="accent1"/>
+          </a:fillRef>
+          <a:effectRef idx="0">
+            <a:schemeClr val="accent1"/>
+          </a:effectRef>
+          <a:fontRef idx="minor">
+            <a:schemeClr val="lt1"/>
+          </a:fontRef>
+        </p:style>
+        <p:txBody>
+          <a:bodyPr rtlCol="0" anchor="ctr"/>
+          <a:lstStyle/>
+          <a:p>
+            <a:pPr algn="ctr" defTabSz="514350" latinLnBrk="1"/>
+            <a:r>
+              <a:rPr lang="ko-KR" altLang="en-US" sz="844" dirty="0">
+                <a:solidFill>
+                  <a:srgbClr val="3B3838"/>
+                </a:solidFill>
+                <a:latin typeface="KoPubWorld돋움체 Medium" panose="00000600000000000000" pitchFamily="2" charset="-127"/>
+                <a:ea typeface="KoPubWorld돋움체 Medium" panose="00000600000000000000" pitchFamily="2" charset="-127"/>
+                <a:cs typeface="KoPubWorld돋움체 Medium" panose="00000600000000000000" pitchFamily="2" charset="-127"/>
+              </a:rPr>
+              <a:t>클릭 위치 확인</a:t>
+            </a:r>
+          </a:p>
+        </p:txBody>
+      </p:sp>
+      <p:cxnSp>
+        <p:nvCxnSpPr>
+          <p:cNvPr id="10" name="꺾인 연결선 9"/>
+          <p:cNvCxnSpPr>
+            <a:cxnSpLocks/>
+            <a:stCxn id="5" idx="2"/>
+            <a:endCxn id="116" idx="0"/>
+          </p:cNvCxnSpPr>
+          <p:nvPr/>
+        </p:nvCxnSpPr>
+        <p:spPr>
+          <a:xfrm rot="5400000">
+            <a:off x="1651187" y="1501476"/>
+            <a:ext cx="658552" cy="2804475"/>
+          </a:xfrm>
+          <a:prstGeom prst="bentConnector3">
+            <a:avLst>
+              <a:gd name="adj1" fmla="val 50000"/>
+            </a:avLst>
+          </a:prstGeom>
+          <a:ln w="57150">
+            <a:solidFill>
+              <a:schemeClr val="tx1"/>
+            </a:solidFill>
+            <a:tailEnd type="triangle"/>
+          </a:ln>
+        </p:spPr>
+        <p:style>
+          <a:lnRef idx="1">
+            <a:schemeClr val="accent1"/>
+          </a:lnRef>
+          <a:fillRef idx="0">
+            <a:schemeClr val="accent1"/>
+          </a:fillRef>
+          <a:effectRef idx="0">
+            <a:schemeClr val="accent1"/>
+          </a:effectRef>
+          <a:fontRef idx="minor">
+            <a:schemeClr val="tx1"/>
+          </a:fontRef>
+        </p:style>
+      </p:cxnSp>
+      <p:cxnSp>
+        <p:nvCxnSpPr>
+          <p:cNvPr id="59" name="직선 화살표 연결선 58"/>
+          <p:cNvCxnSpPr>
+            <a:cxnSpLocks/>
+            <a:stCxn id="84" idx="2"/>
+            <a:endCxn id="252" idx="0"/>
+          </p:cNvCxnSpPr>
+          <p:nvPr/>
+        </p:nvCxnSpPr>
+        <p:spPr>
+          <a:xfrm flipH="1">
+            <a:off x="3382700" y="972981"/>
+            <a:ext cx="3520" cy="457958"/>
+          </a:xfrm>
+          <a:prstGeom prst="straightConnector1">
+            <a:avLst/>
+          </a:prstGeom>
+          <a:ln w="57150">
+            <a:solidFill>
+              <a:schemeClr val="tx1"/>
+            </a:solidFill>
+            <a:tailEnd type="triangle"/>
+          </a:ln>
+        </p:spPr>
+        <p:style>
+          <a:lnRef idx="1">
+            <a:schemeClr val="accent1"/>
+          </a:lnRef>
+          <a:fillRef idx="0">
+            <a:schemeClr val="accent1"/>
+          </a:fillRef>
+          <a:effectRef idx="0">
+            <a:schemeClr val="accent1"/>
+          </a:effectRef>
+          <a:fontRef idx="minor">
+            <a:schemeClr val="tx1"/>
+          </a:fontRef>
+        </p:style>
+      </p:cxnSp>
+      <p:sp>
+        <p:nvSpPr>
+          <p:cNvPr id="84" name="순서도: 수행의 시작/종료 83">
+            <a:extLst>
+              <a:ext uri="{FF2B5EF4-FFF2-40B4-BE49-F238E27FC236}">
+                <a16:creationId xmlns:a16="http://schemas.microsoft.com/office/drawing/2014/main" id="{D20087A7-B456-4E62-8AB3-386DB3585211}"/>
+              </a:ext>
+            </a:extLst>
+          </p:cNvPr>
+          <p:cNvSpPr/>
+          <p:nvPr/>
+        </p:nvSpPr>
+        <p:spPr>
+          <a:xfrm>
+            <a:off x="2919982" y="689556"/>
+            <a:ext cx="932476" cy="283425"/>
+          </a:xfrm>
+          <a:prstGeom prst="flowChartTerminator">
+            <a:avLst/>
+          </a:prstGeom>
+          <a:solidFill>
+            <a:schemeClr val="accent3">
+              <a:lumMod val="40000"/>
+              <a:lumOff val="60000"/>
+            </a:schemeClr>
+          </a:solidFill>
+          <a:ln>
+            <a:solidFill>
+              <a:schemeClr val="accent3">
+                <a:lumMod val="40000"/>
+                <a:lumOff val="60000"/>
+              </a:schemeClr>
+            </a:solidFill>
+          </a:ln>
+        </p:spPr>
+        <p:style>
+          <a:lnRef idx="2">
+            <a:schemeClr val="accent1">
+              <a:shade val="50000"/>
+            </a:schemeClr>
+          </a:lnRef>
+          <a:fillRef idx="1">
+            <a:schemeClr val="accent1"/>
+          </a:fillRef>
+          <a:effectRef idx="0">
+            <a:schemeClr val="accent1"/>
+          </a:effectRef>
+          <a:fontRef idx="minor">
+            <a:schemeClr val="lt1"/>
+          </a:fontRef>
+        </p:style>
+        <p:txBody>
+          <a:bodyPr rtlCol="0" anchor="ctr"/>
+          <a:lstStyle/>
+          <a:p>
+            <a:pPr algn="ctr" defTabSz="514350" latinLnBrk="1"/>
+            <a:r>
+              <a:rPr lang="ko-KR" altLang="en-US" sz="844" dirty="0">
+                <a:solidFill>
+                  <a:srgbClr val="3B3838"/>
+                </a:solidFill>
+                <a:latin typeface="KoPubWorld돋움체 Medium" panose="00000600000000000000" pitchFamily="2" charset="-127"/>
+                <a:ea typeface="KoPubWorld돋움체 Medium" panose="00000600000000000000" pitchFamily="2" charset="-127"/>
+                <a:cs typeface="KoPubWorld돋움체 Medium" panose="00000600000000000000" pitchFamily="2" charset="-127"/>
+              </a:rPr>
+              <a:t>시작</a:t>
+            </a:r>
+          </a:p>
+        </p:txBody>
+      </p:sp>
+      <p:sp>
+        <p:nvSpPr>
+          <p:cNvPr id="116" name="직사각형 115">
+            <a:extLst>
+              <a:ext uri="{FF2B5EF4-FFF2-40B4-BE49-F238E27FC236}">
+                <a16:creationId xmlns:a16="http://schemas.microsoft.com/office/drawing/2014/main" id="{D2CBEEC9-597F-449B-9045-29169910E9BD}"/>
+              </a:ext>
+            </a:extLst>
+          </p:cNvPr>
+          <p:cNvSpPr/>
+          <p:nvPr/>
+        </p:nvSpPr>
+        <p:spPr>
+          <a:xfrm>
+            <a:off x="177558" y="3232989"/>
+            <a:ext cx="801334" cy="340062"/>
+          </a:xfrm>
+          <a:prstGeom prst="rect">
+            <a:avLst/>
+          </a:prstGeom>
+          <a:solidFill>
+            <a:schemeClr val="accent3">
+              <a:lumMod val="40000"/>
+              <a:lumOff val="60000"/>
+            </a:schemeClr>
+          </a:solidFill>
+          <a:ln>
+            <a:solidFill>
+              <a:schemeClr val="accent3">
+                <a:lumMod val="40000"/>
+                <a:lumOff val="60000"/>
+              </a:schemeClr>
+            </a:solidFill>
+          </a:ln>
+        </p:spPr>
+        <p:style>
+          <a:lnRef idx="2">
+            <a:schemeClr val="accent1">
+              <a:shade val="50000"/>
+            </a:schemeClr>
+          </a:lnRef>
+          <a:fillRef idx="1">
+            <a:schemeClr val="accent1"/>
+          </a:fillRef>
+          <a:effectRef idx="0">
+            <a:schemeClr val="accent1"/>
+          </a:effectRef>
+          <a:fontRef idx="minor">
+            <a:schemeClr val="lt1"/>
+          </a:fontRef>
+        </p:style>
+        <p:txBody>
+          <a:bodyPr rtlCol="0" anchor="ctr"/>
+          <a:lstStyle/>
+          <a:p>
+            <a:pPr algn="ctr" defTabSz="514350" latinLnBrk="1"/>
+            <a:r>
+              <a:rPr lang="ko-KR" altLang="en-US" sz="844" dirty="0">
+                <a:solidFill>
+                  <a:srgbClr val="3B3838"/>
+                </a:solidFill>
+                <a:latin typeface="KoPubWorld돋움체 Medium" panose="00000600000000000000" pitchFamily="2" charset="-127"/>
+                <a:ea typeface="KoPubWorld돋움체 Medium" panose="00000600000000000000" pitchFamily="2" charset="-127"/>
+                <a:cs typeface="KoPubWorld돋움체 Medium" panose="00000600000000000000" pitchFamily="2" charset="-127"/>
+              </a:rPr>
+              <a:t>타일</a:t>
+            </a:r>
+          </a:p>
+        </p:txBody>
+      </p:sp>
+      <p:sp>
+        <p:nvSpPr>
+          <p:cNvPr id="98" name="직사각형 97">
+            <a:extLst>
+              <a:ext uri="{FF2B5EF4-FFF2-40B4-BE49-F238E27FC236}">
+                <a16:creationId xmlns:a16="http://schemas.microsoft.com/office/drawing/2014/main" id="{D2CBEEC9-597F-449B-9045-29169910E9BD}"/>
+              </a:ext>
+            </a:extLst>
+          </p:cNvPr>
+          <p:cNvSpPr/>
+          <p:nvPr/>
+        </p:nvSpPr>
+        <p:spPr>
+          <a:xfrm>
+            <a:off x="2072739" y="3221526"/>
+            <a:ext cx="801334" cy="340062"/>
+          </a:xfrm>
+          <a:prstGeom prst="rect">
+            <a:avLst/>
+          </a:prstGeom>
+          <a:solidFill>
+            <a:schemeClr val="accent3">
+              <a:lumMod val="40000"/>
+              <a:lumOff val="60000"/>
+            </a:schemeClr>
+          </a:solidFill>
+          <a:ln>
+            <a:solidFill>
+              <a:schemeClr val="accent3">
+                <a:lumMod val="40000"/>
+                <a:lumOff val="60000"/>
+              </a:schemeClr>
+            </a:solidFill>
+          </a:ln>
+        </p:spPr>
+        <p:style>
+          <a:lnRef idx="2">
+            <a:schemeClr val="accent1">
+              <a:shade val="50000"/>
+            </a:schemeClr>
+          </a:lnRef>
+          <a:fillRef idx="1">
+            <a:schemeClr val="accent1"/>
+          </a:fillRef>
+          <a:effectRef idx="0">
+            <a:schemeClr val="accent1"/>
+          </a:effectRef>
+          <a:fontRef idx="minor">
+            <a:schemeClr val="lt1"/>
+          </a:fontRef>
+        </p:style>
+        <p:txBody>
+          <a:bodyPr rtlCol="0" anchor="ctr"/>
+          <a:lstStyle/>
+          <a:p>
+            <a:pPr algn="ctr" defTabSz="514350" latinLnBrk="1"/>
+            <a:r>
+              <a:rPr lang="ko-KR" altLang="en-US" sz="844" dirty="0">
+                <a:solidFill>
+                  <a:srgbClr val="3B3838"/>
+                </a:solidFill>
+                <a:latin typeface="KoPubWorld돋움체 Medium" panose="00000600000000000000" pitchFamily="2" charset="-127"/>
+                <a:ea typeface="KoPubWorld돋움체 Medium" panose="00000600000000000000" pitchFamily="2" charset="-127"/>
+                <a:cs typeface="KoPubWorld돋움체 Medium" panose="00000600000000000000" pitchFamily="2" charset="-127"/>
+              </a:rPr>
+              <a:t>파일 열기</a:t>
+            </a:r>
+          </a:p>
+        </p:txBody>
+      </p:sp>
+      <p:sp>
+        <p:nvSpPr>
+          <p:cNvPr id="99" name="직사각형 98">
+            <a:extLst>
+              <a:ext uri="{FF2B5EF4-FFF2-40B4-BE49-F238E27FC236}">
+                <a16:creationId xmlns:a16="http://schemas.microsoft.com/office/drawing/2014/main" id="{D2CBEEC9-597F-449B-9045-29169910E9BD}"/>
+              </a:ext>
+            </a:extLst>
+          </p:cNvPr>
+          <p:cNvSpPr/>
+          <p:nvPr/>
+        </p:nvSpPr>
+        <p:spPr>
+          <a:xfrm>
+            <a:off x="3014877" y="3221523"/>
+            <a:ext cx="801334" cy="340062"/>
+          </a:xfrm>
+          <a:prstGeom prst="rect">
+            <a:avLst/>
+          </a:prstGeom>
+          <a:solidFill>
+            <a:schemeClr val="accent3">
+              <a:lumMod val="40000"/>
+              <a:lumOff val="60000"/>
+            </a:schemeClr>
+          </a:solidFill>
+          <a:ln>
+            <a:solidFill>
+              <a:schemeClr val="accent3">
+                <a:lumMod val="40000"/>
+                <a:lumOff val="60000"/>
+              </a:schemeClr>
+            </a:solidFill>
+          </a:ln>
+        </p:spPr>
+        <p:style>
+          <a:lnRef idx="2">
+            <a:schemeClr val="accent1">
+              <a:shade val="50000"/>
+            </a:schemeClr>
+          </a:lnRef>
+          <a:fillRef idx="1">
+            <a:schemeClr val="accent1"/>
+          </a:fillRef>
+          <a:effectRef idx="0">
+            <a:schemeClr val="accent1"/>
+          </a:effectRef>
+          <a:fontRef idx="minor">
+            <a:schemeClr val="lt1"/>
+          </a:fontRef>
+        </p:style>
+        <p:txBody>
+          <a:bodyPr rtlCol="0" anchor="ctr"/>
+          <a:lstStyle/>
+          <a:p>
+            <a:pPr algn="ctr" defTabSz="514350" latinLnBrk="1"/>
+            <a:r>
+              <a:rPr lang="ko-KR" altLang="en-US" sz="844" dirty="0">
+                <a:solidFill>
+                  <a:srgbClr val="3B3838"/>
+                </a:solidFill>
+                <a:latin typeface="KoPubWorld돋움체 Medium" panose="00000600000000000000" pitchFamily="2" charset="-127"/>
+                <a:ea typeface="KoPubWorld돋움체 Medium" panose="00000600000000000000" pitchFamily="2" charset="-127"/>
+                <a:cs typeface="KoPubWorld돋움체 Medium" panose="00000600000000000000" pitchFamily="2" charset="-127"/>
+              </a:rPr>
+              <a:t>파일 저장</a:t>
+            </a:r>
+          </a:p>
+        </p:txBody>
+      </p:sp>
+      <p:sp>
+        <p:nvSpPr>
+          <p:cNvPr id="100" name="직사각형 99">
+            <a:extLst>
+              <a:ext uri="{FF2B5EF4-FFF2-40B4-BE49-F238E27FC236}">
+                <a16:creationId xmlns:a16="http://schemas.microsoft.com/office/drawing/2014/main" id="{D2CBEEC9-597F-449B-9045-29169910E9BD}"/>
+              </a:ext>
+            </a:extLst>
+          </p:cNvPr>
+          <p:cNvSpPr/>
+          <p:nvPr/>
+        </p:nvSpPr>
+        <p:spPr>
+          <a:xfrm>
+            <a:off x="3963491" y="3221523"/>
+            <a:ext cx="801334" cy="340062"/>
+          </a:xfrm>
+          <a:prstGeom prst="rect">
+            <a:avLst/>
+          </a:prstGeom>
+          <a:solidFill>
+            <a:schemeClr val="accent3">
+              <a:lumMod val="40000"/>
+              <a:lumOff val="60000"/>
+            </a:schemeClr>
+          </a:solidFill>
+          <a:ln>
+            <a:solidFill>
+              <a:schemeClr val="accent3">
+                <a:lumMod val="40000"/>
+                <a:lumOff val="60000"/>
+              </a:schemeClr>
+            </a:solidFill>
+          </a:ln>
+        </p:spPr>
+        <p:style>
+          <a:lnRef idx="2">
+            <a:schemeClr val="accent1">
+              <a:shade val="50000"/>
+            </a:schemeClr>
+          </a:lnRef>
+          <a:fillRef idx="1">
+            <a:schemeClr val="accent1"/>
+          </a:fillRef>
+          <a:effectRef idx="0">
+            <a:schemeClr val="accent1"/>
+          </a:effectRef>
+          <a:fontRef idx="minor">
+            <a:schemeClr val="lt1"/>
+          </a:fontRef>
+        </p:style>
+        <p:txBody>
+          <a:bodyPr rtlCol="0" anchor="ctr"/>
+          <a:lstStyle/>
+          <a:p>
+            <a:pPr algn="ctr" defTabSz="514350" latinLnBrk="1"/>
+            <a:r>
+              <a:rPr lang="ko-KR" altLang="en-US" sz="844" dirty="0">
+                <a:solidFill>
+                  <a:srgbClr val="3B3838"/>
+                </a:solidFill>
+                <a:latin typeface="KoPubWorld돋움체 Medium" panose="00000600000000000000" pitchFamily="2" charset="-127"/>
+                <a:ea typeface="KoPubWorld돋움체 Medium" panose="00000600000000000000" pitchFamily="2" charset="-127"/>
+                <a:cs typeface="KoPubWorld돋움체 Medium" panose="00000600000000000000" pitchFamily="2" charset="-127"/>
+              </a:rPr>
+              <a:t>초기화</a:t>
+            </a:r>
+          </a:p>
+        </p:txBody>
+      </p:sp>
+      <p:sp>
+        <p:nvSpPr>
+          <p:cNvPr id="101" name="직사각형 100">
+            <a:extLst>
+              <a:ext uri="{FF2B5EF4-FFF2-40B4-BE49-F238E27FC236}">
+                <a16:creationId xmlns:a16="http://schemas.microsoft.com/office/drawing/2014/main" id="{D2CBEEC9-597F-449B-9045-29169910E9BD}"/>
+              </a:ext>
+            </a:extLst>
+          </p:cNvPr>
+          <p:cNvSpPr/>
+          <p:nvPr/>
+        </p:nvSpPr>
+        <p:spPr>
+          <a:xfrm>
+            <a:off x="1125148" y="3232988"/>
+            <a:ext cx="801334" cy="340062"/>
+          </a:xfrm>
+          <a:prstGeom prst="rect">
+            <a:avLst/>
+          </a:prstGeom>
+          <a:solidFill>
+            <a:schemeClr val="accent3">
+              <a:lumMod val="40000"/>
+              <a:lumOff val="60000"/>
+            </a:schemeClr>
+          </a:solidFill>
+          <a:ln>
+            <a:solidFill>
+              <a:schemeClr val="accent3">
+                <a:lumMod val="40000"/>
+                <a:lumOff val="60000"/>
+              </a:schemeClr>
+            </a:solidFill>
+          </a:ln>
+        </p:spPr>
+        <p:style>
+          <a:lnRef idx="2">
+            <a:schemeClr val="accent1">
+              <a:shade val="50000"/>
+            </a:schemeClr>
+          </a:lnRef>
+          <a:fillRef idx="1">
+            <a:schemeClr val="accent1"/>
+          </a:fillRef>
+          <a:effectRef idx="0">
+            <a:schemeClr val="accent1"/>
+          </a:effectRef>
+          <a:fontRef idx="minor">
+            <a:schemeClr val="lt1"/>
+          </a:fontRef>
+        </p:style>
+        <p:txBody>
+          <a:bodyPr rtlCol="0" anchor="ctr"/>
+          <a:lstStyle/>
+          <a:p>
+            <a:pPr algn="ctr" defTabSz="514350" latinLnBrk="1"/>
+            <a:r>
+              <a:rPr lang="ko-KR" altLang="en-US" sz="844" dirty="0">
+                <a:solidFill>
+                  <a:srgbClr val="3B3838"/>
+                </a:solidFill>
+                <a:latin typeface="KoPubWorld돋움체 Medium" panose="00000600000000000000" pitchFamily="2" charset="-127"/>
+                <a:ea typeface="KoPubWorld돋움체 Medium" panose="00000600000000000000" pitchFamily="2" charset="-127"/>
+                <a:cs typeface="KoPubWorld돋움체 Medium" panose="00000600000000000000" pitchFamily="2" charset="-127"/>
+              </a:rPr>
+              <a:t>플레이어 위치</a:t>
+            </a:r>
+          </a:p>
+        </p:txBody>
+      </p:sp>
+      <p:cxnSp>
+        <p:nvCxnSpPr>
+          <p:cNvPr id="109" name="꺾인 연결선 108"/>
+          <p:cNvCxnSpPr>
+            <a:cxnSpLocks/>
+            <a:stCxn id="5" idx="2"/>
+            <a:endCxn id="100" idx="0"/>
+          </p:cNvCxnSpPr>
+          <p:nvPr/>
+        </p:nvCxnSpPr>
+        <p:spPr>
+          <a:xfrm rot="16200000" flipH="1">
+            <a:off x="3549886" y="2407251"/>
+            <a:ext cx="647086" cy="981458"/>
+          </a:xfrm>
+          <a:prstGeom prst="bentConnector3">
+            <a:avLst>
+              <a:gd name="adj1" fmla="val 50000"/>
+            </a:avLst>
+          </a:prstGeom>
+          <a:ln w="57150">
+            <a:solidFill>
+              <a:schemeClr val="tx1"/>
+            </a:solidFill>
+            <a:tailEnd type="triangle"/>
+          </a:ln>
+        </p:spPr>
+        <p:style>
+          <a:lnRef idx="1">
+            <a:schemeClr val="accent1"/>
+          </a:lnRef>
+          <a:fillRef idx="0">
+            <a:schemeClr val="accent1"/>
+          </a:fillRef>
+          <a:effectRef idx="0">
+            <a:schemeClr val="accent1"/>
+          </a:effectRef>
+          <a:fontRef idx="minor">
+            <a:schemeClr val="tx1"/>
+          </a:fontRef>
+        </p:style>
+      </p:cxnSp>
+      <p:cxnSp>
+        <p:nvCxnSpPr>
+          <p:cNvPr id="114" name="꺾인 연결선 113"/>
+          <p:cNvCxnSpPr>
+            <a:cxnSpLocks/>
+            <a:stCxn id="5" idx="2"/>
+            <a:endCxn id="99" idx="0"/>
+          </p:cNvCxnSpPr>
+          <p:nvPr/>
+        </p:nvCxnSpPr>
+        <p:spPr>
+          <a:xfrm rot="16200000" flipH="1">
+            <a:off x="3075579" y="2881558"/>
+            <a:ext cx="647086" cy="32844"/>
+          </a:xfrm>
+          <a:prstGeom prst="bentConnector3">
+            <a:avLst>
+              <a:gd name="adj1" fmla="val 50000"/>
+            </a:avLst>
+          </a:prstGeom>
+          <a:ln w="57150">
+            <a:solidFill>
+              <a:schemeClr val="tx1"/>
+            </a:solidFill>
+            <a:tailEnd type="triangle"/>
+          </a:ln>
+        </p:spPr>
+        <p:style>
+          <a:lnRef idx="1">
+            <a:schemeClr val="accent1"/>
+          </a:lnRef>
+          <a:fillRef idx="0">
+            <a:schemeClr val="accent1"/>
+          </a:fillRef>
+          <a:effectRef idx="0">
+            <a:schemeClr val="accent1"/>
+          </a:effectRef>
+          <a:fontRef idx="minor">
+            <a:schemeClr val="tx1"/>
+          </a:fontRef>
+        </p:style>
+      </p:cxnSp>
+      <p:cxnSp>
+        <p:nvCxnSpPr>
+          <p:cNvPr id="117" name="꺾인 연결선 116"/>
+          <p:cNvCxnSpPr>
+            <a:cxnSpLocks/>
+            <a:stCxn id="5" idx="2"/>
+            <a:endCxn id="101" idx="0"/>
+          </p:cNvCxnSpPr>
+          <p:nvPr/>
+        </p:nvCxnSpPr>
+        <p:spPr>
+          <a:xfrm rot="5400000">
+            <a:off x="2124983" y="1975270"/>
+            <a:ext cx="658551" cy="1856885"/>
+          </a:xfrm>
+          <a:prstGeom prst="bentConnector3">
+            <a:avLst>
+              <a:gd name="adj1" fmla="val 50000"/>
+            </a:avLst>
+          </a:prstGeom>
+          <a:ln w="57150">
+            <a:solidFill>
+              <a:schemeClr val="tx1"/>
+            </a:solidFill>
+            <a:tailEnd type="triangle"/>
+          </a:ln>
+        </p:spPr>
+        <p:style>
+          <a:lnRef idx="1">
+            <a:schemeClr val="accent1"/>
+          </a:lnRef>
+          <a:fillRef idx="0">
+            <a:schemeClr val="accent1"/>
+          </a:fillRef>
+          <a:effectRef idx="0">
+            <a:schemeClr val="accent1"/>
+          </a:effectRef>
+          <a:fontRef idx="minor">
+            <a:schemeClr val="tx1"/>
+          </a:fontRef>
+        </p:style>
+      </p:cxnSp>
+      <p:sp>
+        <p:nvSpPr>
+          <p:cNvPr id="129" name="직사각형 128">
+            <a:extLst>
+              <a:ext uri="{FF2B5EF4-FFF2-40B4-BE49-F238E27FC236}">
+                <a16:creationId xmlns:a16="http://schemas.microsoft.com/office/drawing/2014/main" id="{D2CBEEC9-597F-449B-9045-29169910E9BD}"/>
+              </a:ext>
+            </a:extLst>
+          </p:cNvPr>
+          <p:cNvSpPr/>
+          <p:nvPr/>
+        </p:nvSpPr>
+        <p:spPr>
+          <a:xfrm>
+            <a:off x="724481" y="4038648"/>
+            <a:ext cx="801334" cy="340062"/>
+          </a:xfrm>
+          <a:prstGeom prst="rect">
+            <a:avLst/>
+          </a:prstGeom>
+          <a:solidFill>
+            <a:schemeClr val="accent3">
+              <a:lumMod val="40000"/>
+              <a:lumOff val="60000"/>
+            </a:schemeClr>
+          </a:solidFill>
+          <a:ln>
+            <a:solidFill>
+              <a:schemeClr val="accent3">
+                <a:lumMod val="40000"/>
+                <a:lumOff val="60000"/>
+              </a:schemeClr>
+            </a:solidFill>
+          </a:ln>
+        </p:spPr>
+        <p:style>
+          <a:lnRef idx="2">
+            <a:schemeClr val="accent1">
+              <a:shade val="50000"/>
+            </a:schemeClr>
+          </a:lnRef>
+          <a:fillRef idx="1">
+            <a:schemeClr val="accent1"/>
+          </a:fillRef>
+          <a:effectRef idx="0">
+            <a:schemeClr val="accent1"/>
+          </a:effectRef>
+          <a:fontRef idx="minor">
+            <a:schemeClr val="lt1"/>
+          </a:fontRef>
+        </p:style>
+        <p:txBody>
+          <a:bodyPr rtlCol="0" anchor="ctr"/>
+          <a:lstStyle/>
+          <a:p>
+            <a:pPr algn="ctr" defTabSz="514350" latinLnBrk="1"/>
+            <a:r>
+              <a:rPr lang="ko-KR" altLang="en-US" sz="844" dirty="0">
+                <a:solidFill>
+                  <a:srgbClr val="3B3838"/>
+                </a:solidFill>
+                <a:latin typeface="KoPubWorld돋움체 Medium" panose="00000600000000000000" pitchFamily="2" charset="-127"/>
+                <a:ea typeface="KoPubWorld돋움체 Medium" panose="00000600000000000000" pitchFamily="2" charset="-127"/>
+                <a:cs typeface="KoPubWorld돋움체 Medium" panose="00000600000000000000" pitchFamily="2" charset="-127"/>
+              </a:rPr>
+              <a:t>해당 타입 </a:t>
+            </a:r>
+            <a:endParaRPr lang="en-US" altLang="ko-KR" sz="844" dirty="0">
+              <a:solidFill>
+                <a:srgbClr val="3B3838"/>
+              </a:solidFill>
+              <a:latin typeface="KoPubWorld돋움체 Medium" panose="00000600000000000000" pitchFamily="2" charset="-127"/>
+              <a:ea typeface="KoPubWorld돋움체 Medium" panose="00000600000000000000" pitchFamily="2" charset="-127"/>
+              <a:cs typeface="KoPubWorld돋움체 Medium" panose="00000600000000000000" pitchFamily="2" charset="-127"/>
+            </a:endParaRPr>
+          </a:p>
+          <a:p>
+            <a:pPr algn="ctr" defTabSz="514350" latinLnBrk="1"/>
+            <a:r>
+              <a:rPr lang="ko-KR" altLang="en-US" sz="844" dirty="0">
+                <a:solidFill>
+                  <a:srgbClr val="3B3838"/>
+                </a:solidFill>
+                <a:latin typeface="KoPubWorld돋움체 Medium" panose="00000600000000000000" pitchFamily="2" charset="-127"/>
+                <a:ea typeface="KoPubWorld돋움체 Medium" panose="00000600000000000000" pitchFamily="2" charset="-127"/>
+                <a:cs typeface="KoPubWorld돋움체 Medium" panose="00000600000000000000" pitchFamily="2" charset="-127"/>
+              </a:rPr>
+              <a:t>설정</a:t>
+            </a:r>
+          </a:p>
+        </p:txBody>
+      </p:sp>
+      <p:cxnSp>
+        <p:nvCxnSpPr>
+          <p:cNvPr id="130" name="꺾인 연결선 129"/>
+          <p:cNvCxnSpPr>
+            <a:cxnSpLocks/>
+            <a:stCxn id="116" idx="2"/>
+            <a:endCxn id="129" idx="0"/>
+          </p:cNvCxnSpPr>
+          <p:nvPr/>
+        </p:nvCxnSpPr>
+        <p:spPr>
+          <a:xfrm rot="16200000" flipH="1">
+            <a:off x="618888" y="3532387"/>
+            <a:ext cx="465597" cy="546923"/>
+          </a:xfrm>
+          <a:prstGeom prst="bentConnector3">
+            <a:avLst>
+              <a:gd name="adj1" fmla="val 50000"/>
+            </a:avLst>
+          </a:prstGeom>
+          <a:ln w="57150">
+            <a:solidFill>
+              <a:schemeClr val="tx1"/>
+            </a:solidFill>
+            <a:tailEnd type="triangle"/>
+          </a:ln>
+        </p:spPr>
+        <p:style>
+          <a:lnRef idx="1">
+            <a:schemeClr val="accent1"/>
+          </a:lnRef>
+          <a:fillRef idx="0">
+            <a:schemeClr val="accent1"/>
+          </a:fillRef>
+          <a:effectRef idx="0">
+            <a:schemeClr val="accent1"/>
+          </a:effectRef>
+          <a:fontRef idx="minor">
+            <a:schemeClr val="tx1"/>
+          </a:fontRef>
+        </p:style>
+      </p:cxnSp>
+      <p:cxnSp>
+        <p:nvCxnSpPr>
+          <p:cNvPr id="134" name="꺾인 연결선 133"/>
+          <p:cNvCxnSpPr>
+            <a:cxnSpLocks/>
+            <a:stCxn id="101" idx="2"/>
+            <a:endCxn id="129" idx="0"/>
+          </p:cNvCxnSpPr>
+          <p:nvPr/>
+        </p:nvCxnSpPr>
+        <p:spPr>
+          <a:xfrm rot="5400000">
+            <a:off x="1092683" y="3605516"/>
+            <a:ext cx="465598" cy="400667"/>
+          </a:xfrm>
+          <a:prstGeom prst="bentConnector3">
+            <a:avLst>
+              <a:gd name="adj1" fmla="val 50000"/>
+            </a:avLst>
+          </a:prstGeom>
+          <a:ln w="57150">
+            <a:solidFill>
+              <a:schemeClr val="tx1"/>
+            </a:solidFill>
+            <a:tailEnd type="triangle"/>
+          </a:ln>
+        </p:spPr>
+        <p:style>
+          <a:lnRef idx="1">
+            <a:schemeClr val="accent1"/>
+          </a:lnRef>
+          <a:fillRef idx="0">
+            <a:schemeClr val="accent1"/>
+          </a:fillRef>
+          <a:effectRef idx="0">
+            <a:schemeClr val="accent1"/>
+          </a:effectRef>
+          <a:fontRef idx="minor">
+            <a:schemeClr val="tx1"/>
+          </a:fontRef>
+        </p:style>
+      </p:cxnSp>
+      <p:sp>
+        <p:nvSpPr>
+          <p:cNvPr id="151" name="직사각형 150">
+            <a:extLst>
+              <a:ext uri="{FF2B5EF4-FFF2-40B4-BE49-F238E27FC236}">
+                <a16:creationId xmlns:a16="http://schemas.microsoft.com/office/drawing/2014/main" id="{D2CBEEC9-597F-449B-9045-29169910E9BD}"/>
+              </a:ext>
+            </a:extLst>
+          </p:cNvPr>
+          <p:cNvSpPr/>
+          <p:nvPr/>
+        </p:nvSpPr>
+        <p:spPr>
+          <a:xfrm>
+            <a:off x="4913103" y="3221523"/>
+            <a:ext cx="801334" cy="340062"/>
+          </a:xfrm>
+          <a:prstGeom prst="rect">
+            <a:avLst/>
+          </a:prstGeom>
+          <a:solidFill>
+            <a:schemeClr val="accent3">
+              <a:lumMod val="40000"/>
+              <a:lumOff val="60000"/>
+            </a:schemeClr>
+          </a:solidFill>
+          <a:ln>
+            <a:solidFill>
+              <a:schemeClr val="accent3">
+                <a:lumMod val="40000"/>
+                <a:lumOff val="60000"/>
+              </a:schemeClr>
+            </a:solidFill>
+          </a:ln>
+        </p:spPr>
+        <p:style>
+          <a:lnRef idx="2">
+            <a:schemeClr val="accent1">
+              <a:shade val="50000"/>
+            </a:schemeClr>
+          </a:lnRef>
+          <a:fillRef idx="1">
+            <a:schemeClr val="accent1"/>
+          </a:fillRef>
+          <a:effectRef idx="0">
+            <a:schemeClr val="accent1"/>
+          </a:effectRef>
+          <a:fontRef idx="minor">
+            <a:schemeClr val="lt1"/>
+          </a:fontRef>
+        </p:style>
+        <p:txBody>
+          <a:bodyPr rtlCol="0" anchor="ctr"/>
+          <a:lstStyle/>
+          <a:p>
+            <a:pPr algn="ctr" defTabSz="514350" latinLnBrk="1"/>
+            <a:r>
+              <a:rPr lang="ko-KR" altLang="en-US" sz="844" dirty="0">
+                <a:solidFill>
+                  <a:srgbClr val="3B3838"/>
+                </a:solidFill>
+                <a:latin typeface="KoPubWorld돋움체 Medium" panose="00000600000000000000" pitchFamily="2" charset="-127"/>
+                <a:ea typeface="KoPubWorld돋움체 Medium" panose="00000600000000000000" pitchFamily="2" charset="-127"/>
+                <a:cs typeface="KoPubWorld돋움체 Medium" panose="00000600000000000000" pitchFamily="2" charset="-127"/>
+              </a:rPr>
+              <a:t>맵 영역</a:t>
+            </a:r>
+          </a:p>
+        </p:txBody>
+      </p:sp>
+      <p:cxnSp>
+        <p:nvCxnSpPr>
+          <p:cNvPr id="152" name="꺾인 연결선 151"/>
+          <p:cNvCxnSpPr>
+            <a:cxnSpLocks/>
+            <a:stCxn id="5" idx="2"/>
+            <a:endCxn id="151" idx="0"/>
+          </p:cNvCxnSpPr>
+          <p:nvPr/>
+        </p:nvCxnSpPr>
+        <p:spPr>
+          <a:xfrm rot="16200000" flipH="1">
+            <a:off x="4024692" y="1932445"/>
+            <a:ext cx="647086" cy="1931070"/>
+          </a:xfrm>
+          <a:prstGeom prst="bentConnector3">
+            <a:avLst>
+              <a:gd name="adj1" fmla="val 50000"/>
+            </a:avLst>
+          </a:prstGeom>
+          <a:ln w="57150">
+            <a:solidFill>
+              <a:schemeClr val="tx1"/>
+            </a:solidFill>
+            <a:tailEnd type="triangle"/>
+          </a:ln>
+        </p:spPr>
+        <p:style>
+          <a:lnRef idx="1">
+            <a:schemeClr val="accent1"/>
+          </a:lnRef>
+          <a:fillRef idx="0">
+            <a:schemeClr val="accent1"/>
+          </a:fillRef>
+          <a:effectRef idx="0">
+            <a:schemeClr val="accent1"/>
+          </a:effectRef>
+          <a:fontRef idx="minor">
+            <a:schemeClr val="tx1"/>
+          </a:fontRef>
+        </p:style>
+      </p:cxnSp>
+      <p:cxnSp>
+        <p:nvCxnSpPr>
+          <p:cNvPr id="153" name="꺾인 연결선 152"/>
+          <p:cNvCxnSpPr>
+            <a:cxnSpLocks/>
+            <a:stCxn id="5" idx="2"/>
+            <a:endCxn id="98" idx="0"/>
+          </p:cNvCxnSpPr>
+          <p:nvPr/>
+        </p:nvCxnSpPr>
+        <p:spPr>
+          <a:xfrm rot="5400000">
+            <a:off x="2604509" y="2443334"/>
+            <a:ext cx="647089" cy="909294"/>
+          </a:xfrm>
+          <a:prstGeom prst="bentConnector3">
+            <a:avLst>
+              <a:gd name="adj1" fmla="val 50000"/>
+            </a:avLst>
+          </a:prstGeom>
+          <a:ln w="57150">
+            <a:solidFill>
+              <a:schemeClr val="tx1"/>
+            </a:solidFill>
+            <a:tailEnd type="triangle"/>
+          </a:ln>
+        </p:spPr>
+        <p:style>
+          <a:lnRef idx="1">
+            <a:schemeClr val="accent1"/>
+          </a:lnRef>
+          <a:fillRef idx="0">
+            <a:schemeClr val="accent1"/>
+          </a:fillRef>
+          <a:effectRef idx="0">
+            <a:schemeClr val="accent1"/>
+          </a:effectRef>
+          <a:fontRef idx="minor">
+            <a:schemeClr val="tx1"/>
+          </a:fontRef>
+        </p:style>
+      </p:cxnSp>
+      <p:sp>
+        <p:nvSpPr>
+          <p:cNvPr id="162" name="직사각형 161">
+            <a:extLst>
+              <a:ext uri="{FF2B5EF4-FFF2-40B4-BE49-F238E27FC236}">
+                <a16:creationId xmlns:a16="http://schemas.microsoft.com/office/drawing/2014/main" id="{D2CBEEC9-597F-449B-9045-29169910E9BD}"/>
+              </a:ext>
+            </a:extLst>
+          </p:cNvPr>
+          <p:cNvSpPr/>
+          <p:nvPr/>
+        </p:nvSpPr>
+        <p:spPr>
+          <a:xfrm>
+            <a:off x="2527386" y="4038640"/>
+            <a:ext cx="801334" cy="340062"/>
+          </a:xfrm>
+          <a:prstGeom prst="rect">
+            <a:avLst/>
+          </a:prstGeom>
+          <a:solidFill>
+            <a:schemeClr val="accent3">
+              <a:lumMod val="40000"/>
+              <a:lumOff val="60000"/>
+            </a:schemeClr>
+          </a:solidFill>
+          <a:ln>
+            <a:solidFill>
+              <a:schemeClr val="accent3">
+                <a:lumMod val="40000"/>
+                <a:lumOff val="60000"/>
+              </a:schemeClr>
+            </a:solidFill>
+          </a:ln>
+        </p:spPr>
+        <p:style>
+          <a:lnRef idx="2">
+            <a:schemeClr val="accent1">
+              <a:shade val="50000"/>
+            </a:schemeClr>
+          </a:lnRef>
+          <a:fillRef idx="1">
+            <a:schemeClr val="accent1"/>
+          </a:fillRef>
+          <a:effectRef idx="0">
+            <a:schemeClr val="accent1"/>
+          </a:effectRef>
+          <a:fontRef idx="minor">
+            <a:schemeClr val="lt1"/>
+          </a:fontRef>
+        </p:style>
+        <p:txBody>
+          <a:bodyPr rtlCol="0" anchor="ctr"/>
+          <a:lstStyle/>
+          <a:p>
+            <a:pPr algn="ctr" defTabSz="514350" latinLnBrk="1"/>
+            <a:r>
+              <a:rPr lang="ko-KR" altLang="en-US" sz="844" dirty="0">
+                <a:solidFill>
+                  <a:srgbClr val="3B3838"/>
+                </a:solidFill>
+                <a:latin typeface="KoPubWorld돋움체 Medium" panose="00000600000000000000" pitchFamily="2" charset="-127"/>
+                <a:ea typeface="KoPubWorld돋움체 Medium" panose="00000600000000000000" pitchFamily="2" charset="-127"/>
+                <a:cs typeface="KoPubWorld돋움체 Medium" panose="00000600000000000000" pitchFamily="2" charset="-127"/>
+              </a:rPr>
+              <a:t>다이어그램 </a:t>
+            </a:r>
+            <a:endParaRPr lang="en-US" altLang="ko-KR" sz="844" dirty="0">
+              <a:solidFill>
+                <a:srgbClr val="3B3838"/>
+              </a:solidFill>
+              <a:latin typeface="KoPubWorld돋움체 Medium" panose="00000600000000000000" pitchFamily="2" charset="-127"/>
+              <a:ea typeface="KoPubWorld돋움체 Medium" panose="00000600000000000000" pitchFamily="2" charset="-127"/>
+              <a:cs typeface="KoPubWorld돋움체 Medium" panose="00000600000000000000" pitchFamily="2" charset="-127"/>
+            </a:endParaRPr>
+          </a:p>
+          <a:p>
+            <a:pPr algn="ctr" defTabSz="514350" latinLnBrk="1"/>
+            <a:r>
+              <a:rPr lang="ko-KR" altLang="en-US" sz="844" dirty="0">
+                <a:solidFill>
+                  <a:srgbClr val="3B3838"/>
+                </a:solidFill>
+                <a:latin typeface="KoPubWorld돋움체 Medium" panose="00000600000000000000" pitchFamily="2" charset="-127"/>
+                <a:ea typeface="KoPubWorld돋움체 Medium" panose="00000600000000000000" pitchFamily="2" charset="-127"/>
+                <a:cs typeface="KoPubWorld돋움체 Medium" panose="00000600000000000000" pitchFamily="2" charset="-127"/>
+              </a:rPr>
+              <a:t>출력</a:t>
+            </a:r>
+          </a:p>
+        </p:txBody>
+      </p:sp>
+      <p:cxnSp>
+        <p:nvCxnSpPr>
+          <p:cNvPr id="163" name="꺾인 연결선 162"/>
+          <p:cNvCxnSpPr>
+            <a:cxnSpLocks/>
+            <a:stCxn id="98" idx="2"/>
+            <a:endCxn id="162" idx="0"/>
+          </p:cNvCxnSpPr>
+          <p:nvPr/>
+        </p:nvCxnSpPr>
+        <p:spPr>
+          <a:xfrm rot="16200000" flipH="1">
+            <a:off x="2462203" y="3572790"/>
+            <a:ext cx="477052" cy="454647"/>
+          </a:xfrm>
+          <a:prstGeom prst="bentConnector3">
+            <a:avLst>
+              <a:gd name="adj1" fmla="val 50000"/>
+            </a:avLst>
+          </a:prstGeom>
+          <a:ln w="57150">
+            <a:solidFill>
+              <a:schemeClr val="tx1"/>
+            </a:solidFill>
+            <a:tailEnd type="triangle"/>
+          </a:ln>
+        </p:spPr>
+        <p:style>
+          <a:lnRef idx="1">
+            <a:schemeClr val="accent1"/>
+          </a:lnRef>
+          <a:fillRef idx="0">
+            <a:schemeClr val="accent1"/>
+          </a:fillRef>
+          <a:effectRef idx="0">
+            <a:schemeClr val="accent1"/>
+          </a:effectRef>
+          <a:fontRef idx="minor">
+            <a:schemeClr val="tx1"/>
+          </a:fontRef>
+        </p:style>
+      </p:cxnSp>
+      <p:cxnSp>
+        <p:nvCxnSpPr>
+          <p:cNvPr id="166" name="꺾인 연결선 165"/>
+          <p:cNvCxnSpPr>
+            <a:cxnSpLocks/>
+            <a:stCxn id="99" idx="2"/>
+            <a:endCxn id="162" idx="0"/>
+          </p:cNvCxnSpPr>
+          <p:nvPr/>
+        </p:nvCxnSpPr>
+        <p:spPr>
+          <a:xfrm rot="5400000">
+            <a:off x="2933272" y="3556367"/>
+            <a:ext cx="477055" cy="487491"/>
+          </a:xfrm>
+          <a:prstGeom prst="bentConnector3">
+            <a:avLst>
+              <a:gd name="adj1" fmla="val 50000"/>
+            </a:avLst>
+          </a:prstGeom>
+          <a:ln w="57150">
+            <a:solidFill>
+              <a:schemeClr val="tx1"/>
+            </a:solidFill>
+            <a:tailEnd type="triangle"/>
+          </a:ln>
+        </p:spPr>
+        <p:style>
+          <a:lnRef idx="1">
+            <a:schemeClr val="accent1"/>
+          </a:lnRef>
+          <a:fillRef idx="0">
+            <a:schemeClr val="accent1"/>
+          </a:fillRef>
+          <a:effectRef idx="0">
+            <a:schemeClr val="accent1"/>
+          </a:effectRef>
+          <a:fontRef idx="minor">
+            <a:schemeClr val="tx1"/>
+          </a:fontRef>
+        </p:style>
+      </p:cxnSp>
+      <p:sp>
+        <p:nvSpPr>
+          <p:cNvPr id="171" name="직사각형 170">
+            <a:extLst>
+              <a:ext uri="{FF2B5EF4-FFF2-40B4-BE49-F238E27FC236}">
+                <a16:creationId xmlns:a16="http://schemas.microsoft.com/office/drawing/2014/main" id="{D2CBEEC9-597F-449B-9045-29169910E9BD}"/>
+              </a:ext>
+            </a:extLst>
+          </p:cNvPr>
+          <p:cNvSpPr/>
+          <p:nvPr/>
+        </p:nvSpPr>
+        <p:spPr>
+          <a:xfrm>
+            <a:off x="3967920" y="4038640"/>
+            <a:ext cx="801334" cy="340062"/>
+          </a:xfrm>
+          <a:prstGeom prst="rect">
+            <a:avLst/>
+          </a:prstGeom>
+          <a:solidFill>
+            <a:schemeClr val="accent3">
+              <a:lumMod val="40000"/>
+              <a:lumOff val="60000"/>
+            </a:schemeClr>
+          </a:solidFill>
+          <a:ln>
+            <a:solidFill>
+              <a:schemeClr val="accent3">
+                <a:lumMod val="40000"/>
+                <a:lumOff val="60000"/>
+              </a:schemeClr>
+            </a:solidFill>
+          </a:ln>
+        </p:spPr>
+        <p:style>
+          <a:lnRef idx="2">
+            <a:schemeClr val="accent1">
+              <a:shade val="50000"/>
+            </a:schemeClr>
+          </a:lnRef>
+          <a:fillRef idx="1">
+            <a:schemeClr val="accent1"/>
+          </a:fillRef>
+          <a:effectRef idx="0">
+            <a:schemeClr val="accent1"/>
+          </a:effectRef>
+          <a:fontRef idx="minor">
+            <a:schemeClr val="lt1"/>
+          </a:fontRef>
+        </p:style>
+        <p:txBody>
+          <a:bodyPr rtlCol="0" anchor="ctr"/>
+          <a:lstStyle/>
+          <a:p>
+            <a:pPr algn="ctr" defTabSz="514350" latinLnBrk="1"/>
+            <a:r>
+              <a:rPr lang="ko-KR" altLang="en-US" sz="844" dirty="0">
+                <a:solidFill>
+                  <a:srgbClr val="3B3838"/>
+                </a:solidFill>
+                <a:latin typeface="KoPubWorld돋움체 Medium" panose="00000600000000000000" pitchFamily="2" charset="-127"/>
+                <a:ea typeface="KoPubWorld돋움체 Medium" panose="00000600000000000000" pitchFamily="2" charset="-127"/>
+                <a:cs typeface="KoPubWorld돋움체 Medium" panose="00000600000000000000" pitchFamily="2" charset="-127"/>
+              </a:rPr>
+              <a:t>맵 영역의 </a:t>
+            </a:r>
+            <a:endParaRPr lang="en-US" altLang="ko-KR" sz="844" dirty="0">
+              <a:solidFill>
+                <a:srgbClr val="3B3838"/>
+              </a:solidFill>
+              <a:latin typeface="KoPubWorld돋움체 Medium" panose="00000600000000000000" pitchFamily="2" charset="-127"/>
+              <a:ea typeface="KoPubWorld돋움체 Medium" panose="00000600000000000000" pitchFamily="2" charset="-127"/>
+              <a:cs typeface="KoPubWorld돋움체 Medium" panose="00000600000000000000" pitchFamily="2" charset="-127"/>
+            </a:endParaRPr>
+          </a:p>
+          <a:p>
+            <a:pPr algn="ctr" defTabSz="514350" latinLnBrk="1"/>
+            <a:r>
+              <a:rPr lang="ko-KR" altLang="en-US" sz="844" dirty="0">
+                <a:solidFill>
+                  <a:srgbClr val="3B3838"/>
+                </a:solidFill>
+                <a:latin typeface="KoPubWorld돋움체 Medium" panose="00000600000000000000" pitchFamily="2" charset="-127"/>
+                <a:ea typeface="KoPubWorld돋움체 Medium" panose="00000600000000000000" pitchFamily="2" charset="-127"/>
+                <a:cs typeface="KoPubWorld돋움체 Medium" panose="00000600000000000000" pitchFamily="2" charset="-127"/>
+              </a:rPr>
+              <a:t>데이터 삭제</a:t>
+            </a:r>
+          </a:p>
+        </p:txBody>
+      </p:sp>
+      <p:cxnSp>
+        <p:nvCxnSpPr>
+          <p:cNvPr id="173" name="직선 화살표 연결선 172"/>
+          <p:cNvCxnSpPr>
+            <a:cxnSpLocks/>
+            <a:stCxn id="100" idx="2"/>
+            <a:endCxn id="171" idx="0"/>
+          </p:cNvCxnSpPr>
+          <p:nvPr/>
+        </p:nvCxnSpPr>
+        <p:spPr>
+          <a:xfrm>
+            <a:off x="4364158" y="3561585"/>
+            <a:ext cx="4429" cy="477055"/>
+          </a:xfrm>
+          <a:prstGeom prst="straightConnector1">
+            <a:avLst/>
+          </a:prstGeom>
+          <a:ln w="57150">
+            <a:solidFill>
+              <a:schemeClr val="tx1"/>
+            </a:solidFill>
+            <a:tailEnd type="triangle"/>
+          </a:ln>
+        </p:spPr>
+        <p:style>
+          <a:lnRef idx="1">
+            <a:schemeClr val="accent1"/>
+          </a:lnRef>
+          <a:fillRef idx="0">
+            <a:schemeClr val="accent1"/>
+          </a:fillRef>
+          <a:effectRef idx="0">
+            <a:schemeClr val="accent1"/>
+          </a:effectRef>
+          <a:fontRef idx="minor">
+            <a:schemeClr val="tx1"/>
+          </a:fontRef>
+        </p:style>
+      </p:cxnSp>
+      <p:cxnSp>
+        <p:nvCxnSpPr>
+          <p:cNvPr id="179" name="직선 화살표 연결선 178"/>
+          <p:cNvCxnSpPr>
+            <a:cxnSpLocks/>
+            <a:stCxn id="151" idx="2"/>
+            <a:endCxn id="235" idx="0"/>
+          </p:cNvCxnSpPr>
+          <p:nvPr/>
+        </p:nvCxnSpPr>
+        <p:spPr>
+          <a:xfrm>
+            <a:off x="5313770" y="3561585"/>
+            <a:ext cx="0" cy="2059072"/>
+          </a:xfrm>
+          <a:prstGeom prst="straightConnector1">
+            <a:avLst/>
+          </a:prstGeom>
+          <a:ln w="57150">
+            <a:solidFill>
+              <a:schemeClr val="tx1"/>
+            </a:solidFill>
+            <a:tailEnd type="triangle"/>
+          </a:ln>
+        </p:spPr>
+        <p:style>
+          <a:lnRef idx="1">
+            <a:schemeClr val="accent1"/>
+          </a:lnRef>
+          <a:fillRef idx="0">
+            <a:schemeClr val="accent1"/>
+          </a:fillRef>
+          <a:effectRef idx="0">
+            <a:schemeClr val="accent1"/>
+          </a:effectRef>
+          <a:fontRef idx="minor">
+            <a:schemeClr val="tx1"/>
+          </a:fontRef>
+        </p:style>
+      </p:cxnSp>
+      <p:sp>
+        <p:nvSpPr>
+          <p:cNvPr id="181" name="순서도: 수행의 시작/종료 180">
+            <a:extLst>
+              <a:ext uri="{FF2B5EF4-FFF2-40B4-BE49-F238E27FC236}">
+                <a16:creationId xmlns:a16="http://schemas.microsoft.com/office/drawing/2014/main" id="{CF3997F2-CA4A-4992-AB7A-B5082F164B9E}"/>
+              </a:ext>
+            </a:extLst>
+          </p:cNvPr>
+          <p:cNvSpPr/>
+          <p:nvPr/>
+        </p:nvSpPr>
+        <p:spPr>
+          <a:xfrm>
+            <a:off x="5791476" y="5054106"/>
+            <a:ext cx="932476" cy="283425"/>
+          </a:xfrm>
+          <a:prstGeom prst="flowChartTerminator">
+            <a:avLst/>
+          </a:prstGeom>
+          <a:solidFill>
+            <a:schemeClr val="accent3">
+              <a:lumMod val="40000"/>
+              <a:lumOff val="60000"/>
+            </a:schemeClr>
+          </a:solidFill>
+          <a:ln>
+            <a:solidFill>
+              <a:schemeClr val="accent3">
+                <a:lumMod val="40000"/>
+                <a:lumOff val="60000"/>
+              </a:schemeClr>
+            </a:solidFill>
+          </a:ln>
+        </p:spPr>
+        <p:style>
+          <a:lnRef idx="2">
+            <a:schemeClr val="accent1">
+              <a:shade val="50000"/>
+            </a:schemeClr>
+          </a:lnRef>
+          <a:fillRef idx="1">
+            <a:schemeClr val="accent1"/>
+          </a:fillRef>
+          <a:effectRef idx="0">
+            <a:schemeClr val="accent1"/>
+          </a:effectRef>
+          <a:fontRef idx="minor">
+            <a:schemeClr val="lt1"/>
+          </a:fontRef>
+        </p:style>
+        <p:txBody>
+          <a:bodyPr rtlCol="0" anchor="ctr"/>
+          <a:lstStyle/>
+          <a:p>
+            <a:pPr algn="ctr" defTabSz="514350" latinLnBrk="1"/>
+            <a:r>
+              <a:rPr lang="ko-KR" altLang="en-US" sz="844" dirty="0">
+                <a:solidFill>
+                  <a:srgbClr val="3B3838"/>
+                </a:solidFill>
+                <a:latin typeface="KoPubWorld돋움체 Medium" panose="00000600000000000000" pitchFamily="2" charset="-127"/>
+                <a:ea typeface="KoPubWorld돋움체 Medium" panose="00000600000000000000" pitchFamily="2" charset="-127"/>
+                <a:cs typeface="KoPubWorld돋움체 Medium" panose="00000600000000000000" pitchFamily="2" charset="-127"/>
+              </a:rPr>
+              <a:t>종료</a:t>
+            </a:r>
+          </a:p>
+        </p:txBody>
+      </p:sp>
+      <p:sp>
+        <p:nvSpPr>
+          <p:cNvPr id="200" name="직사각형 199">
+            <a:extLst>
+              <a:ext uri="{FF2B5EF4-FFF2-40B4-BE49-F238E27FC236}">
+                <a16:creationId xmlns:a16="http://schemas.microsoft.com/office/drawing/2014/main" id="{D2CBEEC9-597F-449B-9045-29169910E9BD}"/>
+              </a:ext>
+            </a:extLst>
+          </p:cNvPr>
+          <p:cNvSpPr/>
+          <p:nvPr/>
+        </p:nvSpPr>
+        <p:spPr>
+          <a:xfrm>
+            <a:off x="5858286" y="3221523"/>
+            <a:ext cx="801334" cy="340062"/>
+          </a:xfrm>
+          <a:prstGeom prst="rect">
+            <a:avLst/>
+          </a:prstGeom>
+          <a:solidFill>
+            <a:schemeClr val="accent3">
+              <a:lumMod val="40000"/>
+              <a:lumOff val="60000"/>
+            </a:schemeClr>
+          </a:solidFill>
+          <a:ln>
+            <a:solidFill>
+              <a:schemeClr val="accent3">
+                <a:lumMod val="40000"/>
+                <a:lumOff val="60000"/>
+              </a:schemeClr>
+            </a:solidFill>
+          </a:ln>
+        </p:spPr>
+        <p:style>
+          <a:lnRef idx="2">
+            <a:schemeClr val="accent1">
+              <a:shade val="50000"/>
+            </a:schemeClr>
+          </a:lnRef>
+          <a:fillRef idx="1">
+            <a:schemeClr val="accent1"/>
+          </a:fillRef>
+          <a:effectRef idx="0">
+            <a:schemeClr val="accent1"/>
+          </a:effectRef>
+          <a:fontRef idx="minor">
+            <a:schemeClr val="lt1"/>
+          </a:fontRef>
+        </p:style>
+        <p:txBody>
+          <a:bodyPr rtlCol="0" anchor="ctr"/>
+          <a:lstStyle/>
+          <a:p>
+            <a:pPr algn="ctr" defTabSz="514350" latinLnBrk="1"/>
+            <a:r>
+              <a:rPr lang="ko-KR" altLang="en-US" sz="844">
+                <a:solidFill>
+                  <a:srgbClr val="3B3838"/>
+                </a:solidFill>
+                <a:latin typeface="KoPubWorld돋움체 Medium" panose="00000600000000000000" pitchFamily="2" charset="-127"/>
+                <a:ea typeface="KoPubWorld돋움체 Medium" panose="00000600000000000000" pitchFamily="2" charset="-127"/>
+                <a:cs typeface="KoPubWorld돋움체 Medium" panose="00000600000000000000" pitchFamily="2" charset="-127"/>
+              </a:rPr>
+              <a:t>종료 버튼</a:t>
+            </a:r>
+            <a:endParaRPr lang="ko-KR" altLang="en-US" sz="844" dirty="0">
+              <a:solidFill>
+                <a:srgbClr val="3B3838"/>
+              </a:solidFill>
+              <a:latin typeface="KoPubWorld돋움체 Medium" panose="00000600000000000000" pitchFamily="2" charset="-127"/>
+              <a:ea typeface="KoPubWorld돋움체 Medium" panose="00000600000000000000" pitchFamily="2" charset="-127"/>
+              <a:cs typeface="KoPubWorld돋움체 Medium" panose="00000600000000000000" pitchFamily="2" charset="-127"/>
+            </a:endParaRPr>
+          </a:p>
+        </p:txBody>
+      </p:sp>
+      <p:cxnSp>
+        <p:nvCxnSpPr>
+          <p:cNvPr id="205" name="꺾인 연결선 204"/>
+          <p:cNvCxnSpPr>
+            <a:cxnSpLocks/>
+            <a:stCxn id="5" idx="2"/>
+            <a:endCxn id="200" idx="0"/>
+          </p:cNvCxnSpPr>
+          <p:nvPr/>
+        </p:nvCxnSpPr>
+        <p:spPr>
+          <a:xfrm rot="16200000" flipH="1">
+            <a:off x="4497283" y="1459853"/>
+            <a:ext cx="647086" cy="2876253"/>
+          </a:xfrm>
+          <a:prstGeom prst="bentConnector3">
+            <a:avLst>
+              <a:gd name="adj1" fmla="val 50000"/>
+            </a:avLst>
+          </a:prstGeom>
+          <a:ln w="57150">
+            <a:solidFill>
+              <a:schemeClr val="tx1"/>
+            </a:solidFill>
+            <a:tailEnd type="triangle"/>
+          </a:ln>
+        </p:spPr>
+        <p:style>
+          <a:lnRef idx="1">
+            <a:schemeClr val="accent1"/>
+          </a:lnRef>
+          <a:fillRef idx="0">
+            <a:schemeClr val="accent1"/>
+          </a:fillRef>
+          <a:effectRef idx="0">
+            <a:schemeClr val="accent1"/>
+          </a:effectRef>
+          <a:fontRef idx="minor">
+            <a:schemeClr val="tx1"/>
+          </a:fontRef>
+        </p:style>
+      </p:cxnSp>
+      <p:cxnSp>
+        <p:nvCxnSpPr>
+          <p:cNvPr id="208" name="직선 화살표 연결선 207"/>
+          <p:cNvCxnSpPr>
+            <a:cxnSpLocks/>
+            <a:stCxn id="200" idx="2"/>
+            <a:endCxn id="181" idx="0"/>
+          </p:cNvCxnSpPr>
+          <p:nvPr/>
+        </p:nvCxnSpPr>
+        <p:spPr>
+          <a:xfrm flipH="1">
+            <a:off x="6257714" y="3561585"/>
+            <a:ext cx="1239" cy="1492521"/>
+          </a:xfrm>
+          <a:prstGeom prst="straightConnector1">
+            <a:avLst/>
+          </a:prstGeom>
+          <a:ln w="57150">
+            <a:solidFill>
+              <a:schemeClr val="tx1"/>
+            </a:solidFill>
+            <a:tailEnd type="triangle"/>
+          </a:ln>
+        </p:spPr>
+        <p:style>
+          <a:lnRef idx="1">
+            <a:schemeClr val="accent1"/>
+          </a:lnRef>
+          <a:fillRef idx="0">
+            <a:schemeClr val="accent1"/>
+          </a:fillRef>
+          <a:effectRef idx="0">
+            <a:schemeClr val="accent1"/>
+          </a:effectRef>
+          <a:fontRef idx="minor">
+            <a:schemeClr val="tx1"/>
+          </a:fontRef>
+        </p:style>
+      </p:cxnSp>
+      <p:sp>
+        <p:nvSpPr>
+          <p:cNvPr id="235" name="다이아몬드 234"/>
+          <p:cNvSpPr/>
+          <p:nvPr/>
+        </p:nvSpPr>
+        <p:spPr>
+          <a:xfrm>
+            <a:off x="4504354" y="5620657"/>
+            <a:ext cx="1618831" cy="526708"/>
+          </a:xfrm>
+          <a:prstGeom prst="diamond">
+            <a:avLst/>
+          </a:prstGeom>
+          <a:solidFill>
+            <a:schemeClr val="accent3">
+              <a:lumMod val="40000"/>
+              <a:lumOff val="60000"/>
+            </a:schemeClr>
+          </a:solidFill>
+          <a:ln>
+            <a:solidFill>
+              <a:schemeClr val="accent3">
+                <a:lumMod val="40000"/>
+                <a:lumOff val="60000"/>
+              </a:schemeClr>
+            </a:solidFill>
+          </a:ln>
+        </p:spPr>
+        <p:style>
+          <a:lnRef idx="2">
+            <a:schemeClr val="accent1">
+              <a:shade val="50000"/>
+            </a:schemeClr>
+          </a:lnRef>
+          <a:fillRef idx="1">
+            <a:schemeClr val="accent1"/>
+          </a:fillRef>
+          <a:effectRef idx="0">
+            <a:schemeClr val="accent1"/>
+          </a:effectRef>
+          <a:fontRef idx="minor">
+            <a:schemeClr val="lt1"/>
+          </a:fontRef>
+        </p:style>
+        <p:txBody>
+          <a:bodyPr rtlCol="0" anchor="ctr"/>
+          <a:lstStyle/>
+          <a:p>
+            <a:pPr algn="ctr" defTabSz="514350" latinLnBrk="1"/>
+            <a:r>
+              <a:rPr lang="ko-KR" altLang="en-US" sz="844" dirty="0">
+                <a:solidFill>
+                  <a:srgbClr val="3B3838"/>
+                </a:solidFill>
+                <a:latin typeface="KoPubWorld돋움체 Medium" panose="00000600000000000000" pitchFamily="2" charset="-127"/>
+                <a:ea typeface="KoPubWorld돋움체 Medium" panose="00000600000000000000" pitchFamily="2" charset="-127"/>
+                <a:cs typeface="KoPubWorld돋움체 Medium" panose="00000600000000000000" pitchFamily="2" charset="-127"/>
+              </a:rPr>
+              <a:t>마우스 클릭</a:t>
+            </a:r>
+            <a:endParaRPr lang="en-US" altLang="ko-KR" sz="844" dirty="0">
+              <a:solidFill>
+                <a:srgbClr val="3B3838"/>
+              </a:solidFill>
+              <a:latin typeface="KoPubWorld돋움체 Medium" panose="00000600000000000000" pitchFamily="2" charset="-127"/>
+              <a:ea typeface="KoPubWorld돋움체 Medium" panose="00000600000000000000" pitchFamily="2" charset="-127"/>
+              <a:cs typeface="KoPubWorld돋움체 Medium" panose="00000600000000000000" pitchFamily="2" charset="-127"/>
+            </a:endParaRPr>
+          </a:p>
+          <a:p>
+            <a:pPr algn="ctr" defTabSz="514350" latinLnBrk="1"/>
+            <a:r>
+              <a:rPr lang="en-US" altLang="ko-KR" sz="844" dirty="0">
+                <a:solidFill>
+                  <a:srgbClr val="3B3838"/>
+                </a:solidFill>
+                <a:latin typeface="KoPubWorld돋움체 Medium" panose="00000600000000000000" pitchFamily="2" charset="-127"/>
+                <a:ea typeface="KoPubWorld돋움체 Medium" panose="00000600000000000000" pitchFamily="2" charset="-127"/>
+                <a:cs typeface="KoPubWorld돋움체 Medium" panose="00000600000000000000" pitchFamily="2" charset="-127"/>
+              </a:rPr>
+              <a:t>&amp;</a:t>
+            </a:r>
+            <a:r>
+              <a:rPr lang="ko-KR" altLang="en-US" sz="844" dirty="0">
+                <a:solidFill>
+                  <a:srgbClr val="3B3838"/>
+                </a:solidFill>
+                <a:latin typeface="KoPubWorld돋움체 Medium" panose="00000600000000000000" pitchFamily="2" charset="-127"/>
+                <a:ea typeface="KoPubWorld돋움체 Medium" panose="00000600000000000000" pitchFamily="2" charset="-127"/>
+                <a:cs typeface="KoPubWorld돋움체 Medium" panose="00000600000000000000" pitchFamily="2" charset="-127"/>
+              </a:rPr>
+              <a:t>드래그 확인 </a:t>
+            </a:r>
+          </a:p>
+        </p:txBody>
+      </p:sp>
+      <p:sp>
+        <p:nvSpPr>
+          <p:cNvPr id="241" name="직사각형 240">
+            <a:extLst>
+              <a:ext uri="{FF2B5EF4-FFF2-40B4-BE49-F238E27FC236}">
+                <a16:creationId xmlns:a16="http://schemas.microsoft.com/office/drawing/2014/main" id="{D2CBEEC9-597F-449B-9045-29169910E9BD}"/>
+              </a:ext>
+            </a:extLst>
+          </p:cNvPr>
+          <p:cNvSpPr/>
+          <p:nvPr/>
+        </p:nvSpPr>
+        <p:spPr>
+          <a:xfrm>
+            <a:off x="3737275" y="6323169"/>
+            <a:ext cx="1175828" cy="340062"/>
+          </a:xfrm>
+          <a:prstGeom prst="rect">
+            <a:avLst/>
+          </a:prstGeom>
+          <a:solidFill>
+            <a:schemeClr val="accent3">
+              <a:lumMod val="40000"/>
+              <a:lumOff val="60000"/>
+            </a:schemeClr>
+          </a:solidFill>
+          <a:ln>
+            <a:solidFill>
+              <a:schemeClr val="accent3">
+                <a:lumMod val="40000"/>
+                <a:lumOff val="60000"/>
+              </a:schemeClr>
+            </a:solidFill>
+          </a:ln>
+        </p:spPr>
+        <p:style>
+          <a:lnRef idx="2">
+            <a:schemeClr val="accent1">
+              <a:shade val="50000"/>
+            </a:schemeClr>
+          </a:lnRef>
+          <a:fillRef idx="1">
+            <a:schemeClr val="accent1"/>
+          </a:fillRef>
+          <a:effectRef idx="0">
+            <a:schemeClr val="accent1"/>
+          </a:effectRef>
+          <a:fontRef idx="minor">
+            <a:schemeClr val="lt1"/>
+          </a:fontRef>
+        </p:style>
+        <p:txBody>
+          <a:bodyPr rtlCol="0" anchor="ctr"/>
+          <a:lstStyle/>
+          <a:p>
+            <a:pPr algn="ctr" defTabSz="514350" latinLnBrk="1"/>
+            <a:r>
+              <a:rPr lang="ko-KR" altLang="en-US" sz="844" dirty="0">
+                <a:solidFill>
+                  <a:srgbClr val="3B3838"/>
+                </a:solidFill>
+                <a:latin typeface="KoPubWorld돋움체 Medium" panose="00000600000000000000" pitchFamily="2" charset="-127"/>
+                <a:ea typeface="KoPubWorld돋움체 Medium" panose="00000600000000000000" pitchFamily="2" charset="-127"/>
+                <a:cs typeface="KoPubWorld돋움체 Medium" panose="00000600000000000000" pitchFamily="2" charset="-127"/>
+              </a:rPr>
+              <a:t>해당 위치에 현재 타입</a:t>
+            </a:r>
+            <a:endParaRPr lang="en-US" altLang="ko-KR" sz="844" dirty="0">
+              <a:solidFill>
+                <a:srgbClr val="3B3838"/>
+              </a:solidFill>
+              <a:latin typeface="KoPubWorld돋움체 Medium" panose="00000600000000000000" pitchFamily="2" charset="-127"/>
+              <a:ea typeface="KoPubWorld돋움체 Medium" panose="00000600000000000000" pitchFamily="2" charset="-127"/>
+              <a:cs typeface="KoPubWorld돋움체 Medium" panose="00000600000000000000" pitchFamily="2" charset="-127"/>
+            </a:endParaRPr>
+          </a:p>
+          <a:p>
+            <a:pPr algn="ctr" defTabSz="514350" latinLnBrk="1"/>
+            <a:r>
+              <a:rPr lang="ko-KR" altLang="en-US" sz="844" dirty="0">
+                <a:solidFill>
+                  <a:srgbClr val="3B3838"/>
+                </a:solidFill>
+                <a:latin typeface="KoPubWorld돋움체 Medium" panose="00000600000000000000" pitchFamily="2" charset="-127"/>
+                <a:ea typeface="KoPubWorld돋움체 Medium" panose="00000600000000000000" pitchFamily="2" charset="-127"/>
+                <a:cs typeface="KoPubWorld돋움체 Medium" panose="00000600000000000000" pitchFamily="2" charset="-127"/>
+              </a:rPr>
+              <a:t> 타일 추가</a:t>
+            </a:r>
+          </a:p>
+        </p:txBody>
+      </p:sp>
+      <p:sp>
+        <p:nvSpPr>
+          <p:cNvPr id="243" name="직사각형 242">
+            <a:extLst>
+              <a:ext uri="{FF2B5EF4-FFF2-40B4-BE49-F238E27FC236}">
+                <a16:creationId xmlns:a16="http://schemas.microsoft.com/office/drawing/2014/main" id="{D2CBEEC9-597F-449B-9045-29169910E9BD}"/>
+              </a:ext>
+            </a:extLst>
+          </p:cNvPr>
+          <p:cNvSpPr/>
+          <p:nvPr/>
+        </p:nvSpPr>
+        <p:spPr>
+          <a:xfrm>
+            <a:off x="5784257" y="6323169"/>
+            <a:ext cx="939695" cy="340062"/>
+          </a:xfrm>
+          <a:prstGeom prst="rect">
+            <a:avLst/>
+          </a:prstGeom>
+          <a:solidFill>
+            <a:schemeClr val="accent3">
+              <a:lumMod val="40000"/>
+              <a:lumOff val="60000"/>
+            </a:schemeClr>
+          </a:solidFill>
+          <a:ln>
+            <a:solidFill>
+              <a:schemeClr val="accent3">
+                <a:lumMod val="40000"/>
+                <a:lumOff val="60000"/>
+              </a:schemeClr>
+            </a:solidFill>
+          </a:ln>
+        </p:spPr>
+        <p:style>
+          <a:lnRef idx="2">
+            <a:schemeClr val="accent1">
+              <a:shade val="50000"/>
+            </a:schemeClr>
+          </a:lnRef>
+          <a:fillRef idx="1">
+            <a:schemeClr val="accent1"/>
+          </a:fillRef>
+          <a:effectRef idx="0">
+            <a:schemeClr val="accent1"/>
+          </a:effectRef>
+          <a:fontRef idx="minor">
+            <a:schemeClr val="lt1"/>
+          </a:fontRef>
+        </p:style>
+        <p:txBody>
+          <a:bodyPr rtlCol="0" anchor="ctr"/>
+          <a:lstStyle/>
+          <a:p>
+            <a:pPr algn="ctr" defTabSz="514350" latinLnBrk="1"/>
+            <a:r>
+              <a:rPr lang="ko-KR" altLang="en-US" sz="844" dirty="0">
+                <a:solidFill>
+                  <a:srgbClr val="3B3838"/>
+                </a:solidFill>
+                <a:latin typeface="KoPubWorld돋움체 Medium" panose="00000600000000000000" pitchFamily="2" charset="-127"/>
+                <a:ea typeface="KoPubWorld돋움체 Medium" panose="00000600000000000000" pitchFamily="2" charset="-127"/>
+                <a:cs typeface="KoPubWorld돋움체 Medium" panose="00000600000000000000" pitchFamily="2" charset="-127"/>
+              </a:rPr>
+              <a:t>해당 위치에 있는 타일 삭제</a:t>
+            </a:r>
+          </a:p>
+        </p:txBody>
+      </p:sp>
+      <p:cxnSp>
+        <p:nvCxnSpPr>
+          <p:cNvPr id="244" name="꺾인 연결선 243"/>
+          <p:cNvCxnSpPr>
+            <a:cxnSpLocks/>
+            <a:stCxn id="235" idx="1"/>
+            <a:endCxn id="241" idx="0"/>
+          </p:cNvCxnSpPr>
+          <p:nvPr/>
+        </p:nvCxnSpPr>
+        <p:spPr>
+          <a:xfrm rot="10800000" flipV="1">
+            <a:off x="4325190" y="5884011"/>
+            <a:ext cx="179165" cy="439158"/>
+          </a:xfrm>
+          <a:prstGeom prst="bentConnector2">
+            <a:avLst/>
+          </a:prstGeom>
+          <a:ln w="57150">
+            <a:solidFill>
+              <a:schemeClr val="tx1"/>
+            </a:solidFill>
+            <a:tailEnd type="triangle"/>
+          </a:ln>
+        </p:spPr>
+        <p:style>
+          <a:lnRef idx="1">
+            <a:schemeClr val="accent1"/>
+          </a:lnRef>
+          <a:fillRef idx="0">
+            <a:schemeClr val="accent1"/>
+          </a:fillRef>
+          <a:effectRef idx="0">
+            <a:schemeClr val="accent1"/>
+          </a:effectRef>
+          <a:fontRef idx="minor">
+            <a:schemeClr val="tx1"/>
+          </a:fontRef>
+        </p:style>
+      </p:cxnSp>
+      <p:cxnSp>
+        <p:nvCxnSpPr>
+          <p:cNvPr id="245" name="꺾인 연결선 244"/>
+          <p:cNvCxnSpPr>
+            <a:cxnSpLocks/>
+            <a:stCxn id="235" idx="3"/>
+            <a:endCxn id="243" idx="0"/>
+          </p:cNvCxnSpPr>
+          <p:nvPr/>
+        </p:nvCxnSpPr>
+        <p:spPr>
+          <a:xfrm>
+            <a:off x="6123185" y="5884011"/>
+            <a:ext cx="130920" cy="439158"/>
+          </a:xfrm>
+          <a:prstGeom prst="bentConnector2">
+            <a:avLst/>
+          </a:prstGeom>
+          <a:ln w="57150">
+            <a:solidFill>
+              <a:schemeClr val="tx1"/>
+            </a:solidFill>
+            <a:tailEnd type="triangle"/>
+          </a:ln>
+        </p:spPr>
+        <p:style>
+          <a:lnRef idx="1">
+            <a:schemeClr val="accent1"/>
+          </a:lnRef>
+          <a:fillRef idx="0">
+            <a:schemeClr val="accent1"/>
+          </a:fillRef>
+          <a:effectRef idx="0">
+            <a:schemeClr val="accent1"/>
+          </a:effectRef>
+          <a:fontRef idx="minor">
+            <a:schemeClr val="tx1"/>
+          </a:fontRef>
+        </p:style>
+      </p:cxnSp>
+      <p:sp>
+        <p:nvSpPr>
+          <p:cNvPr id="246" name="순서도: 연결자 245">
+            <a:extLst>
+              <a:ext uri="{FF2B5EF4-FFF2-40B4-BE49-F238E27FC236}">
+                <a16:creationId xmlns:a16="http://schemas.microsoft.com/office/drawing/2014/main" id="{094BAB22-93DC-460E-991E-27C762EE471C}"/>
+              </a:ext>
+            </a:extLst>
+          </p:cNvPr>
+          <p:cNvSpPr/>
+          <p:nvPr/>
+        </p:nvSpPr>
+        <p:spPr>
+          <a:xfrm>
+            <a:off x="5182144" y="7257695"/>
+            <a:ext cx="263250" cy="263250"/>
+          </a:xfrm>
+          <a:prstGeom prst="flowChartConnector">
+            <a:avLst/>
+          </a:prstGeom>
+          <a:solidFill>
+            <a:schemeClr val="accent3">
+              <a:lumMod val="40000"/>
+              <a:lumOff val="60000"/>
+            </a:schemeClr>
+          </a:solidFill>
+          <a:ln>
+            <a:solidFill>
+              <a:schemeClr val="accent3">
+                <a:lumMod val="40000"/>
+                <a:lumOff val="60000"/>
+              </a:schemeClr>
+            </a:solidFill>
+          </a:ln>
+        </p:spPr>
+        <p:style>
+          <a:lnRef idx="2">
+            <a:schemeClr val="accent1">
+              <a:shade val="50000"/>
+            </a:schemeClr>
+          </a:lnRef>
+          <a:fillRef idx="1">
+            <a:schemeClr val="accent1"/>
+          </a:fillRef>
+          <a:effectRef idx="0">
+            <a:schemeClr val="accent1"/>
+          </a:effectRef>
+          <a:fontRef idx="minor">
+            <a:schemeClr val="lt1"/>
+          </a:fontRef>
+        </p:style>
+        <p:txBody>
+          <a:bodyPr rtlCol="0" anchor="ctr"/>
+          <a:lstStyle/>
+          <a:p>
+            <a:pPr algn="ctr" defTabSz="514350" latinLnBrk="1"/>
+            <a:endParaRPr lang="ko-KR" altLang="en-US" sz="844" dirty="0">
+              <a:solidFill>
+                <a:srgbClr val="3B3838"/>
+              </a:solidFill>
+              <a:latin typeface="KoPubWorld돋움체 Medium" panose="00000600000000000000" pitchFamily="2" charset="-127"/>
+              <a:ea typeface="KoPubWorld돋움체 Medium" panose="00000600000000000000" pitchFamily="2" charset="-127"/>
+              <a:cs typeface="KoPubWorld돋움체 Medium" panose="00000600000000000000" pitchFamily="2" charset="-127"/>
+            </a:endParaRPr>
+          </a:p>
+        </p:txBody>
+      </p:sp>
+      <p:cxnSp>
+        <p:nvCxnSpPr>
+          <p:cNvPr id="247" name="꺾인 연결선 246"/>
+          <p:cNvCxnSpPr>
+            <a:cxnSpLocks/>
+            <a:stCxn id="241" idx="2"/>
+            <a:endCxn id="246" idx="0"/>
+          </p:cNvCxnSpPr>
+          <p:nvPr/>
+        </p:nvCxnSpPr>
+        <p:spPr>
+          <a:xfrm rot="16200000" flipH="1">
+            <a:off x="4522247" y="6466173"/>
+            <a:ext cx="594464" cy="988580"/>
+          </a:xfrm>
+          <a:prstGeom prst="bentConnector3">
+            <a:avLst>
+              <a:gd name="adj1" fmla="val 50000"/>
+            </a:avLst>
+          </a:prstGeom>
+          <a:ln w="57150">
+            <a:solidFill>
+              <a:schemeClr val="tx1"/>
+            </a:solidFill>
+            <a:tailEnd type="triangle"/>
+          </a:ln>
+        </p:spPr>
+        <p:style>
+          <a:lnRef idx="1">
+            <a:schemeClr val="accent1"/>
+          </a:lnRef>
+          <a:fillRef idx="0">
+            <a:schemeClr val="accent1"/>
+          </a:fillRef>
+          <a:effectRef idx="0">
+            <a:schemeClr val="accent1"/>
+          </a:effectRef>
+          <a:fontRef idx="minor">
+            <a:schemeClr val="tx1"/>
+          </a:fontRef>
+        </p:style>
+      </p:cxnSp>
+      <p:cxnSp>
+        <p:nvCxnSpPr>
+          <p:cNvPr id="248" name="꺾인 연결선 247"/>
+          <p:cNvCxnSpPr>
+            <a:cxnSpLocks/>
+            <a:stCxn id="243" idx="2"/>
+            <a:endCxn id="246" idx="0"/>
+          </p:cNvCxnSpPr>
+          <p:nvPr/>
+        </p:nvCxnSpPr>
+        <p:spPr>
+          <a:xfrm rot="5400000">
+            <a:off x="5486705" y="6490295"/>
+            <a:ext cx="594464" cy="940336"/>
+          </a:xfrm>
+          <a:prstGeom prst="bentConnector3">
+            <a:avLst>
+              <a:gd name="adj1" fmla="val 50000"/>
+            </a:avLst>
+          </a:prstGeom>
+          <a:ln w="57150">
+            <a:solidFill>
+              <a:schemeClr val="tx1"/>
+            </a:solidFill>
+            <a:tailEnd type="triangle"/>
+          </a:ln>
+        </p:spPr>
+        <p:style>
+          <a:lnRef idx="1">
+            <a:schemeClr val="accent1"/>
+          </a:lnRef>
+          <a:fillRef idx="0">
+            <a:schemeClr val="accent1"/>
+          </a:fillRef>
+          <a:effectRef idx="0">
+            <a:schemeClr val="accent1"/>
+          </a:effectRef>
+          <a:fontRef idx="minor">
+            <a:schemeClr val="tx1"/>
+          </a:fontRef>
+        </p:style>
+      </p:cxnSp>
+      <p:sp>
+        <p:nvSpPr>
+          <p:cNvPr id="251" name="순서도: 연결자 250">
+            <a:extLst>
+              <a:ext uri="{FF2B5EF4-FFF2-40B4-BE49-F238E27FC236}">
+                <a16:creationId xmlns:a16="http://schemas.microsoft.com/office/drawing/2014/main" id="{094BAB22-93DC-460E-991E-27C762EE471C}"/>
+              </a:ext>
+            </a:extLst>
+          </p:cNvPr>
+          <p:cNvSpPr/>
+          <p:nvPr/>
+        </p:nvSpPr>
+        <p:spPr>
+          <a:xfrm>
+            <a:off x="1920978" y="5489032"/>
+            <a:ext cx="263250" cy="263250"/>
+          </a:xfrm>
+          <a:prstGeom prst="flowChartConnector">
+            <a:avLst/>
+          </a:prstGeom>
+          <a:solidFill>
+            <a:schemeClr val="accent3">
+              <a:lumMod val="40000"/>
+              <a:lumOff val="60000"/>
+            </a:schemeClr>
+          </a:solidFill>
+          <a:ln>
+            <a:solidFill>
+              <a:schemeClr val="accent3">
+                <a:lumMod val="40000"/>
+                <a:lumOff val="60000"/>
+              </a:schemeClr>
+            </a:solidFill>
+          </a:ln>
+        </p:spPr>
+        <p:style>
+          <a:lnRef idx="2">
+            <a:schemeClr val="accent1">
+              <a:shade val="50000"/>
+            </a:schemeClr>
+          </a:lnRef>
+          <a:fillRef idx="1">
+            <a:schemeClr val="accent1"/>
+          </a:fillRef>
+          <a:effectRef idx="0">
+            <a:schemeClr val="accent1"/>
+          </a:effectRef>
+          <a:fontRef idx="minor">
+            <a:schemeClr val="lt1"/>
+          </a:fontRef>
+        </p:style>
+        <p:txBody>
+          <a:bodyPr rtlCol="0" anchor="ctr"/>
+          <a:lstStyle/>
+          <a:p>
+            <a:pPr algn="ctr" defTabSz="514350" latinLnBrk="1"/>
+            <a:endParaRPr lang="ko-KR" altLang="en-US" sz="844" dirty="0">
+              <a:solidFill>
+                <a:srgbClr val="3B3838"/>
+              </a:solidFill>
+              <a:latin typeface="KoPubWorld돋움체 Medium" panose="00000600000000000000" pitchFamily="2" charset="-127"/>
+              <a:ea typeface="KoPubWorld돋움체 Medium" panose="00000600000000000000" pitchFamily="2" charset="-127"/>
+              <a:cs typeface="KoPubWorld돋움체 Medium" panose="00000600000000000000" pitchFamily="2" charset="-127"/>
+            </a:endParaRPr>
+          </a:p>
+        </p:txBody>
+      </p:sp>
+      <p:sp>
+        <p:nvSpPr>
+          <p:cNvPr id="252" name="순서도: 연결자 251">
+            <a:extLst>
+              <a:ext uri="{FF2B5EF4-FFF2-40B4-BE49-F238E27FC236}">
+                <a16:creationId xmlns:a16="http://schemas.microsoft.com/office/drawing/2014/main" id="{094BAB22-93DC-460E-991E-27C762EE471C}"/>
+              </a:ext>
+            </a:extLst>
+          </p:cNvPr>
+          <p:cNvSpPr/>
+          <p:nvPr/>
+        </p:nvSpPr>
+        <p:spPr>
+          <a:xfrm>
+            <a:off x="3251075" y="1430939"/>
+            <a:ext cx="263250" cy="263250"/>
+          </a:xfrm>
+          <a:prstGeom prst="flowChartConnector">
+            <a:avLst/>
+          </a:prstGeom>
+          <a:solidFill>
+            <a:schemeClr val="accent3">
+              <a:lumMod val="40000"/>
+              <a:lumOff val="60000"/>
+            </a:schemeClr>
+          </a:solidFill>
+          <a:ln>
+            <a:solidFill>
+              <a:schemeClr val="accent3">
+                <a:lumMod val="40000"/>
+                <a:lumOff val="60000"/>
+              </a:schemeClr>
+            </a:solidFill>
+          </a:ln>
+        </p:spPr>
+        <p:style>
+          <a:lnRef idx="2">
+            <a:schemeClr val="accent1">
+              <a:shade val="50000"/>
+            </a:schemeClr>
+          </a:lnRef>
+          <a:fillRef idx="1">
+            <a:schemeClr val="accent1"/>
+          </a:fillRef>
+          <a:effectRef idx="0">
+            <a:schemeClr val="accent1"/>
+          </a:effectRef>
+          <a:fontRef idx="minor">
+            <a:schemeClr val="lt1"/>
+          </a:fontRef>
+        </p:style>
+        <p:txBody>
+          <a:bodyPr rtlCol="0" anchor="ctr"/>
+          <a:lstStyle/>
+          <a:p>
+            <a:pPr algn="ctr" defTabSz="514350" latinLnBrk="1"/>
+            <a:endParaRPr lang="ko-KR" altLang="en-US" sz="844" dirty="0">
+              <a:solidFill>
+                <a:srgbClr val="3B3838"/>
+              </a:solidFill>
+              <a:latin typeface="KoPubWorld돋움체 Medium" panose="00000600000000000000" pitchFamily="2" charset="-127"/>
+              <a:ea typeface="KoPubWorld돋움체 Medium" panose="00000600000000000000" pitchFamily="2" charset="-127"/>
+              <a:cs typeface="KoPubWorld돋움체 Medium" panose="00000600000000000000" pitchFamily="2" charset="-127"/>
+            </a:endParaRPr>
+          </a:p>
+        </p:txBody>
+      </p:sp>
+      <p:cxnSp>
+        <p:nvCxnSpPr>
+          <p:cNvPr id="253" name="꺾인 연결선 252"/>
+          <p:cNvCxnSpPr>
+            <a:cxnSpLocks/>
+            <a:stCxn id="162" idx="2"/>
+            <a:endCxn id="251" idx="0"/>
+          </p:cNvCxnSpPr>
+          <p:nvPr/>
+        </p:nvCxnSpPr>
+        <p:spPr>
+          <a:xfrm rot="5400000">
+            <a:off x="1935163" y="4496142"/>
+            <a:ext cx="1110330" cy="875450"/>
+          </a:xfrm>
+          <a:prstGeom prst="bentConnector3">
+            <a:avLst>
+              <a:gd name="adj1" fmla="val 50000"/>
+            </a:avLst>
+          </a:prstGeom>
+          <a:ln w="57150">
+            <a:solidFill>
+              <a:schemeClr val="tx1"/>
+            </a:solidFill>
+            <a:tailEnd type="triangle"/>
+          </a:ln>
+        </p:spPr>
+        <p:style>
+          <a:lnRef idx="1">
+            <a:schemeClr val="accent1"/>
+          </a:lnRef>
+          <a:fillRef idx="0">
+            <a:schemeClr val="accent1"/>
+          </a:fillRef>
+          <a:effectRef idx="0">
+            <a:schemeClr val="accent1"/>
+          </a:effectRef>
+          <a:fontRef idx="minor">
+            <a:schemeClr val="tx1"/>
+          </a:fontRef>
+        </p:style>
+      </p:cxnSp>
+      <p:cxnSp>
+        <p:nvCxnSpPr>
+          <p:cNvPr id="260" name="꺾인 연결선 259"/>
+          <p:cNvCxnSpPr>
+            <a:cxnSpLocks/>
+            <a:stCxn id="129" idx="2"/>
+            <a:endCxn id="251" idx="0"/>
+          </p:cNvCxnSpPr>
+          <p:nvPr/>
+        </p:nvCxnSpPr>
+        <p:spPr>
+          <a:xfrm rot="16200000" flipH="1">
+            <a:off x="1033714" y="4470143"/>
+            <a:ext cx="1110322" cy="927455"/>
+          </a:xfrm>
+          <a:prstGeom prst="bentConnector3">
+            <a:avLst>
+              <a:gd name="adj1" fmla="val 50000"/>
+            </a:avLst>
+          </a:prstGeom>
+          <a:ln w="57150">
+            <a:solidFill>
+              <a:schemeClr val="tx1"/>
+            </a:solidFill>
+            <a:tailEnd type="triangle"/>
+          </a:ln>
+        </p:spPr>
+        <p:style>
+          <a:lnRef idx="1">
+            <a:schemeClr val="accent1"/>
+          </a:lnRef>
+          <a:fillRef idx="0">
+            <a:schemeClr val="accent1"/>
+          </a:fillRef>
+          <a:effectRef idx="0">
+            <a:schemeClr val="accent1"/>
+          </a:effectRef>
+          <a:fontRef idx="minor">
+            <a:schemeClr val="tx1"/>
+          </a:fontRef>
+        </p:style>
+      </p:cxnSp>
+      <p:cxnSp>
+        <p:nvCxnSpPr>
+          <p:cNvPr id="269" name="직선 화살표 연결선 268"/>
+          <p:cNvCxnSpPr>
+            <a:cxnSpLocks/>
+            <a:stCxn id="252" idx="4"/>
+            <a:endCxn id="5" idx="0"/>
+          </p:cNvCxnSpPr>
+          <p:nvPr/>
+        </p:nvCxnSpPr>
+        <p:spPr>
+          <a:xfrm>
+            <a:off x="3382700" y="1694189"/>
+            <a:ext cx="0" cy="353540"/>
+          </a:xfrm>
+          <a:prstGeom prst="straightConnector1">
+            <a:avLst/>
+          </a:prstGeom>
+          <a:ln w="57150">
+            <a:solidFill>
+              <a:schemeClr val="tx1"/>
+            </a:solidFill>
+            <a:tailEnd type="triangle"/>
+          </a:ln>
+        </p:spPr>
+        <p:style>
+          <a:lnRef idx="1">
+            <a:schemeClr val="accent1"/>
+          </a:lnRef>
+          <a:fillRef idx="0">
+            <a:schemeClr val="accent1"/>
+          </a:fillRef>
+          <a:effectRef idx="0">
+            <a:schemeClr val="accent1"/>
+          </a:effectRef>
+          <a:fontRef idx="minor">
+            <a:schemeClr val="tx1"/>
+          </a:fontRef>
+        </p:style>
+      </p:cxnSp>
+    </p:spTree>
+    <p:extLst>
+      <p:ext uri="{BB962C8B-B14F-4D97-AF65-F5344CB8AC3E}">
+        <p14:creationId xmlns:p14="http://schemas.microsoft.com/office/powerpoint/2010/main" val="1521108259"/>
+      </p:ext>
+    </p:extLst>
+  </p:cSld>
+  <p:clrMapOvr>
+    <a:masterClrMapping/>
+  </p:clrMapOvr>
 </p:sld>
 </file>
 

--- a/발표 자료/최종 발표 자료/순서도.pptx
+++ b/발표 자료/최종 발표 자료/순서도.pptx
@@ -280,7 +280,7 @@
                 </a:solidFill>
               </a:rPr>
               <a:pPr/>
-              <a:t>2020-09-16</a:t>
+              <a:t>2020-09-21</a:t>
             </a:fld>
             <a:endParaRPr lang="ko-KR" altLang="en-US">
               <a:solidFill>
@@ -510,7 +510,7 @@
                 </a:solidFill>
               </a:rPr>
               <a:pPr/>
-              <a:t>2020-09-16</a:t>
+              <a:t>2020-09-21</a:t>
             </a:fld>
             <a:endParaRPr lang="ko-KR" altLang="en-US">
               <a:solidFill>
@@ -750,7 +750,7 @@
                 </a:solidFill>
               </a:rPr>
               <a:pPr/>
-              <a:t>2020-09-16</a:t>
+              <a:t>2020-09-21</a:t>
             </a:fld>
             <a:endParaRPr lang="ko-KR" altLang="en-US">
               <a:solidFill>
@@ -980,7 +980,7 @@
                 </a:solidFill>
               </a:rPr>
               <a:pPr/>
-              <a:t>2020-09-16</a:t>
+              <a:t>2020-09-21</a:t>
             </a:fld>
             <a:endParaRPr lang="ko-KR" altLang="en-US">
               <a:solidFill>
@@ -1287,7 +1287,7 @@
                 </a:solidFill>
               </a:rPr>
               <a:pPr/>
-              <a:t>2020-09-16</a:t>
+              <a:t>2020-09-21</a:t>
             </a:fld>
             <a:endParaRPr lang="ko-KR" altLang="en-US">
               <a:solidFill>
@@ -1584,7 +1584,7 @@
                 </a:solidFill>
               </a:rPr>
               <a:pPr/>
-              <a:t>2020-09-16</a:t>
+              <a:t>2020-09-21</a:t>
             </a:fld>
             <a:endParaRPr lang="ko-KR" altLang="en-US">
               <a:solidFill>
@@ -2028,7 +2028,7 @@
                 </a:solidFill>
               </a:rPr>
               <a:pPr/>
-              <a:t>2020-09-16</a:t>
+              <a:t>2020-09-21</a:t>
             </a:fld>
             <a:endParaRPr lang="ko-KR" altLang="en-US">
               <a:solidFill>
@@ -2201,7 +2201,7 @@
                 </a:solidFill>
               </a:rPr>
               <a:pPr/>
-              <a:t>2020-09-16</a:t>
+              <a:t>2020-09-21</a:t>
             </a:fld>
             <a:endParaRPr lang="ko-KR" altLang="en-US">
               <a:solidFill>
@@ -2346,7 +2346,7 @@
                 </a:solidFill>
               </a:rPr>
               <a:pPr/>
-              <a:t>2020-09-16</a:t>
+              <a:t>2020-09-21</a:t>
             </a:fld>
             <a:endParaRPr lang="ko-KR" altLang="en-US">
               <a:solidFill>
@@ -2689,7 +2689,7 @@
                 </a:solidFill>
               </a:rPr>
               <a:pPr/>
-              <a:t>2020-09-16</a:t>
+              <a:t>2020-09-21</a:t>
             </a:fld>
             <a:endParaRPr lang="ko-KR" altLang="en-US">
               <a:solidFill>
@@ -3009,7 +3009,7 @@
                 </a:solidFill>
               </a:rPr>
               <a:pPr/>
-              <a:t>2020-09-16</a:t>
+              <a:t>2020-09-21</a:t>
             </a:fld>
             <a:endParaRPr lang="ko-KR" altLang="en-US">
               <a:solidFill>
@@ -3282,7 +3282,7 @@
                 </a:solidFill>
               </a:rPr>
               <a:pPr/>
-              <a:t>2020-09-16</a:t>
+              <a:t>2020-09-21</a:t>
             </a:fld>
             <a:endParaRPr lang="ko-KR" altLang="en-US">
               <a:solidFill>
@@ -17703,7 +17703,7 @@
         </p:nvSpPr>
         <p:spPr>
           <a:xfrm>
-            <a:off x="3014877" y="3221523"/>
+            <a:off x="2991104" y="3221523"/>
             <a:ext cx="801334" cy="340062"/>
           </a:xfrm>
           <a:prstGeom prst="rect">
@@ -17913,48 +17913,6 @@
           <a:xfrm rot="16200000" flipH="1">
             <a:off x="3549886" y="2407251"/>
             <a:ext cx="647086" cy="981458"/>
-          </a:xfrm>
-          <a:prstGeom prst="bentConnector3">
-            <a:avLst>
-              <a:gd name="adj1" fmla="val 50000"/>
-            </a:avLst>
-          </a:prstGeom>
-          <a:ln w="57150">
-            <a:solidFill>
-              <a:schemeClr val="tx1"/>
-            </a:solidFill>
-            <a:tailEnd type="triangle"/>
-          </a:ln>
-        </p:spPr>
-        <p:style>
-          <a:lnRef idx="1">
-            <a:schemeClr val="accent1"/>
-          </a:lnRef>
-          <a:fillRef idx="0">
-            <a:schemeClr val="accent1"/>
-          </a:fillRef>
-          <a:effectRef idx="0">
-            <a:schemeClr val="accent1"/>
-          </a:effectRef>
-          <a:fontRef idx="minor">
-            <a:schemeClr val="tx1"/>
-          </a:fontRef>
-        </p:style>
-      </p:cxnSp>
-      <p:cxnSp>
-        <p:nvCxnSpPr>
-          <p:cNvPr id="114" name="꺾인 연결선 113"/>
-          <p:cNvCxnSpPr>
-            <a:cxnSpLocks/>
-            <a:stCxn id="5" idx="2"/>
-            <a:endCxn id="99" idx="0"/>
-          </p:cNvCxnSpPr>
-          <p:nvPr/>
-        </p:nvCxnSpPr>
-        <p:spPr>
-          <a:xfrm rot="16200000" flipH="1">
-            <a:off x="3075579" y="2881558"/>
-            <a:ext cx="647086" cy="32844"/>
           </a:xfrm>
           <a:prstGeom prst="bentConnector3">
             <a:avLst>
@@ -18501,8 +18459,8 @@
         </p:nvCxnSpPr>
         <p:spPr>
           <a:xfrm rot="5400000">
-            <a:off x="2933272" y="3556367"/>
-            <a:ext cx="477055" cy="487491"/>
+            <a:off x="2921385" y="3568253"/>
+            <a:ext cx="477055" cy="463718"/>
           </a:xfrm>
           <a:prstGeom prst="bentConnector3">
             <a:avLst>
@@ -18898,15 +18856,15 @@
           <p:cNvPr id="208" name="직선 화살표 연결선 207"/>
           <p:cNvCxnSpPr>
             <a:cxnSpLocks/>
-            <a:stCxn id="200" idx="2"/>
-            <a:endCxn id="181" idx="0"/>
+            <a:stCxn id="5" idx="2"/>
+            <a:endCxn id="99" idx="0"/>
           </p:cNvCxnSpPr>
           <p:nvPr/>
         </p:nvCxnSpPr>
         <p:spPr>
-          <a:xfrm flipH="1">
-            <a:off x="6257714" y="3561585"/>
-            <a:ext cx="1239" cy="1492521"/>
+          <a:xfrm>
+            <a:off x="3382700" y="2574437"/>
+            <a:ext cx="9071" cy="647086"/>
           </a:xfrm>
           <a:prstGeom prst="straightConnector1">
             <a:avLst/>
@@ -19664,6 +19622,254 @@
               <a:schemeClr val="tx1"/>
             </a:solidFill>
             <a:tailEnd type="triangle"/>
+          </a:ln>
+        </p:spPr>
+        <p:style>
+          <a:lnRef idx="1">
+            <a:schemeClr val="accent1"/>
+          </a:lnRef>
+          <a:fillRef idx="0">
+            <a:schemeClr val="accent1"/>
+          </a:fillRef>
+          <a:effectRef idx="0">
+            <a:schemeClr val="accent1"/>
+          </a:effectRef>
+          <a:fontRef idx="minor">
+            <a:schemeClr val="tx1"/>
+          </a:fontRef>
+        </p:style>
+      </p:cxnSp>
+      <p:sp>
+        <p:nvSpPr>
+          <p:cNvPr id="2" name="TextBox 1">
+            <a:extLst>
+              <a:ext uri="{FF2B5EF4-FFF2-40B4-BE49-F238E27FC236}">
+                <a16:creationId xmlns:a16="http://schemas.microsoft.com/office/drawing/2014/main" id="{C98CB06D-C565-4A7F-9E79-49CD074A96DC}"/>
+              </a:ext>
+            </a:extLst>
+          </p:cNvPr>
+          <p:cNvSpPr txBox="1"/>
+          <p:nvPr/>
+        </p:nvSpPr>
+        <p:spPr>
+          <a:xfrm>
+            <a:off x="3681462" y="5617585"/>
+            <a:ext cx="944490" cy="222240"/>
+          </a:xfrm>
+          <a:prstGeom prst="rect">
+            <a:avLst/>
+          </a:prstGeom>
+          <a:noFill/>
+          <a:ln>
+            <a:noFill/>
+          </a:ln>
+        </p:spPr>
+        <p:txBody>
+          <a:bodyPr wrap="none" rtlCol="0">
+            <a:spAutoFit/>
+          </a:bodyPr>
+          <a:lstStyle/>
+          <a:p>
+            <a:pPr algn="ctr" defTabSz="514350" latinLnBrk="1"/>
+            <a:r>
+              <a:rPr lang="ko-KR" altLang="en-US" sz="844" dirty="0">
+                <a:latin typeface="KoPubWorld돋움체 Medium" panose="00000600000000000000" pitchFamily="2" charset="-127"/>
+                <a:ea typeface="KoPubWorld돋움체 Medium" panose="00000600000000000000" pitchFamily="2" charset="-127"/>
+                <a:cs typeface="KoPubWorld돋움체 Medium" panose="00000600000000000000" pitchFamily="2" charset="-127"/>
+              </a:rPr>
+              <a:t>좌 클릭 </a:t>
+            </a:r>
+            <a:r>
+              <a:rPr lang="en-US" altLang="ko-KR" sz="844" dirty="0">
+                <a:latin typeface="KoPubWorld돋움체 Medium" panose="00000600000000000000" pitchFamily="2" charset="-127"/>
+                <a:ea typeface="KoPubWorld돋움체 Medium" panose="00000600000000000000" pitchFamily="2" charset="-127"/>
+                <a:cs typeface="KoPubWorld돋움체 Medium" panose="00000600000000000000" pitchFamily="2" charset="-127"/>
+              </a:rPr>
+              <a:t>or</a:t>
+            </a:r>
+            <a:r>
+              <a:rPr lang="ko-KR" altLang="en-US" sz="844" dirty="0">
+                <a:latin typeface="KoPubWorld돋움체 Medium" panose="00000600000000000000" pitchFamily="2" charset="-127"/>
+                <a:ea typeface="KoPubWorld돋움체 Medium" panose="00000600000000000000" pitchFamily="2" charset="-127"/>
+                <a:cs typeface="KoPubWorld돋움체 Medium" panose="00000600000000000000" pitchFamily="2" charset="-127"/>
+              </a:rPr>
+              <a:t> 드래그</a:t>
+            </a:r>
+          </a:p>
+        </p:txBody>
+      </p:sp>
+      <p:sp>
+        <p:nvSpPr>
+          <p:cNvPr id="3" name="TextBox 2">
+            <a:extLst>
+              <a:ext uri="{FF2B5EF4-FFF2-40B4-BE49-F238E27FC236}">
+                <a16:creationId xmlns:a16="http://schemas.microsoft.com/office/drawing/2014/main" id="{6B535229-9E22-44E5-ADD0-44D9D1711559}"/>
+              </a:ext>
+            </a:extLst>
+          </p:cNvPr>
+          <p:cNvSpPr txBox="1"/>
+          <p:nvPr/>
+        </p:nvSpPr>
+        <p:spPr>
+          <a:xfrm>
+            <a:off x="5958058" y="5643107"/>
+            <a:ext cx="976550" cy="222240"/>
+          </a:xfrm>
+          <a:prstGeom prst="rect">
+            <a:avLst/>
+          </a:prstGeom>
+          <a:noFill/>
+          <a:ln>
+            <a:noFill/>
+          </a:ln>
+        </p:spPr>
+        <p:txBody>
+          <a:bodyPr wrap="none" rtlCol="0">
+            <a:spAutoFit/>
+          </a:bodyPr>
+          <a:lstStyle/>
+          <a:p>
+            <a:pPr algn="ctr" defTabSz="514350" latinLnBrk="1"/>
+            <a:r>
+              <a:rPr lang="ko-KR" altLang="en-US" sz="844" dirty="0">
+                <a:latin typeface="KoPubWorld돋움체 Medium" panose="00000600000000000000" pitchFamily="2" charset="-127"/>
+                <a:ea typeface="KoPubWorld돋움체 Medium" panose="00000600000000000000" pitchFamily="2" charset="-127"/>
+                <a:cs typeface="KoPubWorld돋움체 Medium" panose="00000600000000000000" pitchFamily="2" charset="-127"/>
+              </a:rPr>
+              <a:t>우 클릭 </a:t>
+            </a:r>
+            <a:r>
+              <a:rPr lang="en-US" altLang="ko-KR" sz="844" dirty="0">
+                <a:latin typeface="KoPubWorld돋움체 Medium" panose="00000600000000000000" pitchFamily="2" charset="-127"/>
+                <a:ea typeface="KoPubWorld돋움체 Medium" panose="00000600000000000000" pitchFamily="2" charset="-127"/>
+                <a:cs typeface="KoPubWorld돋움체 Medium" panose="00000600000000000000" pitchFamily="2" charset="-127"/>
+              </a:rPr>
+              <a:t>or </a:t>
+            </a:r>
+            <a:r>
+              <a:rPr lang="ko-KR" altLang="en-US" sz="844" dirty="0">
+                <a:latin typeface="KoPubWorld돋움체 Medium" panose="00000600000000000000" pitchFamily="2" charset="-127"/>
+                <a:ea typeface="KoPubWorld돋움체 Medium" panose="00000600000000000000" pitchFamily="2" charset="-127"/>
+                <a:cs typeface="KoPubWorld돋움체 Medium" panose="00000600000000000000" pitchFamily="2" charset="-127"/>
+              </a:rPr>
+              <a:t>드래그</a:t>
+            </a:r>
+          </a:p>
+        </p:txBody>
+      </p:sp>
+      <p:sp>
+        <p:nvSpPr>
+          <p:cNvPr id="47" name="TextBox 46">
+            <a:extLst>
+              <a:ext uri="{FF2B5EF4-FFF2-40B4-BE49-F238E27FC236}">
+                <a16:creationId xmlns:a16="http://schemas.microsoft.com/office/drawing/2014/main" id="{2984EA64-D1ED-42D0-A28D-06A391195A2B}"/>
+              </a:ext>
+            </a:extLst>
+          </p:cNvPr>
+          <p:cNvSpPr txBox="1"/>
+          <p:nvPr/>
+        </p:nvSpPr>
+        <p:spPr>
+          <a:xfrm>
+            <a:off x="4255674" y="2617661"/>
+            <a:ext cx="595035" cy="222240"/>
+          </a:xfrm>
+          <a:prstGeom prst="rect">
+            <a:avLst/>
+          </a:prstGeom>
+          <a:noFill/>
+          <a:ln>
+            <a:noFill/>
+          </a:ln>
+        </p:spPr>
+        <p:txBody>
+          <a:bodyPr wrap="none" rtlCol="0">
+            <a:spAutoFit/>
+          </a:bodyPr>
+          <a:lstStyle/>
+          <a:p>
+            <a:pPr algn="ctr" defTabSz="514350" latinLnBrk="1"/>
+            <a:r>
+              <a:rPr lang="ko-KR" altLang="en-US" sz="844" dirty="0">
+                <a:latin typeface="KoPubWorld돋움체 Medium" panose="00000600000000000000" pitchFamily="2" charset="-127"/>
+                <a:ea typeface="KoPubWorld돋움체 Medium" panose="00000600000000000000" pitchFamily="2" charset="-127"/>
+                <a:cs typeface="KoPubWorld돋움체 Medium" panose="00000600000000000000" pitchFamily="2" charset="-127"/>
+              </a:rPr>
+              <a:t>우측 메뉴</a:t>
+            </a:r>
+          </a:p>
+        </p:txBody>
+      </p:sp>
+      <p:sp>
+        <p:nvSpPr>
+          <p:cNvPr id="48" name="TextBox 47">
+            <a:extLst>
+              <a:ext uri="{FF2B5EF4-FFF2-40B4-BE49-F238E27FC236}">
+                <a16:creationId xmlns:a16="http://schemas.microsoft.com/office/drawing/2014/main" id="{DC9D2802-46FB-4957-85B6-C035EB71ED32}"/>
+              </a:ext>
+            </a:extLst>
+          </p:cNvPr>
+          <p:cNvSpPr txBox="1"/>
+          <p:nvPr/>
+        </p:nvSpPr>
+        <p:spPr>
+          <a:xfrm>
+            <a:off x="4855136" y="2617661"/>
+            <a:ext cx="500457" cy="222240"/>
+          </a:xfrm>
+          <a:prstGeom prst="rect">
+            <a:avLst/>
+          </a:prstGeom>
+          <a:noFill/>
+          <a:ln>
+            <a:noFill/>
+          </a:ln>
+        </p:spPr>
+        <p:txBody>
+          <a:bodyPr wrap="none" rtlCol="0">
+            <a:spAutoFit/>
+          </a:bodyPr>
+          <a:lstStyle/>
+          <a:p>
+            <a:pPr algn="ctr" defTabSz="514350" latinLnBrk="1"/>
+            <a:r>
+              <a:rPr lang="ko-KR" altLang="en-US" sz="844" dirty="0">
+                <a:latin typeface="KoPubWorld돋움체 Medium" panose="00000600000000000000" pitchFamily="2" charset="-127"/>
+                <a:ea typeface="KoPubWorld돋움체 Medium" panose="00000600000000000000" pitchFamily="2" charset="-127"/>
+                <a:cs typeface="KoPubWorld돋움체 Medium" panose="00000600000000000000" pitchFamily="2" charset="-127"/>
+              </a:rPr>
+              <a:t>좌측 맵</a:t>
+            </a:r>
+          </a:p>
+        </p:txBody>
+      </p:sp>
+      <p:cxnSp>
+        <p:nvCxnSpPr>
+          <p:cNvPr id="14" name="직선 연결선 13">
+            <a:extLst>
+              <a:ext uri="{FF2B5EF4-FFF2-40B4-BE49-F238E27FC236}">
+                <a16:creationId xmlns:a16="http://schemas.microsoft.com/office/drawing/2014/main" id="{AA81918C-5DD1-4848-8D75-2C8614C71B65}"/>
+              </a:ext>
+            </a:extLst>
+          </p:cNvPr>
+          <p:cNvCxnSpPr>
+            <a:cxnSpLocks/>
+          </p:cNvCxnSpPr>
+          <p:nvPr/>
+        </p:nvCxnSpPr>
+        <p:spPr>
+          <a:xfrm>
+            <a:off x="4850709" y="2326640"/>
+            <a:ext cx="0" cy="2184400"/>
+          </a:xfrm>
+          <a:prstGeom prst="line">
+            <a:avLst/>
+          </a:prstGeom>
+          <a:ln w="12700">
+            <a:solidFill>
+              <a:schemeClr val="tx1"/>
+            </a:solidFill>
+            <a:prstDash val="dash"/>
           </a:ln>
         </p:spPr>
         <p:style>
